--- a/Engine/src/resources/tests/EX_2/ex2 scetch.pptx
+++ b/Engine/src/resources/tests/EX_2/ex2 scetch.pptx
@@ -263,7 +263,7 @@
           <a:p>
             <a:fld id="{B07DFADD-6B5C-4CEB-A114-B6EB2FA09572}" type="datetimeFigureOut">
               <a:rPr lang="en-IL" smtClean="0"/>
-              <a:t>02/07/2023</a:t>
+              <a:t>21/08/2023</a:t>
             </a:fld>
             <a:endParaRPr lang="en-IL"/>
           </a:p>
@@ -463,7 +463,7 @@
           <a:p>
             <a:fld id="{B07DFADD-6B5C-4CEB-A114-B6EB2FA09572}" type="datetimeFigureOut">
               <a:rPr lang="en-IL" smtClean="0"/>
-              <a:t>02/07/2023</a:t>
+              <a:t>21/08/2023</a:t>
             </a:fld>
             <a:endParaRPr lang="en-IL"/>
           </a:p>
@@ -673,7 +673,7 @@
           <a:p>
             <a:fld id="{B07DFADD-6B5C-4CEB-A114-B6EB2FA09572}" type="datetimeFigureOut">
               <a:rPr lang="en-IL" smtClean="0"/>
-              <a:t>02/07/2023</a:t>
+              <a:t>21/08/2023</a:t>
             </a:fld>
             <a:endParaRPr lang="en-IL"/>
           </a:p>
@@ -873,7 +873,7 @@
           <a:p>
             <a:fld id="{B07DFADD-6B5C-4CEB-A114-B6EB2FA09572}" type="datetimeFigureOut">
               <a:rPr lang="en-IL" smtClean="0"/>
-              <a:t>02/07/2023</a:t>
+              <a:t>21/08/2023</a:t>
             </a:fld>
             <a:endParaRPr lang="en-IL"/>
           </a:p>
@@ -1149,7 +1149,7 @@
           <a:p>
             <a:fld id="{B07DFADD-6B5C-4CEB-A114-B6EB2FA09572}" type="datetimeFigureOut">
               <a:rPr lang="en-IL" smtClean="0"/>
-              <a:t>02/07/2023</a:t>
+              <a:t>21/08/2023</a:t>
             </a:fld>
             <a:endParaRPr lang="en-IL"/>
           </a:p>
@@ -1417,7 +1417,7 @@
           <a:p>
             <a:fld id="{B07DFADD-6B5C-4CEB-A114-B6EB2FA09572}" type="datetimeFigureOut">
               <a:rPr lang="en-IL" smtClean="0"/>
-              <a:t>02/07/2023</a:t>
+              <a:t>21/08/2023</a:t>
             </a:fld>
             <a:endParaRPr lang="en-IL"/>
           </a:p>
@@ -1832,7 +1832,7 @@
           <a:p>
             <a:fld id="{B07DFADD-6B5C-4CEB-A114-B6EB2FA09572}" type="datetimeFigureOut">
               <a:rPr lang="en-IL" smtClean="0"/>
-              <a:t>02/07/2023</a:t>
+              <a:t>21/08/2023</a:t>
             </a:fld>
             <a:endParaRPr lang="en-IL"/>
           </a:p>
@@ -1974,7 +1974,7 @@
           <a:p>
             <a:fld id="{B07DFADD-6B5C-4CEB-A114-B6EB2FA09572}" type="datetimeFigureOut">
               <a:rPr lang="en-IL" smtClean="0"/>
-              <a:t>02/07/2023</a:t>
+              <a:t>21/08/2023</a:t>
             </a:fld>
             <a:endParaRPr lang="en-IL"/>
           </a:p>
@@ -2087,7 +2087,7 @@
           <a:p>
             <a:fld id="{B07DFADD-6B5C-4CEB-A114-B6EB2FA09572}" type="datetimeFigureOut">
               <a:rPr lang="en-IL" smtClean="0"/>
-              <a:t>02/07/2023</a:t>
+              <a:t>21/08/2023</a:t>
             </a:fld>
             <a:endParaRPr lang="en-IL"/>
           </a:p>
@@ -2400,7 +2400,7 @@
           <a:p>
             <a:fld id="{B07DFADD-6B5C-4CEB-A114-B6EB2FA09572}" type="datetimeFigureOut">
               <a:rPr lang="en-IL" smtClean="0"/>
-              <a:t>02/07/2023</a:t>
+              <a:t>21/08/2023</a:t>
             </a:fld>
             <a:endParaRPr lang="en-IL"/>
           </a:p>
@@ -2689,7 +2689,7 @@
           <a:p>
             <a:fld id="{B07DFADD-6B5C-4CEB-A114-B6EB2FA09572}" type="datetimeFigureOut">
               <a:rPr lang="en-IL" smtClean="0"/>
-              <a:t>02/07/2023</a:t>
+              <a:t>21/08/2023</a:t>
             </a:fld>
             <a:endParaRPr lang="en-IL"/>
           </a:p>
@@ -2932,7 +2932,7 @@
           <a:p>
             <a:fld id="{B07DFADD-6B5C-4CEB-A114-B6EB2FA09572}" type="datetimeFigureOut">
               <a:rPr lang="en-IL" smtClean="0"/>
-              <a:t>02/07/2023</a:t>
+              <a:t>21/08/2023</a:t>
             </a:fld>
             <a:endParaRPr lang="en-IL"/>
           </a:p>
@@ -8689,73 +8689,55 @@
         <p:spPr>
           <a:xfrm>
             <a:off x="2510444" y="906240"/>
-            <a:ext cx="9168938" cy="385894"/>
+            <a:ext cx="6711250" cy="385894"/>
           </a:xfrm>
           <a:custGeom>
             <a:avLst/>
             <a:gdLst>
-              <a:gd name="connsiteX0" fmla="*/ 0 w 9168938"/>
+              <a:gd name="connsiteX0" fmla="*/ 0 w 6711250"/>
               <a:gd name="connsiteY0" fmla="*/ 0 h 385894"/>
-              <a:gd name="connsiteX1" fmla="*/ 379856 w 9168938"/>
+              <a:gd name="connsiteX1" fmla="*/ 805350 w 6711250"/>
               <a:gd name="connsiteY1" fmla="*/ 0 h 385894"/>
-              <a:gd name="connsiteX2" fmla="*/ 759712 w 9168938"/>
+              <a:gd name="connsiteX2" fmla="*/ 1342250 w 6711250"/>
               <a:gd name="connsiteY2" fmla="*/ 0 h 385894"/>
-              <a:gd name="connsiteX3" fmla="*/ 1322947 w 9168938"/>
+              <a:gd name="connsiteX3" fmla="*/ 2147600 w 6711250"/>
               <a:gd name="connsiteY3" fmla="*/ 0 h 385894"/>
-              <a:gd name="connsiteX4" fmla="*/ 1794492 w 9168938"/>
+              <a:gd name="connsiteX4" fmla="*/ 2818725 w 6711250"/>
               <a:gd name="connsiteY4" fmla="*/ 0 h 385894"/>
-              <a:gd name="connsiteX5" fmla="*/ 2632795 w 9168938"/>
+              <a:gd name="connsiteX5" fmla="*/ 3556963 w 6711250"/>
               <a:gd name="connsiteY5" fmla="*/ 0 h 385894"/>
-              <a:gd name="connsiteX6" fmla="*/ 3287719 w 9168938"/>
+              <a:gd name="connsiteX6" fmla="*/ 4228088 w 6711250"/>
               <a:gd name="connsiteY6" fmla="*/ 0 h 385894"/>
-              <a:gd name="connsiteX7" fmla="*/ 3759265 w 9168938"/>
+              <a:gd name="connsiteX7" fmla="*/ 5033438 w 6711250"/>
               <a:gd name="connsiteY7" fmla="*/ 0 h 385894"/>
-              <a:gd name="connsiteX8" fmla="*/ 4505878 w 9168938"/>
+              <a:gd name="connsiteX8" fmla="*/ 5838788 w 6711250"/>
               <a:gd name="connsiteY8" fmla="*/ 0 h 385894"/>
-              <a:gd name="connsiteX9" fmla="*/ 5069113 w 9168938"/>
+              <a:gd name="connsiteX9" fmla="*/ 6711250 w 6711250"/>
               <a:gd name="connsiteY9" fmla="*/ 0 h 385894"/>
-              <a:gd name="connsiteX10" fmla="*/ 5907416 w 9168938"/>
-              <a:gd name="connsiteY10" fmla="*/ 0 h 385894"/>
-              <a:gd name="connsiteX11" fmla="*/ 6470651 w 9168938"/>
-              <a:gd name="connsiteY11" fmla="*/ 0 h 385894"/>
-              <a:gd name="connsiteX12" fmla="*/ 7125575 w 9168938"/>
-              <a:gd name="connsiteY12" fmla="*/ 0 h 385894"/>
-              <a:gd name="connsiteX13" fmla="*/ 7505431 w 9168938"/>
-              <a:gd name="connsiteY13" fmla="*/ 0 h 385894"/>
-              <a:gd name="connsiteX14" fmla="*/ 7976976 w 9168938"/>
-              <a:gd name="connsiteY14" fmla="*/ 0 h 385894"/>
-              <a:gd name="connsiteX15" fmla="*/ 9168938 w 9168938"/>
-              <a:gd name="connsiteY15" fmla="*/ 0 h 385894"/>
-              <a:gd name="connsiteX16" fmla="*/ 9168938 w 9168938"/>
+              <a:gd name="connsiteX10" fmla="*/ 6711250 w 6711250"/>
+              <a:gd name="connsiteY10" fmla="*/ 385894 h 385894"/>
+              <a:gd name="connsiteX11" fmla="*/ 6107238 w 6711250"/>
+              <a:gd name="connsiteY11" fmla="*/ 385894 h 385894"/>
+              <a:gd name="connsiteX12" fmla="*/ 5570338 w 6711250"/>
+              <a:gd name="connsiteY12" fmla="*/ 385894 h 385894"/>
+              <a:gd name="connsiteX13" fmla="*/ 4832100 w 6711250"/>
+              <a:gd name="connsiteY13" fmla="*/ 385894 h 385894"/>
+              <a:gd name="connsiteX14" fmla="*/ 4295200 w 6711250"/>
+              <a:gd name="connsiteY14" fmla="*/ 385894 h 385894"/>
+              <a:gd name="connsiteX15" fmla="*/ 3825412 w 6711250"/>
+              <a:gd name="connsiteY15" fmla="*/ 385894 h 385894"/>
+              <a:gd name="connsiteX16" fmla="*/ 3087175 w 6711250"/>
               <a:gd name="connsiteY16" fmla="*/ 385894 h 385894"/>
-              <a:gd name="connsiteX17" fmla="*/ 8605703 w 9168938"/>
+              <a:gd name="connsiteX17" fmla="*/ 2550275 w 6711250"/>
               <a:gd name="connsiteY17" fmla="*/ 385894 h 385894"/>
-              <a:gd name="connsiteX18" fmla="*/ 7950779 w 9168938"/>
+              <a:gd name="connsiteX18" fmla="*/ 1744925 w 6711250"/>
               <a:gd name="connsiteY18" fmla="*/ 385894 h 385894"/>
-              <a:gd name="connsiteX19" fmla="*/ 7570923 w 9168938"/>
+              <a:gd name="connsiteX19" fmla="*/ 939575 w 6711250"/>
               <a:gd name="connsiteY19" fmla="*/ 385894 h 385894"/>
-              <a:gd name="connsiteX20" fmla="*/ 6824310 w 9168938"/>
+              <a:gd name="connsiteX20" fmla="*/ 0 w 6711250"/>
               <a:gd name="connsiteY20" fmla="*/ 385894 h 385894"/>
-              <a:gd name="connsiteX21" fmla="*/ 6077696 w 9168938"/>
-              <a:gd name="connsiteY21" fmla="*/ 385894 h 385894"/>
-              <a:gd name="connsiteX22" fmla="*/ 5239393 w 9168938"/>
-              <a:gd name="connsiteY22" fmla="*/ 385894 h 385894"/>
-              <a:gd name="connsiteX23" fmla="*/ 4401090 w 9168938"/>
-              <a:gd name="connsiteY23" fmla="*/ 385894 h 385894"/>
-              <a:gd name="connsiteX24" fmla="*/ 3562787 w 9168938"/>
-              <a:gd name="connsiteY24" fmla="*/ 385894 h 385894"/>
-              <a:gd name="connsiteX25" fmla="*/ 2816174 w 9168938"/>
-              <a:gd name="connsiteY25" fmla="*/ 385894 h 385894"/>
-              <a:gd name="connsiteX26" fmla="*/ 2069560 w 9168938"/>
-              <a:gd name="connsiteY26" fmla="*/ 385894 h 385894"/>
-              <a:gd name="connsiteX27" fmla="*/ 1414636 w 9168938"/>
-              <a:gd name="connsiteY27" fmla="*/ 385894 h 385894"/>
-              <a:gd name="connsiteX28" fmla="*/ 668023 w 9168938"/>
-              <a:gd name="connsiteY28" fmla="*/ 385894 h 385894"/>
-              <a:gd name="connsiteX29" fmla="*/ 0 w 9168938"/>
-              <a:gd name="connsiteY29" fmla="*/ 385894 h 385894"/>
-              <a:gd name="connsiteX30" fmla="*/ 0 w 9168938"/>
-              <a:gd name="connsiteY30" fmla="*/ 0 h 385894"/>
+              <a:gd name="connsiteX21" fmla="*/ 0 w 6711250"/>
+              <a:gd name="connsiteY21" fmla="*/ 0 h 385894"/>
             </a:gdLst>
             <a:ahLst/>
             <a:cxnLst>
@@ -8825,344 +8807,232 @@
               <a:cxn ang="0">
                 <a:pos x="connsiteX21" y="connsiteY21"/>
               </a:cxn>
-              <a:cxn ang="0">
-                <a:pos x="connsiteX22" y="connsiteY22"/>
-              </a:cxn>
-              <a:cxn ang="0">
-                <a:pos x="connsiteX23" y="connsiteY23"/>
-              </a:cxn>
-              <a:cxn ang="0">
-                <a:pos x="connsiteX24" y="connsiteY24"/>
-              </a:cxn>
-              <a:cxn ang="0">
-                <a:pos x="connsiteX25" y="connsiteY25"/>
-              </a:cxn>
-              <a:cxn ang="0">
-                <a:pos x="connsiteX26" y="connsiteY26"/>
-              </a:cxn>
-              <a:cxn ang="0">
-                <a:pos x="connsiteX27" y="connsiteY27"/>
-              </a:cxn>
-              <a:cxn ang="0">
-                <a:pos x="connsiteX28" y="connsiteY28"/>
-              </a:cxn>
-              <a:cxn ang="0">
-                <a:pos x="connsiteX29" y="connsiteY29"/>
-              </a:cxn>
-              <a:cxn ang="0">
-                <a:pos x="connsiteX30" y="connsiteY30"/>
-              </a:cxn>
             </a:cxnLst>
             <a:rect l="l" t="t" r="r" b="b"/>
             <a:pathLst>
-              <a:path w="9168938" h="385894" fill="none" extrusionOk="0">
+              <a:path w="6711250" h="385894" fill="none" extrusionOk="0">
                 <a:moveTo>
                   <a:pt x="0" y="0"/>
                 </a:moveTo>
                 <a:cubicBezTo>
-                  <a:pt x="109062" y="16837"/>
-                  <a:pt x="273507" y="14328"/>
-                  <a:pt x="379856" y="0"/>
-                </a:cubicBezTo>
-                <a:cubicBezTo>
-                  <a:pt x="486205" y="-14328"/>
-                  <a:pt x="616695" y="1243"/>
-                  <a:pt x="759712" y="0"/>
-                </a:cubicBezTo>
-                <a:cubicBezTo>
-                  <a:pt x="902729" y="-1243"/>
-                  <a:pt x="1174820" y="-22671"/>
-                  <a:pt x="1322947" y="0"/>
-                </a:cubicBezTo>
-                <a:cubicBezTo>
-                  <a:pt x="1471074" y="22671"/>
-                  <a:pt x="1662186" y="6843"/>
-                  <a:pt x="1794492" y="0"/>
-                </a:cubicBezTo>
-                <a:cubicBezTo>
-                  <a:pt x="1926799" y="-6843"/>
-                  <a:pt x="2436152" y="28712"/>
-                  <a:pt x="2632795" y="0"/>
-                </a:cubicBezTo>
-                <a:cubicBezTo>
-                  <a:pt x="2829438" y="-28712"/>
-                  <a:pt x="3022598" y="20775"/>
-                  <a:pt x="3287719" y="0"/>
-                </a:cubicBezTo>
-                <a:cubicBezTo>
-                  <a:pt x="3552840" y="-20775"/>
-                  <a:pt x="3657299" y="-14308"/>
-                  <a:pt x="3759265" y="0"/>
-                </a:cubicBezTo>
-                <a:cubicBezTo>
-                  <a:pt x="3861231" y="14308"/>
-                  <a:pt x="4301132" y="32393"/>
-                  <a:pt x="4505878" y="0"/>
-                </a:cubicBezTo>
-                <a:cubicBezTo>
-                  <a:pt x="4710624" y="-32393"/>
-                  <a:pt x="4805008" y="8492"/>
-                  <a:pt x="5069113" y="0"/>
-                </a:cubicBezTo>
-                <a:cubicBezTo>
-                  <a:pt x="5333219" y="-8492"/>
-                  <a:pt x="5683698" y="-11402"/>
-                  <a:pt x="5907416" y="0"/>
-                </a:cubicBezTo>
-                <a:cubicBezTo>
-                  <a:pt x="6131134" y="11402"/>
-                  <a:pt x="6353020" y="9761"/>
-                  <a:pt x="6470651" y="0"/>
-                </a:cubicBezTo>
-                <a:cubicBezTo>
-                  <a:pt x="6588282" y="-9761"/>
-                  <a:pt x="6968592" y="6069"/>
-                  <a:pt x="7125575" y="0"/>
-                </a:cubicBezTo>
-                <a:cubicBezTo>
-                  <a:pt x="7282558" y="-6069"/>
-                  <a:pt x="7319459" y="3139"/>
-                  <a:pt x="7505431" y="0"/>
-                </a:cubicBezTo>
-                <a:cubicBezTo>
-                  <a:pt x="7691403" y="-3139"/>
-                  <a:pt x="7830540" y="-4183"/>
-                  <a:pt x="7976976" y="0"/>
-                </a:cubicBezTo>
-                <a:cubicBezTo>
-                  <a:pt x="8123412" y="4183"/>
-                  <a:pt x="8686879" y="4248"/>
-                  <a:pt x="9168938" y="0"/>
-                </a:cubicBezTo>
-                <a:cubicBezTo>
-                  <a:pt x="9155880" y="145020"/>
-                  <a:pt x="9184779" y="229499"/>
-                  <a:pt x="9168938" y="385894"/>
-                </a:cubicBezTo>
-                <a:cubicBezTo>
-                  <a:pt x="8911737" y="382051"/>
-                  <a:pt x="8873667" y="385566"/>
-                  <a:pt x="8605703" y="385894"/>
-                </a:cubicBezTo>
-                <a:cubicBezTo>
-                  <a:pt x="8337739" y="386222"/>
-                  <a:pt x="8249970" y="411106"/>
-                  <a:pt x="7950779" y="385894"/>
-                </a:cubicBezTo>
-                <a:cubicBezTo>
-                  <a:pt x="7651588" y="360682"/>
-                  <a:pt x="7702983" y="397245"/>
-                  <a:pt x="7570923" y="385894"/>
-                </a:cubicBezTo>
-                <a:cubicBezTo>
-                  <a:pt x="7438863" y="374543"/>
-                  <a:pt x="7067862" y="420778"/>
-                  <a:pt x="6824310" y="385894"/>
-                </a:cubicBezTo>
-                <a:cubicBezTo>
-                  <a:pt x="6580758" y="351010"/>
-                  <a:pt x="6272097" y="408634"/>
-                  <a:pt x="6077696" y="385894"/>
-                </a:cubicBezTo>
-                <a:cubicBezTo>
-                  <a:pt x="5883295" y="363154"/>
-                  <a:pt x="5599968" y="390224"/>
-                  <a:pt x="5239393" y="385894"/>
-                </a:cubicBezTo>
-                <a:cubicBezTo>
-                  <a:pt x="4878818" y="381564"/>
-                  <a:pt x="4722040" y="361803"/>
-                  <a:pt x="4401090" y="385894"/>
-                </a:cubicBezTo>
-                <a:cubicBezTo>
-                  <a:pt x="4080140" y="409985"/>
-                  <a:pt x="3790741" y="352874"/>
-                  <a:pt x="3562787" y="385894"/>
-                </a:cubicBezTo>
-                <a:cubicBezTo>
-                  <a:pt x="3334833" y="418914"/>
-                  <a:pt x="3177466" y="376367"/>
-                  <a:pt x="2816174" y="385894"/>
-                </a:cubicBezTo>
-                <a:cubicBezTo>
-                  <a:pt x="2454882" y="395421"/>
-                  <a:pt x="2332741" y="399480"/>
-                  <a:pt x="2069560" y="385894"/>
-                </a:cubicBezTo>
-                <a:cubicBezTo>
-                  <a:pt x="1806379" y="372308"/>
-                  <a:pt x="1564600" y="387524"/>
-                  <a:pt x="1414636" y="385894"/>
-                </a:cubicBezTo>
-                <a:cubicBezTo>
-                  <a:pt x="1264672" y="384264"/>
-                  <a:pt x="963577" y="380456"/>
-                  <a:pt x="668023" y="385894"/>
-                </a:cubicBezTo>
-                <a:cubicBezTo>
-                  <a:pt x="372469" y="391332"/>
-                  <a:pt x="215725" y="400789"/>
+                  <a:pt x="376145" y="25517"/>
+                  <a:pt x="486206" y="-3876"/>
+                  <a:pt x="805350" y="0"/>
+                </a:cubicBezTo>
+                <a:cubicBezTo>
+                  <a:pt x="1124494" y="3876"/>
+                  <a:pt x="1088506" y="5783"/>
+                  <a:pt x="1342250" y="0"/>
+                </a:cubicBezTo>
+                <a:cubicBezTo>
+                  <a:pt x="1595994" y="-5783"/>
+                  <a:pt x="1865484" y="-30567"/>
+                  <a:pt x="2147600" y="0"/>
+                </a:cubicBezTo>
+                <a:cubicBezTo>
+                  <a:pt x="2429716" y="30567"/>
+                  <a:pt x="2505577" y="-3691"/>
+                  <a:pt x="2818725" y="0"/>
+                </a:cubicBezTo>
+                <a:cubicBezTo>
+                  <a:pt x="3131874" y="3691"/>
+                  <a:pt x="3280526" y="-4823"/>
+                  <a:pt x="3556963" y="0"/>
+                </a:cubicBezTo>
+                <a:cubicBezTo>
+                  <a:pt x="3833400" y="4823"/>
+                  <a:pt x="3907206" y="-31137"/>
+                  <a:pt x="4228088" y="0"/>
+                </a:cubicBezTo>
+                <a:cubicBezTo>
+                  <a:pt x="4548971" y="31137"/>
+                  <a:pt x="4785624" y="-36792"/>
+                  <a:pt x="5033438" y="0"/>
+                </a:cubicBezTo>
+                <a:cubicBezTo>
+                  <a:pt x="5281252" y="36792"/>
+                  <a:pt x="5559889" y="-3042"/>
+                  <a:pt x="5838788" y="0"/>
+                </a:cubicBezTo>
+                <a:cubicBezTo>
+                  <a:pt x="6117687" y="3042"/>
+                  <a:pt x="6308866" y="14509"/>
+                  <a:pt x="6711250" y="0"/>
+                </a:cubicBezTo>
+                <a:cubicBezTo>
+                  <a:pt x="6702621" y="189067"/>
+                  <a:pt x="6699316" y="255993"/>
+                  <a:pt x="6711250" y="385894"/>
+                </a:cubicBezTo>
+                <a:cubicBezTo>
+                  <a:pt x="6480392" y="367177"/>
+                  <a:pt x="6253871" y="399850"/>
+                  <a:pt x="6107238" y="385894"/>
+                </a:cubicBezTo>
+                <a:cubicBezTo>
+                  <a:pt x="5960605" y="371938"/>
+                  <a:pt x="5741237" y="384286"/>
+                  <a:pt x="5570338" y="385894"/>
+                </a:cubicBezTo>
+                <a:cubicBezTo>
+                  <a:pt x="5399439" y="387502"/>
+                  <a:pt x="5142552" y="398159"/>
+                  <a:pt x="4832100" y="385894"/>
+                </a:cubicBezTo>
+                <a:cubicBezTo>
+                  <a:pt x="4521648" y="373629"/>
+                  <a:pt x="4456372" y="384667"/>
+                  <a:pt x="4295200" y="385894"/>
+                </a:cubicBezTo>
+                <a:cubicBezTo>
+                  <a:pt x="4134028" y="387121"/>
+                  <a:pt x="3959238" y="371646"/>
+                  <a:pt x="3825412" y="385894"/>
+                </a:cubicBezTo>
+                <a:cubicBezTo>
+                  <a:pt x="3691586" y="400142"/>
+                  <a:pt x="3409411" y="406084"/>
+                  <a:pt x="3087175" y="385894"/>
+                </a:cubicBezTo>
+                <a:cubicBezTo>
+                  <a:pt x="2764939" y="365704"/>
+                  <a:pt x="2733798" y="385331"/>
+                  <a:pt x="2550275" y="385894"/>
+                </a:cubicBezTo>
+                <a:cubicBezTo>
+                  <a:pt x="2366752" y="386457"/>
+                  <a:pt x="2127329" y="413940"/>
+                  <a:pt x="1744925" y="385894"/>
+                </a:cubicBezTo>
+                <a:cubicBezTo>
+                  <a:pt x="1362521" y="357849"/>
+                  <a:pt x="1176675" y="407382"/>
+                  <a:pt x="939575" y="385894"/>
+                </a:cubicBezTo>
+                <a:cubicBezTo>
+                  <a:pt x="702475" y="364407"/>
+                  <a:pt x="404878" y="359588"/>
                   <a:pt x="0" y="385894"/>
                 </a:cubicBezTo>
                 <a:cubicBezTo>
-                  <a:pt x="-8782" y="245997"/>
-                  <a:pt x="4906" y="166052"/>
+                  <a:pt x="-17158" y="307280"/>
+                  <a:pt x="4418" y="191596"/>
                   <a:pt x="0" y="0"/>
                 </a:cubicBezTo>
                 <a:close/>
               </a:path>
-              <a:path w="9168938" h="385894" stroke="0" extrusionOk="0">
+              <a:path w="6711250" h="385894" stroke="0" extrusionOk="0">
                 <a:moveTo>
                   <a:pt x="0" y="0"/>
                 </a:moveTo>
                 <a:cubicBezTo>
-                  <a:pt x="218231" y="-28203"/>
-                  <a:pt x="655585" y="-32911"/>
-                  <a:pt x="838303" y="0"/>
-                </a:cubicBezTo>
-                <a:cubicBezTo>
-                  <a:pt x="1021021" y="32911"/>
-                  <a:pt x="1252932" y="16683"/>
-                  <a:pt x="1493227" y="0"/>
-                </a:cubicBezTo>
-                <a:cubicBezTo>
-                  <a:pt x="1733522" y="-16683"/>
-                  <a:pt x="1872003" y="-21577"/>
-                  <a:pt x="2056462" y="0"/>
-                </a:cubicBezTo>
-                <a:cubicBezTo>
-                  <a:pt x="2240921" y="21577"/>
-                  <a:pt x="2418077" y="-26779"/>
-                  <a:pt x="2619697" y="0"/>
-                </a:cubicBezTo>
-                <a:cubicBezTo>
-                  <a:pt x="2821318" y="26779"/>
-                  <a:pt x="2908211" y="-4755"/>
-                  <a:pt x="3182931" y="0"/>
-                </a:cubicBezTo>
-                <a:cubicBezTo>
-                  <a:pt x="3457651" y="4755"/>
-                  <a:pt x="3516591" y="2173"/>
-                  <a:pt x="3654477" y="0"/>
-                </a:cubicBezTo>
-                <a:cubicBezTo>
-                  <a:pt x="3792363" y="-2173"/>
-                  <a:pt x="4139996" y="-27403"/>
-                  <a:pt x="4492780" y="0"/>
-                </a:cubicBezTo>
-                <a:cubicBezTo>
-                  <a:pt x="4845564" y="27403"/>
-                  <a:pt x="4937830" y="19110"/>
-                  <a:pt x="5056014" y="0"/>
-                </a:cubicBezTo>
-                <a:cubicBezTo>
-                  <a:pt x="5174198" y="-19110"/>
-                  <a:pt x="5473905" y="29200"/>
-                  <a:pt x="5802628" y="0"/>
-                </a:cubicBezTo>
-                <a:cubicBezTo>
-                  <a:pt x="6131351" y="-29200"/>
-                  <a:pt x="6456551" y="4047"/>
-                  <a:pt x="6640931" y="0"/>
-                </a:cubicBezTo>
-                <a:cubicBezTo>
-                  <a:pt x="6825311" y="-4047"/>
-                  <a:pt x="7046463" y="26611"/>
-                  <a:pt x="7387544" y="0"/>
-                </a:cubicBezTo>
-                <a:cubicBezTo>
-                  <a:pt x="7728625" y="-26611"/>
-                  <a:pt x="7625757" y="10482"/>
-                  <a:pt x="7859090" y="0"/>
-                </a:cubicBezTo>
-                <a:cubicBezTo>
-                  <a:pt x="8092423" y="-10482"/>
-                  <a:pt x="8115291" y="-19664"/>
-                  <a:pt x="8330635" y="0"/>
-                </a:cubicBezTo>
-                <a:cubicBezTo>
-                  <a:pt x="8545980" y="19664"/>
-                  <a:pt x="8966080" y="4899"/>
-                  <a:pt x="9168938" y="0"/>
-                </a:cubicBezTo>
-                <a:cubicBezTo>
-                  <a:pt x="9175001" y="178796"/>
-                  <a:pt x="9173853" y="301434"/>
-                  <a:pt x="9168938" y="385894"/>
-                </a:cubicBezTo>
-                <a:cubicBezTo>
-                  <a:pt x="9031859" y="376904"/>
-                  <a:pt x="8931072" y="372841"/>
-                  <a:pt x="8789082" y="385894"/>
-                </a:cubicBezTo>
-                <a:cubicBezTo>
-                  <a:pt x="8647092" y="398947"/>
-                  <a:pt x="8492837" y="374906"/>
-                  <a:pt x="8317537" y="385894"/>
-                </a:cubicBezTo>
-                <a:cubicBezTo>
-                  <a:pt x="8142237" y="396882"/>
-                  <a:pt x="7820150" y="383987"/>
-                  <a:pt x="7570923" y="385894"/>
-                </a:cubicBezTo>
-                <a:cubicBezTo>
-                  <a:pt x="7321696" y="387801"/>
-                  <a:pt x="7184647" y="363976"/>
-                  <a:pt x="7007688" y="385894"/>
-                </a:cubicBezTo>
-                <a:cubicBezTo>
-                  <a:pt x="6830730" y="407812"/>
-                  <a:pt x="6432090" y="361397"/>
-                  <a:pt x="6261075" y="385894"/>
-                </a:cubicBezTo>
-                <a:cubicBezTo>
-                  <a:pt x="6090060" y="410391"/>
-                  <a:pt x="5682555" y="401736"/>
-                  <a:pt x="5422772" y="385894"/>
-                </a:cubicBezTo>
-                <a:cubicBezTo>
-                  <a:pt x="5162989" y="370052"/>
-                  <a:pt x="4973548" y="397323"/>
-                  <a:pt x="4859537" y="385894"/>
-                </a:cubicBezTo>
-                <a:cubicBezTo>
-                  <a:pt x="4745527" y="374465"/>
-                  <a:pt x="4502955" y="397324"/>
-                  <a:pt x="4296302" y="385894"/>
-                </a:cubicBezTo>
-                <a:cubicBezTo>
-                  <a:pt x="4089650" y="374464"/>
-                  <a:pt x="3833997" y="376715"/>
-                  <a:pt x="3641378" y="385894"/>
-                </a:cubicBezTo>
-                <a:cubicBezTo>
-                  <a:pt x="3448759" y="395073"/>
-                  <a:pt x="3152947" y="396857"/>
-                  <a:pt x="2803075" y="385894"/>
-                </a:cubicBezTo>
-                <a:cubicBezTo>
-                  <a:pt x="2453203" y="374931"/>
-                  <a:pt x="2485093" y="394633"/>
-                  <a:pt x="2239841" y="385894"/>
-                </a:cubicBezTo>
-                <a:cubicBezTo>
-                  <a:pt x="1994589" y="377155"/>
-                  <a:pt x="1905885" y="380236"/>
-                  <a:pt x="1676606" y="385894"/>
-                </a:cubicBezTo>
-                <a:cubicBezTo>
-                  <a:pt x="1447327" y="391552"/>
-                  <a:pt x="1312781" y="389703"/>
-                  <a:pt x="1205060" y="385894"/>
-                </a:cubicBezTo>
-                <a:cubicBezTo>
-                  <a:pt x="1097339" y="382085"/>
-                  <a:pt x="529910" y="415141"/>
+                  <a:pt x="170568" y="35852"/>
+                  <a:pt x="441081" y="-15027"/>
+                  <a:pt x="805350" y="0"/>
+                </a:cubicBezTo>
+                <a:cubicBezTo>
+                  <a:pt x="1169619" y="15027"/>
+                  <a:pt x="1234794" y="-19847"/>
+                  <a:pt x="1476475" y="0"/>
+                </a:cubicBezTo>
+                <a:cubicBezTo>
+                  <a:pt x="1718157" y="19847"/>
+                  <a:pt x="1941344" y="18569"/>
+                  <a:pt x="2080488" y="0"/>
+                </a:cubicBezTo>
+                <a:cubicBezTo>
+                  <a:pt x="2219632" y="-18569"/>
+                  <a:pt x="2542519" y="2058"/>
+                  <a:pt x="2684500" y="0"/>
+                </a:cubicBezTo>
+                <a:cubicBezTo>
+                  <a:pt x="2826481" y="-2058"/>
+                  <a:pt x="3024093" y="27539"/>
+                  <a:pt x="3288513" y="0"/>
+                </a:cubicBezTo>
+                <a:cubicBezTo>
+                  <a:pt x="3552933" y="-27539"/>
+                  <a:pt x="3562228" y="-21549"/>
+                  <a:pt x="3825413" y="0"/>
+                </a:cubicBezTo>
+                <a:cubicBezTo>
+                  <a:pt x="4088598" y="21549"/>
+                  <a:pt x="4320634" y="-29184"/>
+                  <a:pt x="4630763" y="0"/>
+                </a:cubicBezTo>
+                <a:cubicBezTo>
+                  <a:pt x="4940892" y="29184"/>
+                  <a:pt x="5103404" y="-12857"/>
+                  <a:pt x="5234775" y="0"/>
+                </a:cubicBezTo>
+                <a:cubicBezTo>
+                  <a:pt x="5366146" y="12857"/>
+                  <a:pt x="5666776" y="-7583"/>
+                  <a:pt x="5973013" y="0"/>
+                </a:cubicBezTo>
+                <a:cubicBezTo>
+                  <a:pt x="6279250" y="7583"/>
+                  <a:pt x="6351419" y="-600"/>
+                  <a:pt x="6711250" y="0"/>
+                </a:cubicBezTo>
+                <a:cubicBezTo>
+                  <a:pt x="6720043" y="162243"/>
+                  <a:pt x="6710604" y="222107"/>
+                  <a:pt x="6711250" y="385894"/>
+                </a:cubicBezTo>
+                <a:cubicBezTo>
+                  <a:pt x="6432962" y="373960"/>
+                  <a:pt x="6333245" y="376814"/>
+                  <a:pt x="5973013" y="385894"/>
+                </a:cubicBezTo>
+                <a:cubicBezTo>
+                  <a:pt x="5612781" y="394974"/>
+                  <a:pt x="5633707" y="404943"/>
+                  <a:pt x="5301888" y="385894"/>
+                </a:cubicBezTo>
+                <a:cubicBezTo>
+                  <a:pt x="4970069" y="366845"/>
+                  <a:pt x="4889363" y="404906"/>
+                  <a:pt x="4764988" y="385894"/>
+                </a:cubicBezTo>
+                <a:cubicBezTo>
+                  <a:pt x="4640613" y="366882"/>
+                  <a:pt x="4238343" y="376145"/>
+                  <a:pt x="4026750" y="385894"/>
+                </a:cubicBezTo>
+                <a:cubicBezTo>
+                  <a:pt x="3815157" y="395643"/>
+                  <a:pt x="3655207" y="386713"/>
+                  <a:pt x="3355625" y="385894"/>
+                </a:cubicBezTo>
+                <a:cubicBezTo>
+                  <a:pt x="3056044" y="385075"/>
+                  <a:pt x="3006281" y="373371"/>
+                  <a:pt x="2818725" y="385894"/>
+                </a:cubicBezTo>
+                <a:cubicBezTo>
+                  <a:pt x="2631169" y="398417"/>
+                  <a:pt x="2337280" y="351888"/>
+                  <a:pt x="2080488" y="385894"/>
+                </a:cubicBezTo>
+                <a:cubicBezTo>
+                  <a:pt x="1823696" y="419900"/>
+                  <a:pt x="1753540" y="377589"/>
+                  <a:pt x="1476475" y="385894"/>
+                </a:cubicBezTo>
+                <a:cubicBezTo>
+                  <a:pt x="1199410" y="394199"/>
+                  <a:pt x="1064795" y="405279"/>
+                  <a:pt x="738238" y="385894"/>
+                </a:cubicBezTo>
+                <a:cubicBezTo>
+                  <a:pt x="411681" y="366509"/>
+                  <a:pt x="368615" y="400278"/>
                   <a:pt x="0" y="385894"/>
                 </a:cubicBezTo>
                 <a:cubicBezTo>
-                  <a:pt x="11588" y="203059"/>
-                  <a:pt x="4866" y="182462"/>
+                  <a:pt x="6379" y="287104"/>
+                  <a:pt x="12686" y="156380"/>
                   <a:pt x="0" y="0"/>
                 </a:cubicBezTo>
                 <a:close/>
@@ -11028,76 +10898,96 @@
         </p:nvSpPr>
         <p:spPr>
           <a:xfrm>
-            <a:off x="6253844" y="1987743"/>
-            <a:ext cx="5220796" cy="3784249"/>
+            <a:off x="3658589" y="1987743"/>
+            <a:ext cx="7816051" cy="3784249"/>
           </a:xfrm>
           <a:custGeom>
             <a:avLst/>
             <a:gdLst>
-              <a:gd name="connsiteX0" fmla="*/ 0 w 5220796"/>
+              <a:gd name="connsiteX0" fmla="*/ 0 w 7816051"/>
               <a:gd name="connsiteY0" fmla="*/ 0 h 3784249"/>
-              <a:gd name="connsiteX1" fmla="*/ 423465 w 5220796"/>
+              <a:gd name="connsiteX1" fmla="*/ 480129 w 7816051"/>
               <a:gd name="connsiteY1" fmla="*/ 0 h 3784249"/>
-              <a:gd name="connsiteX2" fmla="*/ 1107969 w 5220796"/>
+              <a:gd name="connsiteX2" fmla="*/ 803937 w 7816051"/>
               <a:gd name="connsiteY2" fmla="*/ 0 h 3784249"/>
-              <a:gd name="connsiteX3" fmla="*/ 1583641 w 5220796"/>
+              <a:gd name="connsiteX3" fmla="*/ 1205905 w 7816051"/>
               <a:gd name="connsiteY3" fmla="*/ 0 h 3784249"/>
-              <a:gd name="connsiteX4" fmla="*/ 2059314 w 5220796"/>
+              <a:gd name="connsiteX4" fmla="*/ 1842355 w 7816051"/>
               <a:gd name="connsiteY4" fmla="*/ 0 h 3784249"/>
-              <a:gd name="connsiteX5" fmla="*/ 2691610 w 5220796"/>
+              <a:gd name="connsiteX5" fmla="*/ 2478805 w 7816051"/>
               <a:gd name="connsiteY5" fmla="*/ 0 h 3784249"/>
-              <a:gd name="connsiteX6" fmla="*/ 3167283 w 5220796"/>
+              <a:gd name="connsiteX6" fmla="*/ 2802613 w 7816051"/>
               <a:gd name="connsiteY6" fmla="*/ 0 h 3784249"/>
-              <a:gd name="connsiteX7" fmla="*/ 3695163 w 5220796"/>
+              <a:gd name="connsiteX7" fmla="*/ 3517223 w 7816051"/>
               <a:gd name="connsiteY7" fmla="*/ 0 h 3784249"/>
-              <a:gd name="connsiteX8" fmla="*/ 4275252 w 5220796"/>
+              <a:gd name="connsiteX8" fmla="*/ 3919191 w 7816051"/>
               <a:gd name="connsiteY8" fmla="*/ 0 h 3784249"/>
-              <a:gd name="connsiteX9" fmla="*/ 5220796 w 5220796"/>
+              <a:gd name="connsiteX9" fmla="*/ 4399320 w 7816051"/>
               <a:gd name="connsiteY9" fmla="*/ 0 h 3784249"/>
-              <a:gd name="connsiteX10" fmla="*/ 5220796 w 5220796"/>
-              <a:gd name="connsiteY10" fmla="*/ 578449 h 3784249"/>
-              <a:gd name="connsiteX11" fmla="*/ 5220796 w 5220796"/>
-              <a:gd name="connsiteY11" fmla="*/ 1194741 h 3784249"/>
-              <a:gd name="connsiteX12" fmla="*/ 5220796 w 5220796"/>
-              <a:gd name="connsiteY12" fmla="*/ 1735348 h 3784249"/>
-              <a:gd name="connsiteX13" fmla="*/ 5220796 w 5220796"/>
-              <a:gd name="connsiteY13" fmla="*/ 2200270 h 3784249"/>
-              <a:gd name="connsiteX14" fmla="*/ 5220796 w 5220796"/>
-              <a:gd name="connsiteY14" fmla="*/ 2627350 h 3784249"/>
-              <a:gd name="connsiteX15" fmla="*/ 5220796 w 5220796"/>
-              <a:gd name="connsiteY15" fmla="*/ 3054430 h 3784249"/>
-              <a:gd name="connsiteX16" fmla="*/ 5220796 w 5220796"/>
-              <a:gd name="connsiteY16" fmla="*/ 3784249 h 3784249"/>
-              <a:gd name="connsiteX17" fmla="*/ 4692916 w 5220796"/>
-              <a:gd name="connsiteY17" fmla="*/ 3784249 h 3784249"/>
-              <a:gd name="connsiteX18" fmla="*/ 4165035 w 5220796"/>
-              <a:gd name="connsiteY18" fmla="*/ 3784249 h 3784249"/>
-              <a:gd name="connsiteX19" fmla="*/ 3480531 w 5220796"/>
-              <a:gd name="connsiteY19" fmla="*/ 3784249 h 3784249"/>
-              <a:gd name="connsiteX20" fmla="*/ 2900442 w 5220796"/>
-              <a:gd name="connsiteY20" fmla="*/ 3784249 h 3784249"/>
-              <a:gd name="connsiteX21" fmla="*/ 2320354 w 5220796"/>
+              <a:gd name="connsiteX10" fmla="*/ 4957609 w 7816051"/>
+              <a:gd name="connsiteY10" fmla="*/ 0 h 3784249"/>
+              <a:gd name="connsiteX11" fmla="*/ 5672220 w 7816051"/>
+              <a:gd name="connsiteY11" fmla="*/ 0 h 3784249"/>
+              <a:gd name="connsiteX12" fmla="*/ 6386830 w 7816051"/>
+              <a:gd name="connsiteY12" fmla="*/ 0 h 3784249"/>
+              <a:gd name="connsiteX13" fmla="*/ 6788799 w 7816051"/>
+              <a:gd name="connsiteY13" fmla="*/ 0 h 3784249"/>
+              <a:gd name="connsiteX14" fmla="*/ 7816051 w 7816051"/>
+              <a:gd name="connsiteY14" fmla="*/ 0 h 3784249"/>
+              <a:gd name="connsiteX15" fmla="*/ 7816051 w 7816051"/>
+              <a:gd name="connsiteY15" fmla="*/ 578449 h 3784249"/>
+              <a:gd name="connsiteX16" fmla="*/ 7816051 w 7816051"/>
+              <a:gd name="connsiteY16" fmla="*/ 1119056 h 3784249"/>
+              <a:gd name="connsiteX17" fmla="*/ 7816051 w 7816051"/>
+              <a:gd name="connsiteY17" fmla="*/ 1621821 h 3784249"/>
+              <a:gd name="connsiteX18" fmla="*/ 7816051 w 7816051"/>
+              <a:gd name="connsiteY18" fmla="*/ 2162428 h 3784249"/>
+              <a:gd name="connsiteX19" fmla="*/ 7816051 w 7816051"/>
+              <a:gd name="connsiteY19" fmla="*/ 2740877 h 3784249"/>
+              <a:gd name="connsiteX20" fmla="*/ 7816051 w 7816051"/>
+              <a:gd name="connsiteY20" fmla="*/ 3281484 h 3784249"/>
+              <a:gd name="connsiteX21" fmla="*/ 7816051 w 7816051"/>
               <a:gd name="connsiteY21" fmla="*/ 3784249 h 3784249"/>
-              <a:gd name="connsiteX22" fmla="*/ 1844681 w 5220796"/>
+              <a:gd name="connsiteX22" fmla="*/ 7101441 w 7816051"/>
               <a:gd name="connsiteY22" fmla="*/ 3784249 h 3784249"/>
-              <a:gd name="connsiteX23" fmla="*/ 1264593 w 5220796"/>
+              <a:gd name="connsiteX23" fmla="*/ 6699472 w 7816051"/>
               <a:gd name="connsiteY23" fmla="*/ 3784249 h 3784249"/>
-              <a:gd name="connsiteX24" fmla="*/ 736712 w 5220796"/>
+              <a:gd name="connsiteX24" fmla="*/ 5984862 w 7816051"/>
               <a:gd name="connsiteY24" fmla="*/ 3784249 h 3784249"/>
-              <a:gd name="connsiteX25" fmla="*/ 0 w 5220796"/>
+              <a:gd name="connsiteX25" fmla="*/ 5348412 w 7816051"/>
               <a:gd name="connsiteY25" fmla="*/ 3784249 h 3784249"/>
-              <a:gd name="connsiteX26" fmla="*/ 0 w 5220796"/>
-              <a:gd name="connsiteY26" fmla="*/ 3205800 h 3784249"/>
-              <a:gd name="connsiteX27" fmla="*/ 0 w 5220796"/>
-              <a:gd name="connsiteY27" fmla="*/ 2740877 h 3784249"/>
-              <a:gd name="connsiteX28" fmla="*/ 0 w 5220796"/>
-              <a:gd name="connsiteY28" fmla="*/ 2238113 h 3784249"/>
-              <a:gd name="connsiteX29" fmla="*/ 0 w 5220796"/>
-              <a:gd name="connsiteY29" fmla="*/ 1659663 h 3784249"/>
-              <a:gd name="connsiteX30" fmla="*/ 0 w 5220796"/>
-              <a:gd name="connsiteY30" fmla="*/ 1043372 h 3784249"/>
-              <a:gd name="connsiteX31" fmla="*/ 0 w 5220796"/>
-              <a:gd name="connsiteY31" fmla="*/ 0 h 3784249"/>
+              <a:gd name="connsiteX26" fmla="*/ 4868283 w 7816051"/>
+              <a:gd name="connsiteY26" fmla="*/ 3784249 h 3784249"/>
+              <a:gd name="connsiteX27" fmla="*/ 4153673 w 7816051"/>
+              <a:gd name="connsiteY27" fmla="*/ 3784249 h 3784249"/>
+              <a:gd name="connsiteX28" fmla="*/ 3751704 w 7816051"/>
+              <a:gd name="connsiteY28" fmla="*/ 3784249 h 3784249"/>
+              <a:gd name="connsiteX29" fmla="*/ 3193415 w 7816051"/>
+              <a:gd name="connsiteY29" fmla="*/ 3784249 h 3784249"/>
+              <a:gd name="connsiteX30" fmla="*/ 2869607 w 7816051"/>
+              <a:gd name="connsiteY30" fmla="*/ 3784249 h 3784249"/>
+              <a:gd name="connsiteX31" fmla="*/ 2389478 w 7816051"/>
+              <a:gd name="connsiteY31" fmla="*/ 3784249 h 3784249"/>
+              <a:gd name="connsiteX32" fmla="*/ 1674868 w 7816051"/>
+              <a:gd name="connsiteY32" fmla="*/ 3784249 h 3784249"/>
+              <a:gd name="connsiteX33" fmla="*/ 1038418 w 7816051"/>
+              <a:gd name="connsiteY33" fmla="*/ 3784249 h 3784249"/>
+              <a:gd name="connsiteX34" fmla="*/ 0 w 7816051"/>
+              <a:gd name="connsiteY34" fmla="*/ 3784249 h 3784249"/>
+              <a:gd name="connsiteX35" fmla="*/ 0 w 7816051"/>
+              <a:gd name="connsiteY35" fmla="*/ 3319327 h 3784249"/>
+              <a:gd name="connsiteX36" fmla="*/ 0 w 7816051"/>
+              <a:gd name="connsiteY36" fmla="*/ 2854405 h 3784249"/>
+              <a:gd name="connsiteX37" fmla="*/ 0 w 7816051"/>
+              <a:gd name="connsiteY37" fmla="*/ 2427325 h 3784249"/>
+              <a:gd name="connsiteX38" fmla="*/ 0 w 7816051"/>
+              <a:gd name="connsiteY38" fmla="*/ 1962403 h 3784249"/>
+              <a:gd name="connsiteX39" fmla="*/ 0 w 7816051"/>
+              <a:gd name="connsiteY39" fmla="*/ 1497481 h 3784249"/>
+              <a:gd name="connsiteX40" fmla="*/ 0 w 7816051"/>
+              <a:gd name="connsiteY40" fmla="*/ 919032 h 3784249"/>
+              <a:gd name="connsiteX41" fmla="*/ 0 w 7816051"/>
+              <a:gd name="connsiteY41" fmla="*/ 0 h 3784249"/>
             </a:gdLst>
             <a:ahLst/>
             <a:cxnLst>
@@ -11197,327 +11087,462 @@
               <a:cxn ang="0">
                 <a:pos x="connsiteX31" y="connsiteY31"/>
               </a:cxn>
+              <a:cxn ang="0">
+                <a:pos x="connsiteX32" y="connsiteY32"/>
+              </a:cxn>
+              <a:cxn ang="0">
+                <a:pos x="connsiteX33" y="connsiteY33"/>
+              </a:cxn>
+              <a:cxn ang="0">
+                <a:pos x="connsiteX34" y="connsiteY34"/>
+              </a:cxn>
+              <a:cxn ang="0">
+                <a:pos x="connsiteX35" y="connsiteY35"/>
+              </a:cxn>
+              <a:cxn ang="0">
+                <a:pos x="connsiteX36" y="connsiteY36"/>
+              </a:cxn>
+              <a:cxn ang="0">
+                <a:pos x="connsiteX37" y="connsiteY37"/>
+              </a:cxn>
+              <a:cxn ang="0">
+                <a:pos x="connsiteX38" y="connsiteY38"/>
+              </a:cxn>
+              <a:cxn ang="0">
+                <a:pos x="connsiteX39" y="connsiteY39"/>
+              </a:cxn>
+              <a:cxn ang="0">
+                <a:pos x="connsiteX40" y="connsiteY40"/>
+              </a:cxn>
+              <a:cxn ang="0">
+                <a:pos x="connsiteX41" y="connsiteY41"/>
+              </a:cxn>
             </a:cxnLst>
             <a:rect l="l" t="t" r="r" b="b"/>
             <a:pathLst>
-              <a:path w="5220796" h="3784249" fill="none" extrusionOk="0">
+              <a:path w="7816051" h="3784249" fill="none" extrusionOk="0">
                 <a:moveTo>
                   <a:pt x="0" y="0"/>
                 </a:moveTo>
                 <a:cubicBezTo>
-                  <a:pt x="107158" y="-28184"/>
-                  <a:pt x="255911" y="28845"/>
-                  <a:pt x="423465" y="0"/>
-                </a:cubicBezTo>
-                <a:cubicBezTo>
-                  <a:pt x="591020" y="-28845"/>
-                  <a:pt x="940968" y="29416"/>
-                  <a:pt x="1107969" y="0"/>
-                </a:cubicBezTo>
-                <a:cubicBezTo>
-                  <a:pt x="1274970" y="-29416"/>
-                  <a:pt x="1479412" y="41790"/>
-                  <a:pt x="1583641" y="0"/>
-                </a:cubicBezTo>
-                <a:cubicBezTo>
-                  <a:pt x="1687870" y="-41790"/>
-                  <a:pt x="1959233" y="28545"/>
-                  <a:pt x="2059314" y="0"/>
-                </a:cubicBezTo>
-                <a:cubicBezTo>
-                  <a:pt x="2159395" y="-28545"/>
-                  <a:pt x="2469919" y="35769"/>
-                  <a:pt x="2691610" y="0"/>
-                </a:cubicBezTo>
-                <a:cubicBezTo>
-                  <a:pt x="2913301" y="-35769"/>
-                  <a:pt x="2981589" y="1977"/>
-                  <a:pt x="3167283" y="0"/>
-                </a:cubicBezTo>
-                <a:cubicBezTo>
-                  <a:pt x="3352977" y="-1977"/>
-                  <a:pt x="3456837" y="47589"/>
-                  <a:pt x="3695163" y="0"/>
-                </a:cubicBezTo>
-                <a:cubicBezTo>
-                  <a:pt x="3933489" y="-47589"/>
-                  <a:pt x="4011007" y="65533"/>
-                  <a:pt x="4275252" y="0"/>
-                </a:cubicBezTo>
-                <a:cubicBezTo>
-                  <a:pt x="4539497" y="-65533"/>
-                  <a:pt x="4828512" y="65106"/>
-                  <a:pt x="5220796" y="0"/>
-                </a:cubicBezTo>
-                <a:cubicBezTo>
-                  <a:pt x="5284114" y="180512"/>
-                  <a:pt x="5205084" y="299862"/>
-                  <a:pt x="5220796" y="578449"/>
-                </a:cubicBezTo>
-                <a:cubicBezTo>
-                  <a:pt x="5236508" y="857036"/>
-                  <a:pt x="5152520" y="944064"/>
-                  <a:pt x="5220796" y="1194741"/>
-                </a:cubicBezTo>
-                <a:cubicBezTo>
-                  <a:pt x="5289072" y="1445418"/>
-                  <a:pt x="5212120" y="1570392"/>
-                  <a:pt x="5220796" y="1735348"/>
-                </a:cubicBezTo>
-                <a:cubicBezTo>
-                  <a:pt x="5229472" y="1900304"/>
-                  <a:pt x="5212874" y="2037640"/>
-                  <a:pt x="5220796" y="2200270"/>
-                </a:cubicBezTo>
-                <a:cubicBezTo>
-                  <a:pt x="5228718" y="2362900"/>
-                  <a:pt x="5179729" y="2413915"/>
-                  <a:pt x="5220796" y="2627350"/>
-                </a:cubicBezTo>
-                <a:cubicBezTo>
-                  <a:pt x="5261863" y="2840785"/>
-                  <a:pt x="5191182" y="2951741"/>
-                  <a:pt x="5220796" y="3054430"/>
-                </a:cubicBezTo>
-                <a:cubicBezTo>
-                  <a:pt x="5250410" y="3157119"/>
-                  <a:pt x="5197695" y="3540765"/>
-                  <a:pt x="5220796" y="3784249"/>
-                </a:cubicBezTo>
-                <a:cubicBezTo>
-                  <a:pt x="4985825" y="3793289"/>
-                  <a:pt x="4949167" y="3738133"/>
-                  <a:pt x="4692916" y="3784249"/>
-                </a:cubicBezTo>
-                <a:cubicBezTo>
-                  <a:pt x="4436665" y="3830365"/>
-                  <a:pt x="4423942" y="3767406"/>
-                  <a:pt x="4165035" y="3784249"/>
-                </a:cubicBezTo>
-                <a:cubicBezTo>
-                  <a:pt x="3906128" y="3801092"/>
-                  <a:pt x="3661884" y="3762342"/>
-                  <a:pt x="3480531" y="3784249"/>
-                </a:cubicBezTo>
-                <a:cubicBezTo>
-                  <a:pt x="3299178" y="3806156"/>
-                  <a:pt x="3124159" y="3735017"/>
-                  <a:pt x="2900442" y="3784249"/>
-                </a:cubicBezTo>
-                <a:cubicBezTo>
-                  <a:pt x="2676725" y="3833481"/>
-                  <a:pt x="2591839" y="3769936"/>
-                  <a:pt x="2320354" y="3784249"/>
-                </a:cubicBezTo>
-                <a:cubicBezTo>
-                  <a:pt x="2048869" y="3798562"/>
-                  <a:pt x="2016157" y="3737764"/>
-                  <a:pt x="1844681" y="3784249"/>
-                </a:cubicBezTo>
-                <a:cubicBezTo>
-                  <a:pt x="1673205" y="3830734"/>
-                  <a:pt x="1509364" y="3741181"/>
-                  <a:pt x="1264593" y="3784249"/>
-                </a:cubicBezTo>
-                <a:cubicBezTo>
-                  <a:pt x="1019822" y="3827317"/>
-                  <a:pt x="981064" y="3723484"/>
-                  <a:pt x="736712" y="3784249"/>
-                </a:cubicBezTo>
-                <a:cubicBezTo>
-                  <a:pt x="492360" y="3845014"/>
-                  <a:pt x="246577" y="3770561"/>
+                  <a:pt x="214691" y="-51180"/>
+                  <a:pt x="291827" y="34981"/>
+                  <a:pt x="480129" y="0"/>
+                </a:cubicBezTo>
+                <a:cubicBezTo>
+                  <a:pt x="668431" y="-34981"/>
+                  <a:pt x="688245" y="14902"/>
+                  <a:pt x="803937" y="0"/>
+                </a:cubicBezTo>
+                <a:cubicBezTo>
+                  <a:pt x="919629" y="-14902"/>
+                  <a:pt x="1112627" y="27729"/>
+                  <a:pt x="1205905" y="0"/>
+                </a:cubicBezTo>
+                <a:cubicBezTo>
+                  <a:pt x="1299183" y="-27729"/>
+                  <a:pt x="1529747" y="71400"/>
+                  <a:pt x="1842355" y="0"/>
+                </a:cubicBezTo>
+                <a:cubicBezTo>
+                  <a:pt x="2154963" y="-71400"/>
+                  <a:pt x="2229373" y="63318"/>
+                  <a:pt x="2478805" y="0"/>
+                </a:cubicBezTo>
+                <a:cubicBezTo>
+                  <a:pt x="2728237" y="-63318"/>
+                  <a:pt x="2725589" y="29369"/>
+                  <a:pt x="2802613" y="0"/>
+                </a:cubicBezTo>
+                <a:cubicBezTo>
+                  <a:pt x="2879637" y="-29369"/>
+                  <a:pt x="3278998" y="10575"/>
+                  <a:pt x="3517223" y="0"/>
+                </a:cubicBezTo>
+                <a:cubicBezTo>
+                  <a:pt x="3755448" y="-10575"/>
+                  <a:pt x="3786618" y="33147"/>
+                  <a:pt x="3919191" y="0"/>
+                </a:cubicBezTo>
+                <a:cubicBezTo>
+                  <a:pt x="4051764" y="-33147"/>
+                  <a:pt x="4247015" y="38066"/>
+                  <a:pt x="4399320" y="0"/>
+                </a:cubicBezTo>
+                <a:cubicBezTo>
+                  <a:pt x="4551625" y="-38066"/>
+                  <a:pt x="4735045" y="8739"/>
+                  <a:pt x="4957609" y="0"/>
+                </a:cubicBezTo>
+                <a:cubicBezTo>
+                  <a:pt x="5180173" y="-8739"/>
+                  <a:pt x="5461404" y="66363"/>
+                  <a:pt x="5672220" y="0"/>
+                </a:cubicBezTo>
+                <a:cubicBezTo>
+                  <a:pt x="5883036" y="-66363"/>
+                  <a:pt x="6086844" y="81381"/>
+                  <a:pt x="6386830" y="0"/>
+                </a:cubicBezTo>
+                <a:cubicBezTo>
+                  <a:pt x="6686816" y="-81381"/>
+                  <a:pt x="6618864" y="20427"/>
+                  <a:pt x="6788799" y="0"/>
+                </a:cubicBezTo>
+                <a:cubicBezTo>
+                  <a:pt x="6958734" y="-20427"/>
+                  <a:pt x="7426194" y="64989"/>
+                  <a:pt x="7816051" y="0"/>
+                </a:cubicBezTo>
+                <a:cubicBezTo>
+                  <a:pt x="7834751" y="151710"/>
+                  <a:pt x="7806309" y="353405"/>
+                  <a:pt x="7816051" y="578449"/>
+                </a:cubicBezTo>
+                <a:cubicBezTo>
+                  <a:pt x="7825793" y="803493"/>
+                  <a:pt x="7768845" y="960146"/>
+                  <a:pt x="7816051" y="1119056"/>
+                </a:cubicBezTo>
+                <a:cubicBezTo>
+                  <a:pt x="7863257" y="1277966"/>
+                  <a:pt x="7780678" y="1507388"/>
+                  <a:pt x="7816051" y="1621821"/>
+                </a:cubicBezTo>
+                <a:cubicBezTo>
+                  <a:pt x="7851424" y="1736255"/>
+                  <a:pt x="7803143" y="1915614"/>
+                  <a:pt x="7816051" y="2162428"/>
+                </a:cubicBezTo>
+                <a:cubicBezTo>
+                  <a:pt x="7828959" y="2409242"/>
+                  <a:pt x="7768462" y="2493059"/>
+                  <a:pt x="7816051" y="2740877"/>
+                </a:cubicBezTo>
+                <a:cubicBezTo>
+                  <a:pt x="7863640" y="2988695"/>
+                  <a:pt x="7754361" y="3162626"/>
+                  <a:pt x="7816051" y="3281484"/>
+                </a:cubicBezTo>
+                <a:cubicBezTo>
+                  <a:pt x="7877741" y="3400342"/>
+                  <a:pt x="7798840" y="3571775"/>
+                  <a:pt x="7816051" y="3784249"/>
+                </a:cubicBezTo>
+                <a:cubicBezTo>
+                  <a:pt x="7530790" y="3814827"/>
+                  <a:pt x="7362208" y="3776060"/>
+                  <a:pt x="7101441" y="3784249"/>
+                </a:cubicBezTo>
+                <a:cubicBezTo>
+                  <a:pt x="6840674" y="3792438"/>
+                  <a:pt x="6807735" y="3739257"/>
+                  <a:pt x="6699472" y="3784249"/>
+                </a:cubicBezTo>
+                <a:cubicBezTo>
+                  <a:pt x="6591209" y="3829241"/>
+                  <a:pt x="6180114" y="3729411"/>
+                  <a:pt x="5984862" y="3784249"/>
+                </a:cubicBezTo>
+                <a:cubicBezTo>
+                  <a:pt x="5789610" y="3839087"/>
+                  <a:pt x="5654957" y="3711835"/>
+                  <a:pt x="5348412" y="3784249"/>
+                </a:cubicBezTo>
+                <a:cubicBezTo>
+                  <a:pt x="5041867" y="3856663"/>
+                  <a:pt x="5107188" y="3750660"/>
+                  <a:pt x="4868283" y="3784249"/>
+                </a:cubicBezTo>
+                <a:cubicBezTo>
+                  <a:pt x="4629378" y="3817838"/>
+                  <a:pt x="4358783" y="3739532"/>
+                  <a:pt x="4153673" y="3784249"/>
+                </a:cubicBezTo>
+                <a:cubicBezTo>
+                  <a:pt x="3948563" y="3828966"/>
+                  <a:pt x="3905748" y="3759265"/>
+                  <a:pt x="3751704" y="3784249"/>
+                </a:cubicBezTo>
+                <a:cubicBezTo>
+                  <a:pt x="3597660" y="3809233"/>
+                  <a:pt x="3332729" y="3748154"/>
+                  <a:pt x="3193415" y="3784249"/>
+                </a:cubicBezTo>
+                <a:cubicBezTo>
+                  <a:pt x="3054101" y="3820344"/>
+                  <a:pt x="2974396" y="3771827"/>
+                  <a:pt x="2869607" y="3784249"/>
+                </a:cubicBezTo>
+                <a:cubicBezTo>
+                  <a:pt x="2764818" y="3796671"/>
+                  <a:pt x="2597551" y="3731213"/>
+                  <a:pt x="2389478" y="3784249"/>
+                </a:cubicBezTo>
+                <a:cubicBezTo>
+                  <a:pt x="2181405" y="3837285"/>
+                  <a:pt x="1830973" y="3725655"/>
+                  <a:pt x="1674868" y="3784249"/>
+                </a:cubicBezTo>
+                <a:cubicBezTo>
+                  <a:pt x="1518763" y="3842843"/>
+                  <a:pt x="1326909" y="3712601"/>
+                  <a:pt x="1038418" y="3784249"/>
+                </a:cubicBezTo>
+                <a:cubicBezTo>
+                  <a:pt x="749927" y="3855897"/>
+                  <a:pt x="335368" y="3713528"/>
                   <a:pt x="0" y="3784249"/>
                 </a:cubicBezTo>
                 <a:cubicBezTo>
-                  <a:pt x="-21398" y="3610032"/>
-                  <a:pt x="56520" y="3409268"/>
-                  <a:pt x="0" y="3205800"/>
-                </a:cubicBezTo>
-                <a:cubicBezTo>
-                  <a:pt x="-56520" y="3002332"/>
-                  <a:pt x="24924" y="2854645"/>
-                  <a:pt x="0" y="2740877"/>
-                </a:cubicBezTo>
-                <a:cubicBezTo>
-                  <a:pt x="-24924" y="2627109"/>
-                  <a:pt x="37249" y="2484163"/>
-                  <a:pt x="0" y="2238113"/>
-                </a:cubicBezTo>
-                <a:cubicBezTo>
-                  <a:pt x="-37249" y="1992063"/>
-                  <a:pt x="52701" y="1802026"/>
-                  <a:pt x="0" y="1659663"/>
-                </a:cubicBezTo>
-                <a:cubicBezTo>
-                  <a:pt x="-52701" y="1517300"/>
-                  <a:pt x="39125" y="1231652"/>
-                  <a:pt x="0" y="1043372"/>
-                </a:cubicBezTo>
-                <a:cubicBezTo>
-                  <a:pt x="-39125" y="855092"/>
-                  <a:pt x="111535" y="245610"/>
+                  <a:pt x="-30460" y="3598870"/>
+                  <a:pt x="33554" y="3422279"/>
+                  <a:pt x="0" y="3319327"/>
+                </a:cubicBezTo>
+                <a:cubicBezTo>
+                  <a:pt x="-33554" y="3216375"/>
+                  <a:pt x="10727" y="3083773"/>
+                  <a:pt x="0" y="2854405"/>
+                </a:cubicBezTo>
+                <a:cubicBezTo>
+                  <a:pt x="-10727" y="2625037"/>
+                  <a:pt x="39366" y="2560220"/>
+                  <a:pt x="0" y="2427325"/>
+                </a:cubicBezTo>
+                <a:cubicBezTo>
+                  <a:pt x="-39366" y="2294430"/>
+                  <a:pt x="37422" y="2093780"/>
+                  <a:pt x="0" y="1962403"/>
+                </a:cubicBezTo>
+                <a:cubicBezTo>
+                  <a:pt x="-37422" y="1831026"/>
+                  <a:pt x="35455" y="1632588"/>
+                  <a:pt x="0" y="1497481"/>
+                </a:cubicBezTo>
+                <a:cubicBezTo>
+                  <a:pt x="-35455" y="1362374"/>
+                  <a:pt x="15276" y="1169735"/>
+                  <a:pt x="0" y="919032"/>
+                </a:cubicBezTo>
+                <a:cubicBezTo>
+                  <a:pt x="-15276" y="668329"/>
+                  <a:pt x="67272" y="342821"/>
                   <a:pt x="0" y="0"/>
                 </a:cubicBezTo>
                 <a:close/>
               </a:path>
-              <a:path w="5220796" h="3784249" stroke="0" extrusionOk="0">
+              <a:path w="7816051" h="3784249" stroke="0" extrusionOk="0">
                 <a:moveTo>
                   <a:pt x="0" y="0"/>
                 </a:moveTo>
                 <a:cubicBezTo>
-                  <a:pt x="203770" y="-52154"/>
-                  <a:pt x="471878" y="39144"/>
-                  <a:pt x="632296" y="0"/>
-                </a:cubicBezTo>
-                <a:cubicBezTo>
-                  <a:pt x="792714" y="-39144"/>
-                  <a:pt x="1104694" y="1972"/>
-                  <a:pt x="1316801" y="0"/>
-                </a:cubicBezTo>
-                <a:cubicBezTo>
-                  <a:pt x="1528909" y="-1972"/>
-                  <a:pt x="1668859" y="31487"/>
-                  <a:pt x="1949097" y="0"/>
-                </a:cubicBezTo>
-                <a:cubicBezTo>
-                  <a:pt x="2229335" y="-31487"/>
-                  <a:pt x="2423097" y="14639"/>
-                  <a:pt x="2581394" y="0"/>
-                </a:cubicBezTo>
-                <a:cubicBezTo>
-                  <a:pt x="2739691" y="-14639"/>
-                  <a:pt x="3044790" y="46651"/>
-                  <a:pt x="3213690" y="0"/>
-                </a:cubicBezTo>
-                <a:cubicBezTo>
-                  <a:pt x="3382590" y="-46651"/>
-                  <a:pt x="3454526" y="2666"/>
-                  <a:pt x="3637155" y="0"/>
-                </a:cubicBezTo>
-                <a:cubicBezTo>
-                  <a:pt x="3819784" y="-2666"/>
-                  <a:pt x="4074265" y="36884"/>
-                  <a:pt x="4269451" y="0"/>
-                </a:cubicBezTo>
-                <a:cubicBezTo>
-                  <a:pt x="4464637" y="-36884"/>
-                  <a:pt x="4930519" y="75685"/>
-                  <a:pt x="5220796" y="0"/>
-                </a:cubicBezTo>
-                <a:cubicBezTo>
-                  <a:pt x="5246245" y="130019"/>
-                  <a:pt x="5206424" y="324187"/>
-                  <a:pt x="5220796" y="427080"/>
-                </a:cubicBezTo>
-                <a:cubicBezTo>
-                  <a:pt x="5235168" y="529973"/>
-                  <a:pt x="5190498" y="740896"/>
-                  <a:pt x="5220796" y="1005529"/>
-                </a:cubicBezTo>
-                <a:cubicBezTo>
-                  <a:pt x="5251094" y="1270162"/>
-                  <a:pt x="5199677" y="1276514"/>
-                  <a:pt x="5220796" y="1432609"/>
-                </a:cubicBezTo>
-                <a:cubicBezTo>
-                  <a:pt x="5241915" y="1588704"/>
-                  <a:pt x="5162890" y="1847981"/>
-                  <a:pt x="5220796" y="1973216"/>
-                </a:cubicBezTo>
-                <a:cubicBezTo>
-                  <a:pt x="5278702" y="2098451"/>
-                  <a:pt x="5219415" y="2260532"/>
-                  <a:pt x="5220796" y="2475980"/>
-                </a:cubicBezTo>
-                <a:cubicBezTo>
-                  <a:pt x="5222177" y="2691428"/>
-                  <a:pt x="5216646" y="2878366"/>
-                  <a:pt x="5220796" y="3054430"/>
-                </a:cubicBezTo>
-                <a:cubicBezTo>
-                  <a:pt x="5224946" y="3230494"/>
-                  <a:pt x="5196774" y="3477633"/>
-                  <a:pt x="5220796" y="3784249"/>
-                </a:cubicBezTo>
-                <a:cubicBezTo>
-                  <a:pt x="4979102" y="3808321"/>
-                  <a:pt x="4848950" y="3720818"/>
-                  <a:pt x="4588500" y="3784249"/>
-                </a:cubicBezTo>
-                <a:cubicBezTo>
-                  <a:pt x="4328050" y="3847680"/>
-                  <a:pt x="4350070" y="3781893"/>
-                  <a:pt x="4165035" y="3784249"/>
-                </a:cubicBezTo>
-                <a:cubicBezTo>
-                  <a:pt x="3980001" y="3786605"/>
-                  <a:pt x="3787175" y="3721710"/>
-                  <a:pt x="3532739" y="3784249"/>
-                </a:cubicBezTo>
-                <a:cubicBezTo>
-                  <a:pt x="3278303" y="3846788"/>
-                  <a:pt x="3207741" y="3771838"/>
-                  <a:pt x="3057066" y="3784249"/>
-                </a:cubicBezTo>
-                <a:cubicBezTo>
-                  <a:pt x="2906391" y="3796660"/>
-                  <a:pt x="2677909" y="3782562"/>
-                  <a:pt x="2529186" y="3784249"/>
-                </a:cubicBezTo>
-                <a:cubicBezTo>
-                  <a:pt x="2380463" y="3785936"/>
-                  <a:pt x="2316862" y="3782133"/>
-                  <a:pt x="2105721" y="3784249"/>
-                </a:cubicBezTo>
-                <a:cubicBezTo>
-                  <a:pt x="1894581" y="3786365"/>
-                  <a:pt x="1626767" y="3751532"/>
-                  <a:pt x="1473425" y="3784249"/>
-                </a:cubicBezTo>
-                <a:cubicBezTo>
-                  <a:pt x="1320083" y="3816966"/>
-                  <a:pt x="1185273" y="3778264"/>
-                  <a:pt x="997752" y="3784249"/>
-                </a:cubicBezTo>
-                <a:cubicBezTo>
-                  <a:pt x="810231" y="3790234"/>
-                  <a:pt x="326174" y="3687063"/>
+                  <a:pt x="186634" y="-46627"/>
+                  <a:pt x="425761" y="5813"/>
+                  <a:pt x="636450" y="0"/>
+                </a:cubicBezTo>
+                <a:cubicBezTo>
+                  <a:pt x="847139" y="-5813"/>
+                  <a:pt x="1088284" y="24712"/>
+                  <a:pt x="1351060" y="0"/>
+                </a:cubicBezTo>
+                <a:cubicBezTo>
+                  <a:pt x="1613836" y="-24712"/>
+                  <a:pt x="1819002" y="29087"/>
+                  <a:pt x="1987510" y="0"/>
+                </a:cubicBezTo>
+                <a:cubicBezTo>
+                  <a:pt x="2156018" y="-29087"/>
+                  <a:pt x="2366151" y="48858"/>
+                  <a:pt x="2623960" y="0"/>
+                </a:cubicBezTo>
+                <a:cubicBezTo>
+                  <a:pt x="2881769" y="-48858"/>
+                  <a:pt x="2960322" y="38629"/>
+                  <a:pt x="3260410" y="0"/>
+                </a:cubicBezTo>
+                <a:cubicBezTo>
+                  <a:pt x="3560498" y="-38629"/>
+                  <a:pt x="3451390" y="31764"/>
+                  <a:pt x="3584218" y="0"/>
+                </a:cubicBezTo>
+                <a:cubicBezTo>
+                  <a:pt x="3717046" y="-31764"/>
+                  <a:pt x="3946236" y="60235"/>
+                  <a:pt x="4220668" y="0"/>
+                </a:cubicBezTo>
+                <a:cubicBezTo>
+                  <a:pt x="4495100" y="-60235"/>
+                  <a:pt x="4607221" y="26725"/>
+                  <a:pt x="4778957" y="0"/>
+                </a:cubicBezTo>
+                <a:cubicBezTo>
+                  <a:pt x="4950693" y="-26725"/>
+                  <a:pt x="4959894" y="15081"/>
+                  <a:pt x="5102765" y="0"/>
+                </a:cubicBezTo>
+                <a:cubicBezTo>
+                  <a:pt x="5245636" y="-15081"/>
+                  <a:pt x="5592543" y="76335"/>
+                  <a:pt x="5817375" y="0"/>
+                </a:cubicBezTo>
+                <a:cubicBezTo>
+                  <a:pt x="6042207" y="-76335"/>
+                  <a:pt x="6088438" y="9474"/>
+                  <a:pt x="6297504" y="0"/>
+                </a:cubicBezTo>
+                <a:cubicBezTo>
+                  <a:pt x="6506570" y="-9474"/>
+                  <a:pt x="6549926" y="24384"/>
+                  <a:pt x="6621312" y="0"/>
+                </a:cubicBezTo>
+                <a:cubicBezTo>
+                  <a:pt x="6692698" y="-24384"/>
+                  <a:pt x="6991728" y="81129"/>
+                  <a:pt x="7335922" y="0"/>
+                </a:cubicBezTo>
+                <a:cubicBezTo>
+                  <a:pt x="7680116" y="-81129"/>
+                  <a:pt x="7717645" y="27831"/>
+                  <a:pt x="7816051" y="0"/>
+                </a:cubicBezTo>
+                <a:cubicBezTo>
+                  <a:pt x="7865388" y="211589"/>
+                  <a:pt x="7784064" y="400468"/>
+                  <a:pt x="7816051" y="540607"/>
+                </a:cubicBezTo>
+                <a:cubicBezTo>
+                  <a:pt x="7848038" y="680746"/>
+                  <a:pt x="7779430" y="878013"/>
+                  <a:pt x="7816051" y="1119056"/>
+                </a:cubicBezTo>
+                <a:cubicBezTo>
+                  <a:pt x="7852672" y="1360099"/>
+                  <a:pt x="7802149" y="1566643"/>
+                  <a:pt x="7816051" y="1697506"/>
+                </a:cubicBezTo>
+                <a:cubicBezTo>
+                  <a:pt x="7829953" y="1828369"/>
+                  <a:pt x="7782426" y="1997348"/>
+                  <a:pt x="7816051" y="2238113"/>
+                </a:cubicBezTo>
+                <a:cubicBezTo>
+                  <a:pt x="7849676" y="2478878"/>
+                  <a:pt x="7789498" y="2702775"/>
+                  <a:pt x="7816051" y="2854405"/>
+                </a:cubicBezTo>
+                <a:cubicBezTo>
+                  <a:pt x="7842604" y="3006035"/>
+                  <a:pt x="7720390" y="3436070"/>
+                  <a:pt x="7816051" y="3784249"/>
+                </a:cubicBezTo>
+                <a:cubicBezTo>
+                  <a:pt x="7567192" y="3836376"/>
+                  <a:pt x="7456412" y="3699596"/>
+                  <a:pt x="7101441" y="3784249"/>
+                </a:cubicBezTo>
+                <a:cubicBezTo>
+                  <a:pt x="6746470" y="3868902"/>
+                  <a:pt x="6694804" y="3783494"/>
+                  <a:pt x="6464991" y="3784249"/>
+                </a:cubicBezTo>
+                <a:cubicBezTo>
+                  <a:pt x="6235178" y="3785004"/>
+                  <a:pt x="6180693" y="3743184"/>
+                  <a:pt x="6063022" y="3784249"/>
+                </a:cubicBezTo>
+                <a:cubicBezTo>
+                  <a:pt x="5945351" y="3825314"/>
+                  <a:pt x="5699648" y="3782824"/>
+                  <a:pt x="5582894" y="3784249"/>
+                </a:cubicBezTo>
+                <a:cubicBezTo>
+                  <a:pt x="5466140" y="3785674"/>
+                  <a:pt x="5327464" y="3782820"/>
+                  <a:pt x="5259086" y="3784249"/>
+                </a:cubicBezTo>
+                <a:cubicBezTo>
+                  <a:pt x="5190708" y="3785678"/>
+                  <a:pt x="4991748" y="3739438"/>
+                  <a:pt x="4857117" y="3784249"/>
+                </a:cubicBezTo>
+                <a:cubicBezTo>
+                  <a:pt x="4722486" y="3829060"/>
+                  <a:pt x="4445407" y="3760767"/>
+                  <a:pt x="4298828" y="3784249"/>
+                </a:cubicBezTo>
+                <a:cubicBezTo>
+                  <a:pt x="4152249" y="3807731"/>
+                  <a:pt x="3923875" y="3723705"/>
+                  <a:pt x="3740539" y="3784249"/>
+                </a:cubicBezTo>
+                <a:cubicBezTo>
+                  <a:pt x="3557203" y="3844793"/>
+                  <a:pt x="3422300" y="3751772"/>
+                  <a:pt x="3338570" y="3784249"/>
+                </a:cubicBezTo>
+                <a:cubicBezTo>
+                  <a:pt x="3254840" y="3816726"/>
+                  <a:pt x="2962651" y="3760333"/>
+                  <a:pt x="2858442" y="3784249"/>
+                </a:cubicBezTo>
+                <a:cubicBezTo>
+                  <a:pt x="2754233" y="3808165"/>
+                  <a:pt x="2577338" y="3742671"/>
+                  <a:pt x="2300152" y="3784249"/>
+                </a:cubicBezTo>
+                <a:cubicBezTo>
+                  <a:pt x="2022966" y="3825827"/>
+                  <a:pt x="2049685" y="3763858"/>
+                  <a:pt x="1898184" y="3784249"/>
+                </a:cubicBezTo>
+                <a:cubicBezTo>
+                  <a:pt x="1746683" y="3804640"/>
+                  <a:pt x="1596054" y="3760011"/>
+                  <a:pt x="1496215" y="3784249"/>
+                </a:cubicBezTo>
+                <a:cubicBezTo>
+                  <a:pt x="1396376" y="3808487"/>
+                  <a:pt x="1104727" y="3713119"/>
+                  <a:pt x="781605" y="3784249"/>
+                </a:cubicBezTo>
+                <a:cubicBezTo>
+                  <a:pt x="458483" y="3855379"/>
+                  <a:pt x="265546" y="3742209"/>
                   <a:pt x="0" y="3784249"/>
                 </a:cubicBezTo>
                 <a:cubicBezTo>
-                  <a:pt x="-47471" y="3652163"/>
-                  <a:pt x="9430" y="3510892"/>
+                  <a:pt x="-50582" y="3597961"/>
+                  <a:pt x="32412" y="3538387"/>
                   <a:pt x="0" y="3357169"/>
                 </a:cubicBezTo>
                 <a:cubicBezTo>
-                  <a:pt x="-9430" y="3203446"/>
-                  <a:pt x="9257" y="3016216"/>
-                  <a:pt x="0" y="2854405"/>
-                </a:cubicBezTo>
-                <a:cubicBezTo>
-                  <a:pt x="-9257" y="2692594"/>
-                  <a:pt x="54823" y="2485724"/>
-                  <a:pt x="0" y="2238113"/>
-                </a:cubicBezTo>
-                <a:cubicBezTo>
-                  <a:pt x="-54823" y="1990502"/>
-                  <a:pt x="54766" y="1917775"/>
-                  <a:pt x="0" y="1659663"/>
-                </a:cubicBezTo>
-                <a:cubicBezTo>
-                  <a:pt x="-54766" y="1401551"/>
-                  <a:pt x="25778" y="1282624"/>
-                  <a:pt x="0" y="1119056"/>
-                </a:cubicBezTo>
-                <a:cubicBezTo>
-                  <a:pt x="-25778" y="955488"/>
-                  <a:pt x="19533" y="840774"/>
-                  <a:pt x="0" y="578449"/>
-                </a:cubicBezTo>
-                <a:cubicBezTo>
-                  <a:pt x="-19533" y="316124"/>
-                  <a:pt x="63421" y="132612"/>
+                  <a:pt x="-32412" y="3175951"/>
+                  <a:pt x="58919" y="2881846"/>
+                  <a:pt x="0" y="2740877"/>
+                </a:cubicBezTo>
+                <a:cubicBezTo>
+                  <a:pt x="-58919" y="2599908"/>
+                  <a:pt x="55075" y="2428761"/>
+                  <a:pt x="0" y="2162428"/>
+                </a:cubicBezTo>
+                <a:cubicBezTo>
+                  <a:pt x="-55075" y="1896095"/>
+                  <a:pt x="1265" y="1852088"/>
+                  <a:pt x="0" y="1621821"/>
+                </a:cubicBezTo>
+                <a:cubicBezTo>
+                  <a:pt x="-1265" y="1391554"/>
+                  <a:pt x="45114" y="1293062"/>
+                  <a:pt x="0" y="1194741"/>
+                </a:cubicBezTo>
+                <a:cubicBezTo>
+                  <a:pt x="-45114" y="1096420"/>
+                  <a:pt x="28393" y="950108"/>
+                  <a:pt x="0" y="767662"/>
+                </a:cubicBezTo>
+                <a:cubicBezTo>
+                  <a:pt x="-28393" y="585216"/>
+                  <a:pt x="10790" y="261250"/>
                   <a:pt x="0" y="0"/>
                 </a:cubicBezTo>
                 <a:close/>
@@ -11761,76 +11786,62 @@
         </p:nvSpPr>
         <p:spPr>
           <a:xfrm>
-            <a:off x="774512" y="2114989"/>
-            <a:ext cx="5163645" cy="3657003"/>
+            <a:off x="774513" y="2114989"/>
+            <a:ext cx="2616640" cy="3657003"/>
           </a:xfrm>
           <a:custGeom>
             <a:avLst/>
             <a:gdLst>
-              <a:gd name="connsiteX0" fmla="*/ 0 w 5163645"/>
+              <a:gd name="connsiteX0" fmla="*/ 0 w 2616640"/>
               <a:gd name="connsiteY0" fmla="*/ 0 h 3657003"/>
-              <a:gd name="connsiteX1" fmla="*/ 418829 w 5163645"/>
+              <a:gd name="connsiteX1" fmla="*/ 470995 w 2616640"/>
               <a:gd name="connsiteY1" fmla="*/ 0 h 3657003"/>
-              <a:gd name="connsiteX2" fmla="*/ 1095840 w 5163645"/>
+              <a:gd name="connsiteX2" fmla="*/ 1046656 w 2616640"/>
               <a:gd name="connsiteY2" fmla="*/ 0 h 3657003"/>
-              <a:gd name="connsiteX3" fmla="*/ 1566306 w 5163645"/>
+              <a:gd name="connsiteX3" fmla="*/ 1569984 w 2616640"/>
               <a:gd name="connsiteY3" fmla="*/ 0 h 3657003"/>
-              <a:gd name="connsiteX4" fmla="*/ 2036771 w 5163645"/>
+              <a:gd name="connsiteX4" fmla="*/ 2145645 w 2616640"/>
               <a:gd name="connsiteY4" fmla="*/ 0 h 3657003"/>
-              <a:gd name="connsiteX5" fmla="*/ 2662146 w 5163645"/>
+              <a:gd name="connsiteX5" fmla="*/ 2616640 w 2616640"/>
               <a:gd name="connsiteY5" fmla="*/ 0 h 3657003"/>
-              <a:gd name="connsiteX6" fmla="*/ 3132611 w 5163645"/>
-              <a:gd name="connsiteY6" fmla="*/ 0 h 3657003"/>
-              <a:gd name="connsiteX7" fmla="*/ 3654713 w 5163645"/>
-              <a:gd name="connsiteY7" fmla="*/ 0 h 3657003"/>
-              <a:gd name="connsiteX8" fmla="*/ 4228452 w 5163645"/>
-              <a:gd name="connsiteY8" fmla="*/ 0 h 3657003"/>
-              <a:gd name="connsiteX9" fmla="*/ 5163645 w 5163645"/>
-              <a:gd name="connsiteY9" fmla="*/ 0 h 3657003"/>
-              <a:gd name="connsiteX10" fmla="*/ 5163645 w 5163645"/>
-              <a:gd name="connsiteY10" fmla="*/ 558999 h 3657003"/>
-              <a:gd name="connsiteX11" fmla="*/ 5163645 w 5163645"/>
-              <a:gd name="connsiteY11" fmla="*/ 1154568 h 3657003"/>
-              <a:gd name="connsiteX12" fmla="*/ 5163645 w 5163645"/>
-              <a:gd name="connsiteY12" fmla="*/ 1676997 h 3657003"/>
-              <a:gd name="connsiteX13" fmla="*/ 5163645 w 5163645"/>
-              <a:gd name="connsiteY13" fmla="*/ 2126286 h 3657003"/>
-              <a:gd name="connsiteX14" fmla="*/ 5163645 w 5163645"/>
-              <a:gd name="connsiteY14" fmla="*/ 2539005 h 3657003"/>
-              <a:gd name="connsiteX15" fmla="*/ 5163645 w 5163645"/>
-              <a:gd name="connsiteY15" fmla="*/ 2951724 h 3657003"/>
-              <a:gd name="connsiteX16" fmla="*/ 5163645 w 5163645"/>
+              <a:gd name="connsiteX6" fmla="*/ 2616640 w 2616640"/>
+              <a:gd name="connsiteY6" fmla="*/ 449289 h 3657003"/>
+              <a:gd name="connsiteX7" fmla="*/ 2616640 w 2616640"/>
+              <a:gd name="connsiteY7" fmla="*/ 898578 h 3657003"/>
+              <a:gd name="connsiteX8" fmla="*/ 2616640 w 2616640"/>
+              <a:gd name="connsiteY8" fmla="*/ 1347867 h 3657003"/>
+              <a:gd name="connsiteX9" fmla="*/ 2616640 w 2616640"/>
+              <a:gd name="connsiteY9" fmla="*/ 1943436 h 3657003"/>
+              <a:gd name="connsiteX10" fmla="*/ 2616640 w 2616640"/>
+              <a:gd name="connsiteY10" fmla="*/ 2502435 h 3657003"/>
+              <a:gd name="connsiteX11" fmla="*/ 2616640 w 2616640"/>
+              <a:gd name="connsiteY11" fmla="*/ 2915154 h 3657003"/>
+              <a:gd name="connsiteX12" fmla="*/ 2616640 w 2616640"/>
+              <a:gd name="connsiteY12" fmla="*/ 3657003 h 3657003"/>
+              <a:gd name="connsiteX13" fmla="*/ 2067146 w 2616640"/>
+              <a:gd name="connsiteY13" fmla="*/ 3657003 h 3657003"/>
+              <a:gd name="connsiteX14" fmla="*/ 1543818 w 2616640"/>
+              <a:gd name="connsiteY14" fmla="*/ 3657003 h 3657003"/>
+              <a:gd name="connsiteX15" fmla="*/ 1098989 w 2616640"/>
+              <a:gd name="connsiteY15" fmla="*/ 3657003 h 3657003"/>
+              <a:gd name="connsiteX16" fmla="*/ 654160 w 2616640"/>
               <a:gd name="connsiteY16" fmla="*/ 3657003 h 3657003"/>
-              <a:gd name="connsiteX17" fmla="*/ 4641543 w 5163645"/>
+              <a:gd name="connsiteX17" fmla="*/ 0 w 2616640"/>
               <a:gd name="connsiteY17" fmla="*/ 3657003 h 3657003"/>
-              <a:gd name="connsiteX18" fmla="*/ 4119441 w 5163645"/>
-              <a:gd name="connsiteY18" fmla="*/ 3657003 h 3657003"/>
-              <a:gd name="connsiteX19" fmla="*/ 3442430 w 5163645"/>
-              <a:gd name="connsiteY19" fmla="*/ 3657003 h 3657003"/>
-              <a:gd name="connsiteX20" fmla="*/ 2868692 w 5163645"/>
-              <a:gd name="connsiteY20" fmla="*/ 3657003 h 3657003"/>
-              <a:gd name="connsiteX21" fmla="*/ 2294953 w 5163645"/>
-              <a:gd name="connsiteY21" fmla="*/ 3657003 h 3657003"/>
-              <a:gd name="connsiteX22" fmla="*/ 1824488 w 5163645"/>
-              <a:gd name="connsiteY22" fmla="*/ 3657003 h 3657003"/>
-              <a:gd name="connsiteX23" fmla="*/ 1250750 w 5163645"/>
-              <a:gd name="connsiteY23" fmla="*/ 3657003 h 3657003"/>
-              <a:gd name="connsiteX24" fmla="*/ 728648 w 5163645"/>
-              <a:gd name="connsiteY24" fmla="*/ 3657003 h 3657003"/>
-              <a:gd name="connsiteX25" fmla="*/ 0 w 5163645"/>
-              <a:gd name="connsiteY25" fmla="*/ 3657003 h 3657003"/>
-              <a:gd name="connsiteX26" fmla="*/ 0 w 5163645"/>
-              <a:gd name="connsiteY26" fmla="*/ 3098004 h 3657003"/>
-              <a:gd name="connsiteX27" fmla="*/ 0 w 5163645"/>
-              <a:gd name="connsiteY27" fmla="*/ 2648715 h 3657003"/>
-              <a:gd name="connsiteX28" fmla="*/ 0 w 5163645"/>
-              <a:gd name="connsiteY28" fmla="*/ 2162856 h 3657003"/>
-              <a:gd name="connsiteX29" fmla="*/ 0 w 5163645"/>
-              <a:gd name="connsiteY29" fmla="*/ 1603857 h 3657003"/>
-              <a:gd name="connsiteX30" fmla="*/ 0 w 5163645"/>
-              <a:gd name="connsiteY30" fmla="*/ 1008288 h 3657003"/>
-              <a:gd name="connsiteX31" fmla="*/ 0 w 5163645"/>
-              <a:gd name="connsiteY31" fmla="*/ 0 h 3657003"/>
+              <a:gd name="connsiteX18" fmla="*/ 0 w 2616640"/>
+              <a:gd name="connsiteY18" fmla="*/ 3171144 h 3657003"/>
+              <a:gd name="connsiteX19" fmla="*/ 0 w 2616640"/>
+              <a:gd name="connsiteY19" fmla="*/ 2758425 h 3657003"/>
+              <a:gd name="connsiteX20" fmla="*/ 0 w 2616640"/>
+              <a:gd name="connsiteY20" fmla="*/ 2309136 h 3657003"/>
+              <a:gd name="connsiteX21" fmla="*/ 0 w 2616640"/>
+              <a:gd name="connsiteY21" fmla="*/ 1750137 h 3657003"/>
+              <a:gd name="connsiteX22" fmla="*/ 0 w 2616640"/>
+              <a:gd name="connsiteY22" fmla="*/ 1191138 h 3657003"/>
+              <a:gd name="connsiteX23" fmla="*/ 0 w 2616640"/>
+              <a:gd name="connsiteY23" fmla="*/ 778419 h 3657003"/>
+              <a:gd name="connsiteX24" fmla="*/ 0 w 2616640"/>
+              <a:gd name="connsiteY24" fmla="*/ 0 h 3657003"/>
             </a:gdLst>
             <a:ahLst/>
             <a:cxnLst>
@@ -11909,348 +11920,252 @@
               <a:cxn ang="0">
                 <a:pos x="connsiteX24" y="connsiteY24"/>
               </a:cxn>
-              <a:cxn ang="0">
-                <a:pos x="connsiteX25" y="connsiteY25"/>
-              </a:cxn>
-              <a:cxn ang="0">
-                <a:pos x="connsiteX26" y="connsiteY26"/>
-              </a:cxn>
-              <a:cxn ang="0">
-                <a:pos x="connsiteX27" y="connsiteY27"/>
-              </a:cxn>
-              <a:cxn ang="0">
-                <a:pos x="connsiteX28" y="connsiteY28"/>
-              </a:cxn>
-              <a:cxn ang="0">
-                <a:pos x="connsiteX29" y="connsiteY29"/>
-              </a:cxn>
-              <a:cxn ang="0">
-                <a:pos x="connsiteX30" y="connsiteY30"/>
-              </a:cxn>
-              <a:cxn ang="0">
-                <a:pos x="connsiteX31" y="connsiteY31"/>
-              </a:cxn>
             </a:cxnLst>
             <a:rect l="l" t="t" r="r" b="b"/>
             <a:pathLst>
-              <a:path w="5163645" h="3657003" fill="none" extrusionOk="0">
+              <a:path w="2616640" h="3657003" fill="none" extrusionOk="0">
                 <a:moveTo>
                   <a:pt x="0" y="0"/>
                 </a:moveTo>
                 <a:cubicBezTo>
-                  <a:pt x="169374" y="-41768"/>
-                  <a:pt x="228259" y="7045"/>
-                  <a:pt x="418829" y="0"/>
-                </a:cubicBezTo>
-                <a:cubicBezTo>
-                  <a:pt x="609399" y="-7045"/>
-                  <a:pt x="940656" y="18235"/>
-                  <a:pt x="1095840" y="0"/>
-                </a:cubicBezTo>
-                <a:cubicBezTo>
-                  <a:pt x="1251024" y="-18235"/>
-                  <a:pt x="1347579" y="24918"/>
-                  <a:pt x="1566306" y="0"/>
-                </a:cubicBezTo>
-                <a:cubicBezTo>
-                  <a:pt x="1785033" y="-24918"/>
-                  <a:pt x="1938218" y="29430"/>
-                  <a:pt x="2036771" y="0"/>
-                </a:cubicBezTo>
-                <a:cubicBezTo>
-                  <a:pt x="2135325" y="-29430"/>
-                  <a:pt x="2438019" y="18421"/>
-                  <a:pt x="2662146" y="0"/>
-                </a:cubicBezTo>
-                <a:cubicBezTo>
-                  <a:pt x="2886273" y="-18421"/>
-                  <a:pt x="2983184" y="20316"/>
-                  <a:pt x="3132611" y="0"/>
-                </a:cubicBezTo>
-                <a:cubicBezTo>
-                  <a:pt x="3282039" y="-20316"/>
-                  <a:pt x="3441443" y="20368"/>
-                  <a:pt x="3654713" y="0"/>
-                </a:cubicBezTo>
-                <a:cubicBezTo>
-                  <a:pt x="3867983" y="-20368"/>
-                  <a:pt x="3942224" y="61491"/>
-                  <a:pt x="4228452" y="0"/>
-                </a:cubicBezTo>
-                <a:cubicBezTo>
-                  <a:pt x="4514680" y="-61491"/>
-                  <a:pt x="4699697" y="92752"/>
-                  <a:pt x="5163645" y="0"/>
-                </a:cubicBezTo>
-                <a:cubicBezTo>
-                  <a:pt x="5183281" y="268195"/>
-                  <a:pt x="5159150" y="401840"/>
-                  <a:pt x="5163645" y="558999"/>
-                </a:cubicBezTo>
-                <a:cubicBezTo>
-                  <a:pt x="5168140" y="716158"/>
-                  <a:pt x="5115727" y="894998"/>
-                  <a:pt x="5163645" y="1154568"/>
-                </a:cubicBezTo>
-                <a:cubicBezTo>
-                  <a:pt x="5211563" y="1414138"/>
-                  <a:pt x="5148318" y="1566185"/>
-                  <a:pt x="5163645" y="1676997"/>
-                </a:cubicBezTo>
-                <a:cubicBezTo>
-                  <a:pt x="5178972" y="1787809"/>
-                  <a:pt x="5135930" y="1965099"/>
-                  <a:pt x="5163645" y="2126286"/>
-                </a:cubicBezTo>
-                <a:cubicBezTo>
-                  <a:pt x="5191360" y="2287473"/>
-                  <a:pt x="5124930" y="2434562"/>
-                  <a:pt x="5163645" y="2539005"/>
-                </a:cubicBezTo>
-                <a:cubicBezTo>
-                  <a:pt x="5202360" y="2643448"/>
-                  <a:pt x="5146012" y="2865046"/>
-                  <a:pt x="5163645" y="2951724"/>
-                </a:cubicBezTo>
-                <a:cubicBezTo>
-                  <a:pt x="5181278" y="3038402"/>
-                  <a:pt x="5096980" y="3315570"/>
-                  <a:pt x="5163645" y="3657003"/>
-                </a:cubicBezTo>
-                <a:cubicBezTo>
-                  <a:pt x="5005918" y="3699555"/>
-                  <a:pt x="4782693" y="3609810"/>
-                  <a:pt x="4641543" y="3657003"/>
-                </a:cubicBezTo>
-                <a:cubicBezTo>
-                  <a:pt x="4500393" y="3704196"/>
-                  <a:pt x="4226202" y="3620666"/>
-                  <a:pt x="4119441" y="3657003"/>
-                </a:cubicBezTo>
-                <a:cubicBezTo>
-                  <a:pt x="4012680" y="3693340"/>
-                  <a:pt x="3687860" y="3639011"/>
-                  <a:pt x="3442430" y="3657003"/>
-                </a:cubicBezTo>
-                <a:cubicBezTo>
-                  <a:pt x="3197000" y="3674995"/>
-                  <a:pt x="3071780" y="3634076"/>
-                  <a:pt x="2868692" y="3657003"/>
-                </a:cubicBezTo>
-                <a:cubicBezTo>
-                  <a:pt x="2665604" y="3679930"/>
-                  <a:pt x="2577957" y="3637750"/>
-                  <a:pt x="2294953" y="3657003"/>
-                </a:cubicBezTo>
-                <a:cubicBezTo>
-                  <a:pt x="2011949" y="3676256"/>
-                  <a:pt x="2053836" y="3640584"/>
-                  <a:pt x="1824488" y="3657003"/>
-                </a:cubicBezTo>
-                <a:cubicBezTo>
-                  <a:pt x="1595141" y="3673422"/>
-                  <a:pt x="1404271" y="3601136"/>
-                  <a:pt x="1250750" y="3657003"/>
-                </a:cubicBezTo>
-                <a:cubicBezTo>
-                  <a:pt x="1097229" y="3712870"/>
-                  <a:pt x="863253" y="3647172"/>
-                  <a:pt x="728648" y="3657003"/>
-                </a:cubicBezTo>
-                <a:cubicBezTo>
-                  <a:pt x="594043" y="3666834"/>
-                  <a:pt x="339566" y="3577274"/>
+                  <a:pt x="124289" y="-7063"/>
+                  <a:pt x="316521" y="5280"/>
+                  <a:pt x="470995" y="0"/>
+                </a:cubicBezTo>
+                <a:cubicBezTo>
+                  <a:pt x="625470" y="-5280"/>
+                  <a:pt x="865680" y="8926"/>
+                  <a:pt x="1046656" y="0"/>
+                </a:cubicBezTo>
+                <a:cubicBezTo>
+                  <a:pt x="1227632" y="-8926"/>
+                  <a:pt x="1458254" y="9599"/>
+                  <a:pt x="1569984" y="0"/>
+                </a:cubicBezTo>
+                <a:cubicBezTo>
+                  <a:pt x="1681714" y="-9599"/>
+                  <a:pt x="2015643" y="10392"/>
+                  <a:pt x="2145645" y="0"/>
+                </a:cubicBezTo>
+                <a:cubicBezTo>
+                  <a:pt x="2275647" y="-10392"/>
+                  <a:pt x="2434797" y="18091"/>
+                  <a:pt x="2616640" y="0"/>
+                </a:cubicBezTo>
+                <a:cubicBezTo>
+                  <a:pt x="2636865" y="167058"/>
+                  <a:pt x="2593486" y="242451"/>
+                  <a:pt x="2616640" y="449289"/>
+                </a:cubicBezTo>
+                <a:cubicBezTo>
+                  <a:pt x="2639794" y="656127"/>
+                  <a:pt x="2616005" y="767947"/>
+                  <a:pt x="2616640" y="898578"/>
+                </a:cubicBezTo>
+                <a:cubicBezTo>
+                  <a:pt x="2617275" y="1029209"/>
+                  <a:pt x="2595227" y="1139395"/>
+                  <a:pt x="2616640" y="1347867"/>
+                </a:cubicBezTo>
+                <a:cubicBezTo>
+                  <a:pt x="2638053" y="1556339"/>
+                  <a:pt x="2578087" y="1791835"/>
+                  <a:pt x="2616640" y="1943436"/>
+                </a:cubicBezTo>
+                <a:cubicBezTo>
+                  <a:pt x="2655193" y="2095037"/>
+                  <a:pt x="2581203" y="2316552"/>
+                  <a:pt x="2616640" y="2502435"/>
+                </a:cubicBezTo>
+                <a:cubicBezTo>
+                  <a:pt x="2652077" y="2688318"/>
+                  <a:pt x="2615831" y="2794405"/>
+                  <a:pt x="2616640" y="2915154"/>
+                </a:cubicBezTo>
+                <a:cubicBezTo>
+                  <a:pt x="2617449" y="3035903"/>
+                  <a:pt x="2535850" y="3389444"/>
+                  <a:pt x="2616640" y="3657003"/>
+                </a:cubicBezTo>
+                <a:cubicBezTo>
+                  <a:pt x="2400977" y="3688199"/>
+                  <a:pt x="2270758" y="3620493"/>
+                  <a:pt x="2067146" y="3657003"/>
+                </a:cubicBezTo>
+                <a:cubicBezTo>
+                  <a:pt x="1863534" y="3693513"/>
+                  <a:pt x="1726697" y="3637437"/>
+                  <a:pt x="1543818" y="3657003"/>
+                </a:cubicBezTo>
+                <a:cubicBezTo>
+                  <a:pt x="1360939" y="3676569"/>
+                  <a:pt x="1306785" y="3627573"/>
+                  <a:pt x="1098989" y="3657003"/>
+                </a:cubicBezTo>
+                <a:cubicBezTo>
+                  <a:pt x="891193" y="3686433"/>
+                  <a:pt x="796059" y="3651743"/>
+                  <a:pt x="654160" y="3657003"/>
+                </a:cubicBezTo>
+                <a:cubicBezTo>
+                  <a:pt x="512261" y="3662263"/>
+                  <a:pt x="289975" y="3614212"/>
                   <a:pt x="0" y="3657003"/>
                 </a:cubicBezTo>
                 <a:cubicBezTo>
-                  <a:pt x="-6899" y="3466645"/>
-                  <a:pt x="10787" y="3238937"/>
-                  <a:pt x="0" y="3098004"/>
-                </a:cubicBezTo>
-                <a:cubicBezTo>
-                  <a:pt x="-10787" y="2957071"/>
-                  <a:pt x="48005" y="2859166"/>
-                  <a:pt x="0" y="2648715"/>
-                </a:cubicBezTo>
-                <a:cubicBezTo>
-                  <a:pt x="-48005" y="2438264"/>
-                  <a:pt x="44492" y="2387886"/>
-                  <a:pt x="0" y="2162856"/>
-                </a:cubicBezTo>
-                <a:cubicBezTo>
-                  <a:pt x="-44492" y="1937826"/>
-                  <a:pt x="25415" y="1777752"/>
-                  <a:pt x="0" y="1603857"/>
-                </a:cubicBezTo>
-                <a:cubicBezTo>
-                  <a:pt x="-25415" y="1429962"/>
-                  <a:pt x="46170" y="1142573"/>
-                  <a:pt x="0" y="1008288"/>
-                </a:cubicBezTo>
-                <a:cubicBezTo>
-                  <a:pt x="-46170" y="874003"/>
-                  <a:pt x="99870" y="268775"/>
+                  <a:pt x="-18312" y="3504506"/>
+                  <a:pt x="20020" y="3363017"/>
+                  <a:pt x="0" y="3171144"/>
+                </a:cubicBezTo>
+                <a:cubicBezTo>
+                  <a:pt x="-20020" y="2979271"/>
+                  <a:pt x="39348" y="2932285"/>
+                  <a:pt x="0" y="2758425"/>
+                </a:cubicBezTo>
+                <a:cubicBezTo>
+                  <a:pt x="-39348" y="2584565"/>
+                  <a:pt x="19798" y="2454068"/>
+                  <a:pt x="0" y="2309136"/>
+                </a:cubicBezTo>
+                <a:cubicBezTo>
+                  <a:pt x="-19798" y="2164204"/>
+                  <a:pt x="61674" y="2022025"/>
+                  <a:pt x="0" y="1750137"/>
+                </a:cubicBezTo>
+                <a:cubicBezTo>
+                  <a:pt x="-61674" y="1478249"/>
+                  <a:pt x="29179" y="1459455"/>
+                  <a:pt x="0" y="1191138"/>
+                </a:cubicBezTo>
+                <a:cubicBezTo>
+                  <a:pt x="-29179" y="922821"/>
+                  <a:pt x="45482" y="951908"/>
+                  <a:pt x="0" y="778419"/>
+                </a:cubicBezTo>
+                <a:cubicBezTo>
+                  <a:pt x="-45482" y="604930"/>
+                  <a:pt x="42591" y="213841"/>
                   <a:pt x="0" y="0"/>
                 </a:cubicBezTo>
                 <a:close/>
               </a:path>
-              <a:path w="5163645" h="3657003" stroke="0" extrusionOk="0">
+              <a:path w="2616640" h="3657003" stroke="0" extrusionOk="0">
                 <a:moveTo>
                   <a:pt x="0" y="0"/>
                 </a:moveTo>
                 <a:cubicBezTo>
-                  <a:pt x="199379" y="-51910"/>
-                  <a:pt x="466000" y="6098"/>
-                  <a:pt x="625375" y="0"/>
-                </a:cubicBezTo>
-                <a:cubicBezTo>
-                  <a:pt x="784751" y="-6098"/>
-                  <a:pt x="1101193" y="54521"/>
-                  <a:pt x="1302386" y="0"/>
-                </a:cubicBezTo>
-                <a:cubicBezTo>
-                  <a:pt x="1503579" y="-54521"/>
-                  <a:pt x="1615321" y="8345"/>
-                  <a:pt x="1927761" y="0"/>
-                </a:cubicBezTo>
-                <a:cubicBezTo>
-                  <a:pt x="2240202" y="-8345"/>
-                  <a:pt x="2295072" y="53733"/>
-                  <a:pt x="2553136" y="0"/>
-                </a:cubicBezTo>
-                <a:cubicBezTo>
-                  <a:pt x="2811200" y="-53733"/>
-                  <a:pt x="2915382" y="33470"/>
-                  <a:pt x="3178510" y="0"/>
-                </a:cubicBezTo>
-                <a:cubicBezTo>
-                  <a:pt x="3441638" y="-33470"/>
-                  <a:pt x="3483450" y="47980"/>
-                  <a:pt x="3597339" y="0"/>
-                </a:cubicBezTo>
-                <a:cubicBezTo>
-                  <a:pt x="3711228" y="-47980"/>
-                  <a:pt x="4012583" y="26836"/>
-                  <a:pt x="4222714" y="0"/>
-                </a:cubicBezTo>
-                <a:cubicBezTo>
-                  <a:pt x="4432846" y="-26836"/>
-                  <a:pt x="4853046" y="74170"/>
-                  <a:pt x="5163645" y="0"/>
-                </a:cubicBezTo>
-                <a:cubicBezTo>
-                  <a:pt x="5175469" y="137925"/>
-                  <a:pt x="5116774" y="288224"/>
-                  <a:pt x="5163645" y="412719"/>
-                </a:cubicBezTo>
-                <a:cubicBezTo>
-                  <a:pt x="5210516" y="537214"/>
-                  <a:pt x="5156779" y="702317"/>
-                  <a:pt x="5163645" y="971718"/>
-                </a:cubicBezTo>
-                <a:cubicBezTo>
-                  <a:pt x="5170511" y="1241119"/>
-                  <a:pt x="5119583" y="1197560"/>
-                  <a:pt x="5163645" y="1384437"/>
-                </a:cubicBezTo>
-                <a:cubicBezTo>
-                  <a:pt x="5207707" y="1571314"/>
-                  <a:pt x="5108659" y="1799472"/>
-                  <a:pt x="5163645" y="1906866"/>
-                </a:cubicBezTo>
-                <a:cubicBezTo>
-                  <a:pt x="5218631" y="2014260"/>
-                  <a:pt x="5158880" y="2159619"/>
-                  <a:pt x="5163645" y="2392725"/>
-                </a:cubicBezTo>
-                <a:cubicBezTo>
-                  <a:pt x="5168410" y="2625831"/>
-                  <a:pt x="5155136" y="2826954"/>
-                  <a:pt x="5163645" y="2951724"/>
-                </a:cubicBezTo>
-                <a:cubicBezTo>
-                  <a:pt x="5172154" y="3076494"/>
-                  <a:pt x="5131060" y="3456790"/>
-                  <a:pt x="5163645" y="3657003"/>
-                </a:cubicBezTo>
-                <a:cubicBezTo>
-                  <a:pt x="4897368" y="3721744"/>
-                  <a:pt x="4721162" y="3649989"/>
-                  <a:pt x="4538270" y="3657003"/>
-                </a:cubicBezTo>
-                <a:cubicBezTo>
-                  <a:pt x="4355378" y="3664017"/>
-                  <a:pt x="4266296" y="3607852"/>
-                  <a:pt x="4119441" y="3657003"/>
-                </a:cubicBezTo>
-                <a:cubicBezTo>
-                  <a:pt x="3972586" y="3706154"/>
-                  <a:pt x="3632870" y="3612088"/>
-                  <a:pt x="3494066" y="3657003"/>
-                </a:cubicBezTo>
-                <a:cubicBezTo>
-                  <a:pt x="3355262" y="3701918"/>
-                  <a:pt x="3124653" y="3615240"/>
-                  <a:pt x="3023601" y="3657003"/>
-                </a:cubicBezTo>
-                <a:cubicBezTo>
-                  <a:pt x="2922549" y="3698766"/>
-                  <a:pt x="2645069" y="3627169"/>
-                  <a:pt x="2501499" y="3657003"/>
-                </a:cubicBezTo>
-                <a:cubicBezTo>
-                  <a:pt x="2357929" y="3686837"/>
-                  <a:pt x="2212329" y="3624421"/>
-                  <a:pt x="2082670" y="3657003"/>
-                </a:cubicBezTo>
-                <a:cubicBezTo>
-                  <a:pt x="1953011" y="3689585"/>
-                  <a:pt x="1646856" y="3595024"/>
-                  <a:pt x="1457295" y="3657003"/>
-                </a:cubicBezTo>
-                <a:cubicBezTo>
-                  <a:pt x="1267734" y="3718982"/>
-                  <a:pt x="1085510" y="3651863"/>
-                  <a:pt x="986830" y="3657003"/>
-                </a:cubicBezTo>
-                <a:cubicBezTo>
-                  <a:pt x="888150" y="3662143"/>
-                  <a:pt x="458491" y="3561534"/>
+                  <a:pt x="132656" y="-1236"/>
+                  <a:pt x="362893" y="14624"/>
+                  <a:pt x="549494" y="0"/>
+                </a:cubicBezTo>
+                <a:cubicBezTo>
+                  <a:pt x="736095" y="-14624"/>
+                  <a:pt x="859794" y="14487"/>
+                  <a:pt x="1125155" y="0"/>
+                </a:cubicBezTo>
+                <a:cubicBezTo>
+                  <a:pt x="1390516" y="-14487"/>
+                  <a:pt x="1557039" y="13963"/>
+                  <a:pt x="1674650" y="0"/>
+                </a:cubicBezTo>
+                <a:cubicBezTo>
+                  <a:pt x="1792262" y="-13963"/>
+                  <a:pt x="2416871" y="43799"/>
+                  <a:pt x="2616640" y="0"/>
+                </a:cubicBezTo>
+                <a:cubicBezTo>
+                  <a:pt x="2675198" y="236987"/>
+                  <a:pt x="2552933" y="322757"/>
+                  <a:pt x="2616640" y="558999"/>
+                </a:cubicBezTo>
+                <a:cubicBezTo>
+                  <a:pt x="2680347" y="795241"/>
+                  <a:pt x="2602706" y="807286"/>
+                  <a:pt x="2616640" y="971718"/>
+                </a:cubicBezTo>
+                <a:cubicBezTo>
+                  <a:pt x="2630574" y="1136150"/>
+                  <a:pt x="2570720" y="1202058"/>
+                  <a:pt x="2616640" y="1421007"/>
+                </a:cubicBezTo>
+                <a:cubicBezTo>
+                  <a:pt x="2662560" y="1639956"/>
+                  <a:pt x="2582213" y="1727152"/>
+                  <a:pt x="2616640" y="2016576"/>
+                </a:cubicBezTo>
+                <a:cubicBezTo>
+                  <a:pt x="2651067" y="2306000"/>
+                  <a:pt x="2608432" y="2304832"/>
+                  <a:pt x="2616640" y="2539005"/>
+                </a:cubicBezTo>
+                <a:cubicBezTo>
+                  <a:pt x="2624848" y="2773178"/>
+                  <a:pt x="2609774" y="2828603"/>
+                  <a:pt x="2616640" y="3098004"/>
+                </a:cubicBezTo>
+                <a:cubicBezTo>
+                  <a:pt x="2623506" y="3367405"/>
+                  <a:pt x="2579676" y="3412184"/>
+                  <a:pt x="2616640" y="3657003"/>
+                </a:cubicBezTo>
+                <a:cubicBezTo>
+                  <a:pt x="2483361" y="3715416"/>
+                  <a:pt x="2329886" y="3651542"/>
+                  <a:pt x="2093312" y="3657003"/>
+                </a:cubicBezTo>
+                <a:cubicBezTo>
+                  <a:pt x="1856738" y="3662464"/>
+                  <a:pt x="1747620" y="3651300"/>
+                  <a:pt x="1648483" y="3657003"/>
+                </a:cubicBezTo>
+                <a:cubicBezTo>
+                  <a:pt x="1549346" y="3662706"/>
+                  <a:pt x="1223431" y="3641175"/>
+                  <a:pt x="1098989" y="3657003"/>
+                </a:cubicBezTo>
+                <a:cubicBezTo>
+                  <a:pt x="974547" y="3672831"/>
+                  <a:pt x="825082" y="3654533"/>
+                  <a:pt x="627994" y="3657003"/>
+                </a:cubicBezTo>
+                <a:cubicBezTo>
+                  <a:pt x="430907" y="3659473"/>
+                  <a:pt x="302971" y="3626710"/>
                   <a:pt x="0" y="3657003"/>
                 </a:cubicBezTo>
                 <a:cubicBezTo>
-                  <a:pt x="-44743" y="3487043"/>
-                  <a:pt x="31196" y="3334626"/>
+                  <a:pt x="-30170" y="3552347"/>
+                  <a:pt x="45683" y="3357176"/>
                   <a:pt x="0" y="3244284"/>
                 </a:cubicBezTo>
                 <a:cubicBezTo>
-                  <a:pt x="-31196" y="3153942"/>
-                  <a:pt x="17531" y="2871238"/>
+                  <a:pt x="-45683" y="3131392"/>
+                  <a:pt x="50698" y="2916493"/>
                   <a:pt x="0" y="2758425"/>
                 </a:cubicBezTo>
                 <a:cubicBezTo>
-                  <a:pt x="-17531" y="2645612"/>
-                  <a:pt x="18050" y="2284006"/>
-                  <a:pt x="0" y="2162856"/>
-                </a:cubicBezTo>
-                <a:cubicBezTo>
-                  <a:pt x="-18050" y="2041706"/>
-                  <a:pt x="48599" y="1881331"/>
-                  <a:pt x="0" y="1603857"/>
-                </a:cubicBezTo>
-                <a:cubicBezTo>
-                  <a:pt x="-48599" y="1326383"/>
-                  <a:pt x="296" y="1298599"/>
-                  <a:pt x="0" y="1081428"/>
-                </a:cubicBezTo>
-                <a:cubicBezTo>
-                  <a:pt x="-296" y="864257"/>
-                  <a:pt x="23536" y="792440"/>
-                  <a:pt x="0" y="558999"/>
-                </a:cubicBezTo>
-                <a:cubicBezTo>
-                  <a:pt x="-23536" y="325558"/>
-                  <a:pt x="29051" y="247011"/>
+                  <a:pt x="-50698" y="2600357"/>
+                  <a:pt x="55927" y="2408744"/>
+                  <a:pt x="0" y="2235996"/>
+                </a:cubicBezTo>
+                <a:cubicBezTo>
+                  <a:pt x="-55927" y="2063248"/>
+                  <a:pt x="56620" y="1880837"/>
+                  <a:pt x="0" y="1640427"/>
+                </a:cubicBezTo>
+                <a:cubicBezTo>
+                  <a:pt x="-56620" y="1400017"/>
+                  <a:pt x="56545" y="1372496"/>
+                  <a:pt x="0" y="1117998"/>
+                </a:cubicBezTo>
+                <a:cubicBezTo>
+                  <a:pt x="-56545" y="863500"/>
+                  <a:pt x="53587" y="791806"/>
+                  <a:pt x="0" y="522429"/>
+                </a:cubicBezTo>
+                <a:cubicBezTo>
+                  <a:pt x="-53587" y="253052"/>
+                  <a:pt x="16696" y="226914"/>
                   <a:pt x="0" y="0"/>
                 </a:cubicBezTo>
                 <a:close/>
@@ -12294,10 +12209,10 @@
           <a:p>
             <a:pPr algn="ctr"/>
             <a:r>
-              <a:rPr lang="en-US" sz="6000" dirty="0"/>
+              <a:rPr lang="en-US" sz="4000" dirty="0"/>
               <a:t>Simulation Entities population</a:t>
             </a:r>
-            <a:endParaRPr lang="en-IL" sz="6000" dirty="0"/>
+            <a:endParaRPr lang="en-IL" sz="4000" dirty="0"/>
           </a:p>
         </p:txBody>
       </p:sp>
@@ -12477,6 +12392,270 @@
               <a:t>Clear</a:t>
             </a:r>
             <a:endParaRPr lang="en-IL" dirty="0"/>
+          </a:p>
+        </p:txBody>
+      </p:sp>
+      <p:sp>
+        <p:nvSpPr>
+          <p:cNvPr id="15" name="Rectangle 14">
+            <a:extLst>
+              <a:ext uri="{FF2B5EF4-FFF2-40B4-BE49-F238E27FC236}">
+                <a16:creationId xmlns:a16="http://schemas.microsoft.com/office/drawing/2014/main" id="{1EC1F3B0-E2F2-524D-DD11-704EB2ABDCF0}"/>
+              </a:ext>
+            </a:extLst>
+          </p:cNvPr>
+          <p:cNvSpPr/>
+          <p:nvPr/>
+        </p:nvSpPr>
+        <p:spPr>
+          <a:xfrm>
+            <a:off x="9356270" y="656974"/>
+            <a:ext cx="2329049" cy="866150"/>
+          </a:xfrm>
+          <a:custGeom>
+            <a:avLst/>
+            <a:gdLst>
+              <a:gd name="connsiteX0" fmla="*/ 0 w 2329049"/>
+              <a:gd name="connsiteY0" fmla="*/ 0 h 866150"/>
+              <a:gd name="connsiteX1" fmla="*/ 535681 w 2329049"/>
+              <a:gd name="connsiteY1" fmla="*/ 0 h 866150"/>
+              <a:gd name="connsiteX2" fmla="*/ 1048072 w 2329049"/>
+              <a:gd name="connsiteY2" fmla="*/ 0 h 866150"/>
+              <a:gd name="connsiteX3" fmla="*/ 1653625 w 2329049"/>
+              <a:gd name="connsiteY3" fmla="*/ 0 h 866150"/>
+              <a:gd name="connsiteX4" fmla="*/ 2329049 w 2329049"/>
+              <a:gd name="connsiteY4" fmla="*/ 0 h 866150"/>
+              <a:gd name="connsiteX5" fmla="*/ 2329049 w 2329049"/>
+              <a:gd name="connsiteY5" fmla="*/ 433075 h 866150"/>
+              <a:gd name="connsiteX6" fmla="*/ 2329049 w 2329049"/>
+              <a:gd name="connsiteY6" fmla="*/ 866150 h 866150"/>
+              <a:gd name="connsiteX7" fmla="*/ 1770077 w 2329049"/>
+              <a:gd name="connsiteY7" fmla="*/ 866150 h 866150"/>
+              <a:gd name="connsiteX8" fmla="*/ 1187815 w 2329049"/>
+              <a:gd name="connsiteY8" fmla="*/ 866150 h 866150"/>
+              <a:gd name="connsiteX9" fmla="*/ 558972 w 2329049"/>
+              <a:gd name="connsiteY9" fmla="*/ 866150 h 866150"/>
+              <a:gd name="connsiteX10" fmla="*/ 0 w 2329049"/>
+              <a:gd name="connsiteY10" fmla="*/ 866150 h 866150"/>
+              <a:gd name="connsiteX11" fmla="*/ 0 w 2329049"/>
+              <a:gd name="connsiteY11" fmla="*/ 450398 h 866150"/>
+              <a:gd name="connsiteX12" fmla="*/ 0 w 2329049"/>
+              <a:gd name="connsiteY12" fmla="*/ 0 h 866150"/>
+            </a:gdLst>
+            <a:ahLst/>
+            <a:cxnLst>
+              <a:cxn ang="0">
+                <a:pos x="connsiteX0" y="connsiteY0"/>
+              </a:cxn>
+              <a:cxn ang="0">
+                <a:pos x="connsiteX1" y="connsiteY1"/>
+              </a:cxn>
+              <a:cxn ang="0">
+                <a:pos x="connsiteX2" y="connsiteY2"/>
+              </a:cxn>
+              <a:cxn ang="0">
+                <a:pos x="connsiteX3" y="connsiteY3"/>
+              </a:cxn>
+              <a:cxn ang="0">
+                <a:pos x="connsiteX4" y="connsiteY4"/>
+              </a:cxn>
+              <a:cxn ang="0">
+                <a:pos x="connsiteX5" y="connsiteY5"/>
+              </a:cxn>
+              <a:cxn ang="0">
+                <a:pos x="connsiteX6" y="connsiteY6"/>
+              </a:cxn>
+              <a:cxn ang="0">
+                <a:pos x="connsiteX7" y="connsiteY7"/>
+              </a:cxn>
+              <a:cxn ang="0">
+                <a:pos x="connsiteX8" y="connsiteY8"/>
+              </a:cxn>
+              <a:cxn ang="0">
+                <a:pos x="connsiteX9" y="connsiteY9"/>
+              </a:cxn>
+              <a:cxn ang="0">
+                <a:pos x="connsiteX10" y="connsiteY10"/>
+              </a:cxn>
+              <a:cxn ang="0">
+                <a:pos x="connsiteX11" y="connsiteY11"/>
+              </a:cxn>
+              <a:cxn ang="0">
+                <a:pos x="connsiteX12" y="connsiteY12"/>
+              </a:cxn>
+            </a:cxnLst>
+            <a:rect l="l" t="t" r="r" b="b"/>
+            <a:pathLst>
+              <a:path w="2329049" h="866150" fill="none" extrusionOk="0">
+                <a:moveTo>
+                  <a:pt x="0" y="0"/>
+                </a:moveTo>
+                <a:cubicBezTo>
+                  <a:pt x="236483" y="-50956"/>
+                  <a:pt x="323744" y="39710"/>
+                  <a:pt x="535681" y="0"/>
+                </a:cubicBezTo>
+                <a:cubicBezTo>
+                  <a:pt x="747618" y="-39710"/>
+                  <a:pt x="796527" y="7867"/>
+                  <a:pt x="1048072" y="0"/>
+                </a:cubicBezTo>
+                <a:cubicBezTo>
+                  <a:pt x="1299617" y="-7867"/>
+                  <a:pt x="1468263" y="71906"/>
+                  <a:pt x="1653625" y="0"/>
+                </a:cubicBezTo>
+                <a:cubicBezTo>
+                  <a:pt x="1838987" y="-71906"/>
+                  <a:pt x="2017688" y="5227"/>
+                  <a:pt x="2329049" y="0"/>
+                </a:cubicBezTo>
+                <a:cubicBezTo>
+                  <a:pt x="2356612" y="148300"/>
+                  <a:pt x="2277195" y="224287"/>
+                  <a:pt x="2329049" y="433075"/>
+                </a:cubicBezTo>
+                <a:cubicBezTo>
+                  <a:pt x="2380903" y="641863"/>
+                  <a:pt x="2298542" y="658328"/>
+                  <a:pt x="2329049" y="866150"/>
+                </a:cubicBezTo>
+                <a:cubicBezTo>
+                  <a:pt x="2164464" y="908093"/>
+                  <a:pt x="1974076" y="812685"/>
+                  <a:pt x="1770077" y="866150"/>
+                </a:cubicBezTo>
+                <a:cubicBezTo>
+                  <a:pt x="1566078" y="919615"/>
+                  <a:pt x="1353976" y="832028"/>
+                  <a:pt x="1187815" y="866150"/>
+                </a:cubicBezTo>
+                <a:cubicBezTo>
+                  <a:pt x="1021654" y="900272"/>
+                  <a:pt x="779313" y="822698"/>
+                  <a:pt x="558972" y="866150"/>
+                </a:cubicBezTo>
+                <a:cubicBezTo>
+                  <a:pt x="338631" y="909602"/>
+                  <a:pt x="212507" y="811744"/>
+                  <a:pt x="0" y="866150"/>
+                </a:cubicBezTo>
+                <a:cubicBezTo>
+                  <a:pt x="-20893" y="708574"/>
+                  <a:pt x="49813" y="651719"/>
+                  <a:pt x="0" y="450398"/>
+                </a:cubicBezTo>
+                <a:cubicBezTo>
+                  <a:pt x="-49813" y="249077"/>
+                  <a:pt x="5299" y="157856"/>
+                  <a:pt x="0" y="0"/>
+                </a:cubicBezTo>
+                <a:close/>
+              </a:path>
+              <a:path w="2329049" h="866150" stroke="0" extrusionOk="0">
+                <a:moveTo>
+                  <a:pt x="0" y="0"/>
+                </a:moveTo>
+                <a:cubicBezTo>
+                  <a:pt x="251366" y="-31927"/>
+                  <a:pt x="385418" y="20279"/>
+                  <a:pt x="605553" y="0"/>
+                </a:cubicBezTo>
+                <a:cubicBezTo>
+                  <a:pt x="825688" y="-20279"/>
+                  <a:pt x="1031486" y="44355"/>
+                  <a:pt x="1234396" y="0"/>
+                </a:cubicBezTo>
+                <a:cubicBezTo>
+                  <a:pt x="1437306" y="-44355"/>
+                  <a:pt x="1914825" y="54951"/>
+                  <a:pt x="2329049" y="0"/>
+                </a:cubicBezTo>
+                <a:cubicBezTo>
+                  <a:pt x="2337822" y="134414"/>
+                  <a:pt x="2313270" y="314493"/>
+                  <a:pt x="2329049" y="441737"/>
+                </a:cubicBezTo>
+                <a:cubicBezTo>
+                  <a:pt x="2344828" y="568981"/>
+                  <a:pt x="2323210" y="690393"/>
+                  <a:pt x="2329049" y="866150"/>
+                </a:cubicBezTo>
+                <a:cubicBezTo>
+                  <a:pt x="2103427" y="878417"/>
+                  <a:pt x="2036846" y="811006"/>
+                  <a:pt x="1816658" y="866150"/>
+                </a:cubicBezTo>
+                <a:cubicBezTo>
+                  <a:pt x="1596470" y="921294"/>
+                  <a:pt x="1354160" y="800287"/>
+                  <a:pt x="1211105" y="866150"/>
+                </a:cubicBezTo>
+                <a:cubicBezTo>
+                  <a:pt x="1068050" y="932013"/>
+                  <a:pt x="790029" y="822158"/>
+                  <a:pt x="652134" y="866150"/>
+                </a:cubicBezTo>
+                <a:cubicBezTo>
+                  <a:pt x="514239" y="910142"/>
+                  <a:pt x="161528" y="842438"/>
+                  <a:pt x="0" y="866150"/>
+                </a:cubicBezTo>
+                <a:cubicBezTo>
+                  <a:pt x="-7647" y="726255"/>
+                  <a:pt x="2115" y="571842"/>
+                  <a:pt x="0" y="433075"/>
+                </a:cubicBezTo>
+                <a:cubicBezTo>
+                  <a:pt x="-2115" y="294309"/>
+                  <a:pt x="11222" y="89723"/>
+                  <a:pt x="0" y="0"/>
+                </a:cubicBezTo>
+                <a:close/>
+              </a:path>
+            </a:pathLst>
+          </a:custGeom>
+          <a:ln>
+            <a:extLst>
+              <a:ext uri="{C807C97D-BFC1-408E-A445-0C87EB9F89A2}">
+                <ask:lineSketchStyleProps xmlns:ask="http://schemas.microsoft.com/office/drawing/2018/sketchyshapes" sd="857412550">
+                  <a:prstGeom prst="rect">
+                    <a:avLst/>
+                  </a:prstGeom>
+                  <ask:type>
+                    <ask:lineSketchScribble/>
+                  </ask:type>
+                </ask:lineSketchStyleProps>
+              </a:ext>
+            </a:extLst>
+          </a:ln>
+        </p:spPr>
+        <p:style>
+          <a:lnRef idx="2">
+            <a:schemeClr val="accent5">
+              <a:shade val="50000"/>
+            </a:schemeClr>
+          </a:lnRef>
+          <a:fillRef idx="1">
+            <a:schemeClr val="accent5"/>
+          </a:fillRef>
+          <a:effectRef idx="0">
+            <a:schemeClr val="accent5"/>
+          </a:effectRef>
+          <a:fontRef idx="minor">
+            <a:schemeClr val="lt1"/>
+          </a:fontRef>
+        </p:style>
+        <p:txBody>
+          <a:bodyPr rtlCol="0" anchor="ctr"/>
+          <a:lstStyle/>
+          <a:p>
+            <a:pPr algn="ctr"/>
+            <a:r>
+              <a:rPr lang="en-US" sz="1600" dirty="0"/>
+              <a:t>Queue Management</a:t>
+            </a:r>
+            <a:endParaRPr lang="en-IL" sz="1600" dirty="0"/>
           </a:p>
         </p:txBody>
       </p:sp>
@@ -13314,74 +13493,56 @@
         </p:nvSpPr>
         <p:spPr>
           <a:xfrm>
-            <a:off x="2510444" y="906240"/>
-            <a:ext cx="9168938" cy="385894"/>
+            <a:off x="2510445" y="906240"/>
+            <a:ext cx="6594664" cy="385894"/>
           </a:xfrm>
           <a:custGeom>
             <a:avLst/>
             <a:gdLst>
-              <a:gd name="connsiteX0" fmla="*/ 0 w 9168938"/>
+              <a:gd name="connsiteX0" fmla="*/ 0 w 6594664"/>
               <a:gd name="connsiteY0" fmla="*/ 0 h 385894"/>
-              <a:gd name="connsiteX1" fmla="*/ 379856 w 9168938"/>
+              <a:gd name="connsiteX1" fmla="*/ 791360 w 6594664"/>
               <a:gd name="connsiteY1" fmla="*/ 0 h 385894"/>
-              <a:gd name="connsiteX2" fmla="*/ 759712 w 9168938"/>
+              <a:gd name="connsiteX2" fmla="*/ 1318933 w 6594664"/>
               <a:gd name="connsiteY2" fmla="*/ 0 h 385894"/>
-              <a:gd name="connsiteX3" fmla="*/ 1322947 w 9168938"/>
+              <a:gd name="connsiteX3" fmla="*/ 2110292 w 6594664"/>
               <a:gd name="connsiteY3" fmla="*/ 0 h 385894"/>
-              <a:gd name="connsiteX4" fmla="*/ 1794492 w 9168938"/>
+              <a:gd name="connsiteX4" fmla="*/ 2769759 w 6594664"/>
               <a:gd name="connsiteY4" fmla="*/ 0 h 385894"/>
-              <a:gd name="connsiteX5" fmla="*/ 2632795 w 9168938"/>
+              <a:gd name="connsiteX5" fmla="*/ 3495172 w 6594664"/>
               <a:gd name="connsiteY5" fmla="*/ 0 h 385894"/>
-              <a:gd name="connsiteX6" fmla="*/ 3287719 w 9168938"/>
+              <a:gd name="connsiteX6" fmla="*/ 4154638 w 6594664"/>
               <a:gd name="connsiteY6" fmla="*/ 0 h 385894"/>
-              <a:gd name="connsiteX7" fmla="*/ 3759265 w 9168938"/>
+              <a:gd name="connsiteX7" fmla="*/ 4945998 w 6594664"/>
               <a:gd name="connsiteY7" fmla="*/ 0 h 385894"/>
-              <a:gd name="connsiteX8" fmla="*/ 4505878 w 9168938"/>
+              <a:gd name="connsiteX8" fmla="*/ 5737358 w 6594664"/>
               <a:gd name="connsiteY8" fmla="*/ 0 h 385894"/>
-              <a:gd name="connsiteX9" fmla="*/ 5069113 w 9168938"/>
+              <a:gd name="connsiteX9" fmla="*/ 6594664 w 6594664"/>
               <a:gd name="connsiteY9" fmla="*/ 0 h 385894"/>
-              <a:gd name="connsiteX10" fmla="*/ 5907416 w 9168938"/>
-              <a:gd name="connsiteY10" fmla="*/ 0 h 385894"/>
-              <a:gd name="connsiteX11" fmla="*/ 6470651 w 9168938"/>
-              <a:gd name="connsiteY11" fmla="*/ 0 h 385894"/>
-              <a:gd name="connsiteX12" fmla="*/ 7125575 w 9168938"/>
-              <a:gd name="connsiteY12" fmla="*/ 0 h 385894"/>
-              <a:gd name="connsiteX13" fmla="*/ 7505431 w 9168938"/>
-              <a:gd name="connsiteY13" fmla="*/ 0 h 385894"/>
-              <a:gd name="connsiteX14" fmla="*/ 7976976 w 9168938"/>
-              <a:gd name="connsiteY14" fmla="*/ 0 h 385894"/>
-              <a:gd name="connsiteX15" fmla="*/ 9168938 w 9168938"/>
-              <a:gd name="connsiteY15" fmla="*/ 0 h 385894"/>
-              <a:gd name="connsiteX16" fmla="*/ 9168938 w 9168938"/>
+              <a:gd name="connsiteX10" fmla="*/ 6594664 w 6594664"/>
+              <a:gd name="connsiteY10" fmla="*/ 385894 h 385894"/>
+              <a:gd name="connsiteX11" fmla="*/ 6001144 w 6594664"/>
+              <a:gd name="connsiteY11" fmla="*/ 385894 h 385894"/>
+              <a:gd name="connsiteX12" fmla="*/ 5473571 w 6594664"/>
+              <a:gd name="connsiteY12" fmla="*/ 385894 h 385894"/>
+              <a:gd name="connsiteX13" fmla="*/ 4748158 w 6594664"/>
+              <a:gd name="connsiteY13" fmla="*/ 385894 h 385894"/>
+              <a:gd name="connsiteX14" fmla="*/ 4220585 w 6594664"/>
+              <a:gd name="connsiteY14" fmla="*/ 385894 h 385894"/>
+              <a:gd name="connsiteX15" fmla="*/ 3758958 w 6594664"/>
+              <a:gd name="connsiteY15" fmla="*/ 385894 h 385894"/>
+              <a:gd name="connsiteX16" fmla="*/ 3033545 w 6594664"/>
               <a:gd name="connsiteY16" fmla="*/ 385894 h 385894"/>
-              <a:gd name="connsiteX17" fmla="*/ 8605703 w 9168938"/>
+              <a:gd name="connsiteX17" fmla="*/ 2505972 w 6594664"/>
               <a:gd name="connsiteY17" fmla="*/ 385894 h 385894"/>
-              <a:gd name="connsiteX18" fmla="*/ 7950779 w 9168938"/>
+              <a:gd name="connsiteX18" fmla="*/ 1714613 w 6594664"/>
               <a:gd name="connsiteY18" fmla="*/ 385894 h 385894"/>
-              <a:gd name="connsiteX19" fmla="*/ 7570923 w 9168938"/>
+              <a:gd name="connsiteX19" fmla="*/ 923253 w 6594664"/>
               <a:gd name="connsiteY19" fmla="*/ 385894 h 385894"/>
-              <a:gd name="connsiteX20" fmla="*/ 6824310 w 9168938"/>
+              <a:gd name="connsiteX20" fmla="*/ 0 w 6594664"/>
               <a:gd name="connsiteY20" fmla="*/ 385894 h 385894"/>
-              <a:gd name="connsiteX21" fmla="*/ 6077696 w 9168938"/>
-              <a:gd name="connsiteY21" fmla="*/ 385894 h 385894"/>
-              <a:gd name="connsiteX22" fmla="*/ 5239393 w 9168938"/>
-              <a:gd name="connsiteY22" fmla="*/ 385894 h 385894"/>
-              <a:gd name="connsiteX23" fmla="*/ 4401090 w 9168938"/>
-              <a:gd name="connsiteY23" fmla="*/ 385894 h 385894"/>
-              <a:gd name="connsiteX24" fmla="*/ 3562787 w 9168938"/>
-              <a:gd name="connsiteY24" fmla="*/ 385894 h 385894"/>
-              <a:gd name="connsiteX25" fmla="*/ 2816174 w 9168938"/>
-              <a:gd name="connsiteY25" fmla="*/ 385894 h 385894"/>
-              <a:gd name="connsiteX26" fmla="*/ 2069560 w 9168938"/>
-              <a:gd name="connsiteY26" fmla="*/ 385894 h 385894"/>
-              <a:gd name="connsiteX27" fmla="*/ 1414636 w 9168938"/>
-              <a:gd name="connsiteY27" fmla="*/ 385894 h 385894"/>
-              <a:gd name="connsiteX28" fmla="*/ 668023 w 9168938"/>
-              <a:gd name="connsiteY28" fmla="*/ 385894 h 385894"/>
-              <a:gd name="connsiteX29" fmla="*/ 0 w 9168938"/>
-              <a:gd name="connsiteY29" fmla="*/ 385894 h 385894"/>
-              <a:gd name="connsiteX30" fmla="*/ 0 w 9168938"/>
-              <a:gd name="connsiteY30" fmla="*/ 0 h 385894"/>
+              <a:gd name="connsiteX21" fmla="*/ 0 w 6594664"/>
+              <a:gd name="connsiteY21" fmla="*/ 0 h 385894"/>
             </a:gdLst>
             <a:ahLst/>
             <a:cxnLst>
@@ -13451,344 +13612,232 @@
               <a:cxn ang="0">
                 <a:pos x="connsiteX21" y="connsiteY21"/>
               </a:cxn>
-              <a:cxn ang="0">
-                <a:pos x="connsiteX22" y="connsiteY22"/>
-              </a:cxn>
-              <a:cxn ang="0">
-                <a:pos x="connsiteX23" y="connsiteY23"/>
-              </a:cxn>
-              <a:cxn ang="0">
-                <a:pos x="connsiteX24" y="connsiteY24"/>
-              </a:cxn>
-              <a:cxn ang="0">
-                <a:pos x="connsiteX25" y="connsiteY25"/>
-              </a:cxn>
-              <a:cxn ang="0">
-                <a:pos x="connsiteX26" y="connsiteY26"/>
-              </a:cxn>
-              <a:cxn ang="0">
-                <a:pos x="connsiteX27" y="connsiteY27"/>
-              </a:cxn>
-              <a:cxn ang="0">
-                <a:pos x="connsiteX28" y="connsiteY28"/>
-              </a:cxn>
-              <a:cxn ang="0">
-                <a:pos x="connsiteX29" y="connsiteY29"/>
-              </a:cxn>
-              <a:cxn ang="0">
-                <a:pos x="connsiteX30" y="connsiteY30"/>
-              </a:cxn>
             </a:cxnLst>
             <a:rect l="l" t="t" r="r" b="b"/>
             <a:pathLst>
-              <a:path w="9168938" h="385894" fill="none" extrusionOk="0">
+              <a:path w="6594664" h="385894" fill="none" extrusionOk="0">
                 <a:moveTo>
                   <a:pt x="0" y="0"/>
                 </a:moveTo>
                 <a:cubicBezTo>
-                  <a:pt x="109062" y="16837"/>
-                  <a:pt x="273507" y="14328"/>
-                  <a:pt x="379856" y="0"/>
-                </a:cubicBezTo>
-                <a:cubicBezTo>
-                  <a:pt x="486205" y="-14328"/>
-                  <a:pt x="616695" y="1243"/>
-                  <a:pt x="759712" y="0"/>
-                </a:cubicBezTo>
-                <a:cubicBezTo>
-                  <a:pt x="902729" y="-1243"/>
-                  <a:pt x="1174820" y="-22671"/>
-                  <a:pt x="1322947" y="0"/>
-                </a:cubicBezTo>
-                <a:cubicBezTo>
-                  <a:pt x="1471074" y="22671"/>
-                  <a:pt x="1662186" y="6843"/>
-                  <a:pt x="1794492" y="0"/>
-                </a:cubicBezTo>
-                <a:cubicBezTo>
-                  <a:pt x="1926799" y="-6843"/>
-                  <a:pt x="2436152" y="28712"/>
-                  <a:pt x="2632795" y="0"/>
-                </a:cubicBezTo>
-                <a:cubicBezTo>
-                  <a:pt x="2829438" y="-28712"/>
-                  <a:pt x="3022598" y="20775"/>
-                  <a:pt x="3287719" y="0"/>
-                </a:cubicBezTo>
-                <a:cubicBezTo>
-                  <a:pt x="3552840" y="-20775"/>
-                  <a:pt x="3657299" y="-14308"/>
-                  <a:pt x="3759265" y="0"/>
-                </a:cubicBezTo>
-                <a:cubicBezTo>
-                  <a:pt x="3861231" y="14308"/>
-                  <a:pt x="4301132" y="32393"/>
-                  <a:pt x="4505878" y="0"/>
-                </a:cubicBezTo>
-                <a:cubicBezTo>
-                  <a:pt x="4710624" y="-32393"/>
-                  <a:pt x="4805008" y="8492"/>
-                  <a:pt x="5069113" y="0"/>
-                </a:cubicBezTo>
-                <a:cubicBezTo>
-                  <a:pt x="5333219" y="-8492"/>
-                  <a:pt x="5683698" y="-11402"/>
-                  <a:pt x="5907416" y="0"/>
-                </a:cubicBezTo>
-                <a:cubicBezTo>
-                  <a:pt x="6131134" y="11402"/>
-                  <a:pt x="6353020" y="9761"/>
-                  <a:pt x="6470651" y="0"/>
-                </a:cubicBezTo>
-                <a:cubicBezTo>
-                  <a:pt x="6588282" y="-9761"/>
-                  <a:pt x="6968592" y="6069"/>
-                  <a:pt x="7125575" y="0"/>
-                </a:cubicBezTo>
-                <a:cubicBezTo>
-                  <a:pt x="7282558" y="-6069"/>
-                  <a:pt x="7319459" y="3139"/>
-                  <a:pt x="7505431" y="0"/>
-                </a:cubicBezTo>
-                <a:cubicBezTo>
-                  <a:pt x="7691403" y="-3139"/>
-                  <a:pt x="7830540" y="-4183"/>
-                  <a:pt x="7976976" y="0"/>
-                </a:cubicBezTo>
-                <a:cubicBezTo>
-                  <a:pt x="8123412" y="4183"/>
-                  <a:pt x="8686879" y="4248"/>
-                  <a:pt x="9168938" y="0"/>
-                </a:cubicBezTo>
-                <a:cubicBezTo>
-                  <a:pt x="9155880" y="145020"/>
-                  <a:pt x="9184779" y="229499"/>
-                  <a:pt x="9168938" y="385894"/>
-                </a:cubicBezTo>
-                <a:cubicBezTo>
-                  <a:pt x="8911737" y="382051"/>
-                  <a:pt x="8873667" y="385566"/>
-                  <a:pt x="8605703" y="385894"/>
-                </a:cubicBezTo>
-                <a:cubicBezTo>
-                  <a:pt x="8337739" y="386222"/>
-                  <a:pt x="8249970" y="411106"/>
-                  <a:pt x="7950779" y="385894"/>
-                </a:cubicBezTo>
-                <a:cubicBezTo>
-                  <a:pt x="7651588" y="360682"/>
-                  <a:pt x="7702983" y="397245"/>
-                  <a:pt x="7570923" y="385894"/>
-                </a:cubicBezTo>
-                <a:cubicBezTo>
-                  <a:pt x="7438863" y="374543"/>
-                  <a:pt x="7067862" y="420778"/>
-                  <a:pt x="6824310" y="385894"/>
-                </a:cubicBezTo>
-                <a:cubicBezTo>
-                  <a:pt x="6580758" y="351010"/>
-                  <a:pt x="6272097" y="408634"/>
-                  <a:pt x="6077696" y="385894"/>
-                </a:cubicBezTo>
-                <a:cubicBezTo>
-                  <a:pt x="5883295" y="363154"/>
-                  <a:pt x="5599968" y="390224"/>
-                  <a:pt x="5239393" y="385894"/>
-                </a:cubicBezTo>
-                <a:cubicBezTo>
-                  <a:pt x="4878818" y="381564"/>
-                  <a:pt x="4722040" y="361803"/>
-                  <a:pt x="4401090" y="385894"/>
-                </a:cubicBezTo>
-                <a:cubicBezTo>
-                  <a:pt x="4080140" y="409985"/>
-                  <a:pt x="3790741" y="352874"/>
-                  <a:pt x="3562787" y="385894"/>
-                </a:cubicBezTo>
-                <a:cubicBezTo>
-                  <a:pt x="3334833" y="418914"/>
-                  <a:pt x="3177466" y="376367"/>
-                  <a:pt x="2816174" y="385894"/>
-                </a:cubicBezTo>
-                <a:cubicBezTo>
-                  <a:pt x="2454882" y="395421"/>
-                  <a:pt x="2332741" y="399480"/>
-                  <a:pt x="2069560" y="385894"/>
-                </a:cubicBezTo>
-                <a:cubicBezTo>
-                  <a:pt x="1806379" y="372308"/>
-                  <a:pt x="1564600" y="387524"/>
-                  <a:pt x="1414636" y="385894"/>
-                </a:cubicBezTo>
-                <a:cubicBezTo>
-                  <a:pt x="1264672" y="384264"/>
-                  <a:pt x="963577" y="380456"/>
-                  <a:pt x="668023" y="385894"/>
-                </a:cubicBezTo>
-                <a:cubicBezTo>
-                  <a:pt x="372469" y="391332"/>
-                  <a:pt x="215725" y="400789"/>
+                  <a:pt x="295910" y="25514"/>
+                  <a:pt x="471115" y="32791"/>
+                  <a:pt x="791360" y="0"/>
+                </a:cubicBezTo>
+                <a:cubicBezTo>
+                  <a:pt x="1111605" y="-32791"/>
+                  <a:pt x="1179201" y="14358"/>
+                  <a:pt x="1318933" y="0"/>
+                </a:cubicBezTo>
+                <a:cubicBezTo>
+                  <a:pt x="1458665" y="-14358"/>
+                  <a:pt x="1756336" y="-24557"/>
+                  <a:pt x="2110292" y="0"/>
+                </a:cubicBezTo>
+                <a:cubicBezTo>
+                  <a:pt x="2464248" y="24557"/>
+                  <a:pt x="2519346" y="-7408"/>
+                  <a:pt x="2769759" y="0"/>
+                </a:cubicBezTo>
+                <a:cubicBezTo>
+                  <a:pt x="3020172" y="7408"/>
+                  <a:pt x="3189349" y="5936"/>
+                  <a:pt x="3495172" y="0"/>
+                </a:cubicBezTo>
+                <a:cubicBezTo>
+                  <a:pt x="3800995" y="-5936"/>
+                  <a:pt x="3951644" y="23655"/>
+                  <a:pt x="4154638" y="0"/>
+                </a:cubicBezTo>
+                <a:cubicBezTo>
+                  <a:pt x="4357632" y="-23655"/>
+                  <a:pt x="4643171" y="-17705"/>
+                  <a:pt x="4945998" y="0"/>
+                </a:cubicBezTo>
+                <a:cubicBezTo>
+                  <a:pt x="5248825" y="17705"/>
+                  <a:pt x="5509659" y="29550"/>
+                  <a:pt x="5737358" y="0"/>
+                </a:cubicBezTo>
+                <a:cubicBezTo>
+                  <a:pt x="5965057" y="-29550"/>
+                  <a:pt x="6394067" y="-18226"/>
+                  <a:pt x="6594664" y="0"/>
+                </a:cubicBezTo>
+                <a:cubicBezTo>
+                  <a:pt x="6586035" y="189067"/>
+                  <a:pt x="6582730" y="255993"/>
+                  <a:pt x="6594664" y="385894"/>
+                </a:cubicBezTo>
+                <a:cubicBezTo>
+                  <a:pt x="6471294" y="378370"/>
+                  <a:pt x="6297664" y="407489"/>
+                  <a:pt x="6001144" y="385894"/>
+                </a:cubicBezTo>
+                <a:cubicBezTo>
+                  <a:pt x="5704624" y="364299"/>
+                  <a:pt x="5633198" y="400990"/>
+                  <a:pt x="5473571" y="385894"/>
+                </a:cubicBezTo>
+                <a:cubicBezTo>
+                  <a:pt x="5313944" y="370798"/>
+                  <a:pt x="4981434" y="381789"/>
+                  <a:pt x="4748158" y="385894"/>
+                </a:cubicBezTo>
+                <a:cubicBezTo>
+                  <a:pt x="4514882" y="389999"/>
+                  <a:pt x="4458257" y="372548"/>
+                  <a:pt x="4220585" y="385894"/>
+                </a:cubicBezTo>
+                <a:cubicBezTo>
+                  <a:pt x="3982913" y="399240"/>
+                  <a:pt x="3960171" y="367673"/>
+                  <a:pt x="3758958" y="385894"/>
+                </a:cubicBezTo>
+                <a:cubicBezTo>
+                  <a:pt x="3557745" y="404115"/>
+                  <a:pt x="3336365" y="375361"/>
+                  <a:pt x="3033545" y="385894"/>
+                </a:cubicBezTo>
+                <a:cubicBezTo>
+                  <a:pt x="2730725" y="396427"/>
+                  <a:pt x="2676198" y="393400"/>
+                  <a:pt x="2505972" y="385894"/>
+                </a:cubicBezTo>
+                <a:cubicBezTo>
+                  <a:pt x="2335746" y="378388"/>
+                  <a:pt x="2050374" y="373131"/>
+                  <a:pt x="1714613" y="385894"/>
+                </a:cubicBezTo>
+                <a:cubicBezTo>
+                  <a:pt x="1378852" y="398657"/>
+                  <a:pt x="1097048" y="406452"/>
+                  <a:pt x="923253" y="385894"/>
+                </a:cubicBezTo>
+                <a:cubicBezTo>
+                  <a:pt x="749458" y="365336"/>
+                  <a:pt x="256375" y="425766"/>
                   <a:pt x="0" y="385894"/>
                 </a:cubicBezTo>
                 <a:cubicBezTo>
-                  <a:pt x="-8782" y="245997"/>
-                  <a:pt x="4906" y="166052"/>
+                  <a:pt x="-17158" y="307280"/>
+                  <a:pt x="4418" y="191596"/>
                   <a:pt x="0" y="0"/>
                 </a:cubicBezTo>
                 <a:close/>
               </a:path>
-              <a:path w="9168938" h="385894" stroke="0" extrusionOk="0">
+              <a:path w="6594664" h="385894" stroke="0" extrusionOk="0">
                 <a:moveTo>
                   <a:pt x="0" y="0"/>
                 </a:moveTo>
                 <a:cubicBezTo>
-                  <a:pt x="218231" y="-28203"/>
-                  <a:pt x="655585" y="-32911"/>
-                  <a:pt x="838303" y="0"/>
-                </a:cubicBezTo>
-                <a:cubicBezTo>
-                  <a:pt x="1021021" y="32911"/>
-                  <a:pt x="1252932" y="16683"/>
-                  <a:pt x="1493227" y="0"/>
-                </a:cubicBezTo>
-                <a:cubicBezTo>
-                  <a:pt x="1733522" y="-16683"/>
-                  <a:pt x="1872003" y="-21577"/>
-                  <a:pt x="2056462" y="0"/>
-                </a:cubicBezTo>
-                <a:cubicBezTo>
-                  <a:pt x="2240921" y="21577"/>
-                  <a:pt x="2418077" y="-26779"/>
-                  <a:pt x="2619697" y="0"/>
-                </a:cubicBezTo>
-                <a:cubicBezTo>
-                  <a:pt x="2821318" y="26779"/>
-                  <a:pt x="2908211" y="-4755"/>
-                  <a:pt x="3182931" y="0"/>
-                </a:cubicBezTo>
-                <a:cubicBezTo>
-                  <a:pt x="3457651" y="4755"/>
-                  <a:pt x="3516591" y="2173"/>
-                  <a:pt x="3654477" y="0"/>
-                </a:cubicBezTo>
-                <a:cubicBezTo>
-                  <a:pt x="3792363" y="-2173"/>
-                  <a:pt x="4139996" y="-27403"/>
-                  <a:pt x="4492780" y="0"/>
-                </a:cubicBezTo>
-                <a:cubicBezTo>
-                  <a:pt x="4845564" y="27403"/>
-                  <a:pt x="4937830" y="19110"/>
-                  <a:pt x="5056014" y="0"/>
-                </a:cubicBezTo>
-                <a:cubicBezTo>
-                  <a:pt x="5174198" y="-19110"/>
-                  <a:pt x="5473905" y="29200"/>
-                  <a:pt x="5802628" y="0"/>
-                </a:cubicBezTo>
-                <a:cubicBezTo>
-                  <a:pt x="6131351" y="-29200"/>
-                  <a:pt x="6456551" y="4047"/>
-                  <a:pt x="6640931" y="0"/>
-                </a:cubicBezTo>
-                <a:cubicBezTo>
-                  <a:pt x="6825311" y="-4047"/>
-                  <a:pt x="7046463" y="26611"/>
-                  <a:pt x="7387544" y="0"/>
-                </a:cubicBezTo>
-                <a:cubicBezTo>
-                  <a:pt x="7728625" y="-26611"/>
-                  <a:pt x="7625757" y="10482"/>
-                  <a:pt x="7859090" y="0"/>
-                </a:cubicBezTo>
-                <a:cubicBezTo>
-                  <a:pt x="8092423" y="-10482"/>
-                  <a:pt x="8115291" y="-19664"/>
-                  <a:pt x="8330635" y="0"/>
-                </a:cubicBezTo>
-                <a:cubicBezTo>
-                  <a:pt x="8545980" y="19664"/>
-                  <a:pt x="8966080" y="4899"/>
-                  <a:pt x="9168938" y="0"/>
-                </a:cubicBezTo>
-                <a:cubicBezTo>
-                  <a:pt x="9175001" y="178796"/>
-                  <a:pt x="9173853" y="301434"/>
-                  <a:pt x="9168938" y="385894"/>
-                </a:cubicBezTo>
-                <a:cubicBezTo>
-                  <a:pt x="9031859" y="376904"/>
-                  <a:pt x="8931072" y="372841"/>
-                  <a:pt x="8789082" y="385894"/>
-                </a:cubicBezTo>
-                <a:cubicBezTo>
-                  <a:pt x="8647092" y="398947"/>
-                  <a:pt x="8492837" y="374906"/>
-                  <a:pt x="8317537" y="385894"/>
-                </a:cubicBezTo>
-                <a:cubicBezTo>
-                  <a:pt x="8142237" y="396882"/>
-                  <a:pt x="7820150" y="383987"/>
-                  <a:pt x="7570923" y="385894"/>
-                </a:cubicBezTo>
-                <a:cubicBezTo>
-                  <a:pt x="7321696" y="387801"/>
-                  <a:pt x="7184647" y="363976"/>
-                  <a:pt x="7007688" y="385894"/>
-                </a:cubicBezTo>
-                <a:cubicBezTo>
-                  <a:pt x="6830730" y="407812"/>
-                  <a:pt x="6432090" y="361397"/>
-                  <a:pt x="6261075" y="385894"/>
-                </a:cubicBezTo>
-                <a:cubicBezTo>
-                  <a:pt x="6090060" y="410391"/>
-                  <a:pt x="5682555" y="401736"/>
-                  <a:pt x="5422772" y="385894"/>
-                </a:cubicBezTo>
-                <a:cubicBezTo>
-                  <a:pt x="5162989" y="370052"/>
-                  <a:pt x="4973548" y="397323"/>
-                  <a:pt x="4859537" y="385894"/>
-                </a:cubicBezTo>
-                <a:cubicBezTo>
-                  <a:pt x="4745527" y="374465"/>
-                  <a:pt x="4502955" y="397324"/>
-                  <a:pt x="4296302" y="385894"/>
-                </a:cubicBezTo>
-                <a:cubicBezTo>
-                  <a:pt x="4089650" y="374464"/>
-                  <a:pt x="3833997" y="376715"/>
-                  <a:pt x="3641378" y="385894"/>
-                </a:cubicBezTo>
-                <a:cubicBezTo>
-                  <a:pt x="3448759" y="395073"/>
-                  <a:pt x="3152947" y="396857"/>
-                  <a:pt x="2803075" y="385894"/>
-                </a:cubicBezTo>
-                <a:cubicBezTo>
-                  <a:pt x="2453203" y="374931"/>
-                  <a:pt x="2485093" y="394633"/>
-                  <a:pt x="2239841" y="385894"/>
-                </a:cubicBezTo>
-                <a:cubicBezTo>
-                  <a:pt x="1994589" y="377155"/>
-                  <a:pt x="1905885" y="380236"/>
-                  <a:pt x="1676606" y="385894"/>
-                </a:cubicBezTo>
-                <a:cubicBezTo>
-                  <a:pt x="1447327" y="391552"/>
-                  <a:pt x="1312781" y="389703"/>
-                  <a:pt x="1205060" y="385894"/>
-                </a:cubicBezTo>
-                <a:cubicBezTo>
-                  <a:pt x="1097339" y="382085"/>
-                  <a:pt x="529910" y="415141"/>
+                  <a:pt x="213834" y="-19713"/>
+                  <a:pt x="396462" y="-20877"/>
+                  <a:pt x="791360" y="0"/>
+                </a:cubicBezTo>
+                <a:cubicBezTo>
+                  <a:pt x="1186258" y="20877"/>
+                  <a:pt x="1271072" y="28675"/>
+                  <a:pt x="1450826" y="0"/>
+                </a:cubicBezTo>
+                <a:cubicBezTo>
+                  <a:pt x="1630580" y="-28675"/>
+                  <a:pt x="1853107" y="-4793"/>
+                  <a:pt x="2044346" y="0"/>
+                </a:cubicBezTo>
+                <a:cubicBezTo>
+                  <a:pt x="2235585" y="4793"/>
+                  <a:pt x="2414698" y="26686"/>
+                  <a:pt x="2637866" y="0"/>
+                </a:cubicBezTo>
+                <a:cubicBezTo>
+                  <a:pt x="2861034" y="-26686"/>
+                  <a:pt x="3014804" y="17098"/>
+                  <a:pt x="3231385" y="0"/>
+                </a:cubicBezTo>
+                <a:cubicBezTo>
+                  <a:pt x="3447966" y="-17098"/>
+                  <a:pt x="3557788" y="-23063"/>
+                  <a:pt x="3758958" y="0"/>
+                </a:cubicBezTo>
+                <a:cubicBezTo>
+                  <a:pt x="3960128" y="23063"/>
+                  <a:pt x="4380828" y="-28792"/>
+                  <a:pt x="4550318" y="0"/>
+                </a:cubicBezTo>
+                <a:cubicBezTo>
+                  <a:pt x="4719808" y="28792"/>
+                  <a:pt x="4951138" y="-16837"/>
+                  <a:pt x="5143838" y="0"/>
+                </a:cubicBezTo>
+                <a:cubicBezTo>
+                  <a:pt x="5336538" y="16837"/>
+                  <a:pt x="5717046" y="19039"/>
+                  <a:pt x="5869251" y="0"/>
+                </a:cubicBezTo>
+                <a:cubicBezTo>
+                  <a:pt x="6021456" y="-19039"/>
+                  <a:pt x="6432193" y="-19610"/>
+                  <a:pt x="6594664" y="0"/>
+                </a:cubicBezTo>
+                <a:cubicBezTo>
+                  <a:pt x="6603457" y="162243"/>
+                  <a:pt x="6594018" y="222107"/>
+                  <a:pt x="6594664" y="385894"/>
+                </a:cubicBezTo>
+                <a:cubicBezTo>
+                  <a:pt x="6267076" y="395948"/>
+                  <a:pt x="6028228" y="359789"/>
+                  <a:pt x="5869251" y="385894"/>
+                </a:cubicBezTo>
+                <a:cubicBezTo>
+                  <a:pt x="5710274" y="411999"/>
+                  <a:pt x="5387418" y="413782"/>
+                  <a:pt x="5209785" y="385894"/>
+                </a:cubicBezTo>
+                <a:cubicBezTo>
+                  <a:pt x="5032152" y="358006"/>
+                  <a:pt x="4935299" y="375303"/>
+                  <a:pt x="4682211" y="385894"/>
+                </a:cubicBezTo>
+                <a:cubicBezTo>
+                  <a:pt x="4429123" y="396485"/>
+                  <a:pt x="4154618" y="403701"/>
+                  <a:pt x="3956798" y="385894"/>
+                </a:cubicBezTo>
+                <a:cubicBezTo>
+                  <a:pt x="3758978" y="368087"/>
+                  <a:pt x="3609897" y="362305"/>
+                  <a:pt x="3297332" y="385894"/>
+                </a:cubicBezTo>
+                <a:cubicBezTo>
+                  <a:pt x="2984767" y="409483"/>
+                  <a:pt x="3030089" y="405133"/>
+                  <a:pt x="2769759" y="385894"/>
+                </a:cubicBezTo>
+                <a:cubicBezTo>
+                  <a:pt x="2509429" y="366655"/>
+                  <a:pt x="2396925" y="364633"/>
+                  <a:pt x="2044346" y="385894"/>
+                </a:cubicBezTo>
+                <a:cubicBezTo>
+                  <a:pt x="1691767" y="407155"/>
+                  <a:pt x="1728745" y="376659"/>
+                  <a:pt x="1450826" y="385894"/>
+                </a:cubicBezTo>
+                <a:cubicBezTo>
+                  <a:pt x="1172907" y="395129"/>
+                  <a:pt x="927074" y="392025"/>
+                  <a:pt x="725413" y="385894"/>
+                </a:cubicBezTo>
+                <a:cubicBezTo>
+                  <a:pt x="523752" y="379763"/>
+                  <a:pt x="325124" y="388546"/>
                   <a:pt x="0" y="385894"/>
                 </a:cubicBezTo>
                 <a:cubicBezTo>
-                  <a:pt x="11588" y="203059"/>
-                  <a:pt x="4866" y="182462"/>
+                  <a:pt x="6379" y="287104"/>
+                  <a:pt x="12686" y="156380"/>
                   <a:pt x="0" y="0"/>
                 </a:cubicBezTo>
                 <a:close/>
@@ -15642,621 +15691,6 @@
       </p:sp>
       <p:sp>
         <p:nvSpPr>
-          <p:cNvPr id="18" name="Rectangle 17">
-            <a:extLst>
-              <a:ext uri="{FF2B5EF4-FFF2-40B4-BE49-F238E27FC236}">
-                <a16:creationId xmlns:a16="http://schemas.microsoft.com/office/drawing/2014/main" id="{4E09C73A-1DF0-B48F-6F1D-5E72B21E701A}"/>
-              </a:ext>
-            </a:extLst>
-          </p:cNvPr>
-          <p:cNvSpPr/>
-          <p:nvPr/>
-        </p:nvSpPr>
-        <p:spPr>
-          <a:xfrm>
-            <a:off x="633536" y="2000778"/>
-            <a:ext cx="1309564" cy="354589"/>
-          </a:xfrm>
-          <a:custGeom>
-            <a:avLst/>
-            <a:gdLst>
-              <a:gd name="connsiteX0" fmla="*/ 0 w 1309564"/>
-              <a:gd name="connsiteY0" fmla="*/ 0 h 354589"/>
-              <a:gd name="connsiteX1" fmla="*/ 436521 w 1309564"/>
-              <a:gd name="connsiteY1" fmla="*/ 0 h 354589"/>
-              <a:gd name="connsiteX2" fmla="*/ 833756 w 1309564"/>
-              <a:gd name="connsiteY2" fmla="*/ 0 h 354589"/>
-              <a:gd name="connsiteX3" fmla="*/ 1309564 w 1309564"/>
-              <a:gd name="connsiteY3" fmla="*/ 0 h 354589"/>
-              <a:gd name="connsiteX4" fmla="*/ 1309564 w 1309564"/>
-              <a:gd name="connsiteY4" fmla="*/ 354589 h 354589"/>
-              <a:gd name="connsiteX5" fmla="*/ 886138 w 1309564"/>
-              <a:gd name="connsiteY5" fmla="*/ 354589 h 354589"/>
-              <a:gd name="connsiteX6" fmla="*/ 462713 w 1309564"/>
-              <a:gd name="connsiteY6" fmla="*/ 354589 h 354589"/>
-              <a:gd name="connsiteX7" fmla="*/ 0 w 1309564"/>
-              <a:gd name="connsiteY7" fmla="*/ 354589 h 354589"/>
-              <a:gd name="connsiteX8" fmla="*/ 0 w 1309564"/>
-              <a:gd name="connsiteY8" fmla="*/ 0 h 354589"/>
-            </a:gdLst>
-            <a:ahLst/>
-            <a:cxnLst>
-              <a:cxn ang="0">
-                <a:pos x="connsiteX0" y="connsiteY0"/>
-              </a:cxn>
-              <a:cxn ang="0">
-                <a:pos x="connsiteX1" y="connsiteY1"/>
-              </a:cxn>
-              <a:cxn ang="0">
-                <a:pos x="connsiteX2" y="connsiteY2"/>
-              </a:cxn>
-              <a:cxn ang="0">
-                <a:pos x="connsiteX3" y="connsiteY3"/>
-              </a:cxn>
-              <a:cxn ang="0">
-                <a:pos x="connsiteX4" y="connsiteY4"/>
-              </a:cxn>
-              <a:cxn ang="0">
-                <a:pos x="connsiteX5" y="connsiteY5"/>
-              </a:cxn>
-              <a:cxn ang="0">
-                <a:pos x="connsiteX6" y="connsiteY6"/>
-              </a:cxn>
-              <a:cxn ang="0">
-                <a:pos x="connsiteX7" y="connsiteY7"/>
-              </a:cxn>
-              <a:cxn ang="0">
-                <a:pos x="connsiteX8" y="connsiteY8"/>
-              </a:cxn>
-            </a:cxnLst>
-            <a:rect l="l" t="t" r="r" b="b"/>
-            <a:pathLst>
-              <a:path w="1309564" h="354589" fill="none" extrusionOk="0">
-                <a:moveTo>
-                  <a:pt x="0" y="0"/>
-                </a:moveTo>
-                <a:cubicBezTo>
-                  <a:pt x="150738" y="-9316"/>
-                  <a:pt x="334383" y="36693"/>
-                  <a:pt x="436521" y="0"/>
-                </a:cubicBezTo>
-                <a:cubicBezTo>
-                  <a:pt x="538659" y="-36693"/>
-                  <a:pt x="749231" y="37333"/>
-                  <a:pt x="833756" y="0"/>
-                </a:cubicBezTo>
-                <a:cubicBezTo>
-                  <a:pt x="918282" y="-37333"/>
-                  <a:pt x="1151490" y="11080"/>
-                  <a:pt x="1309564" y="0"/>
-                </a:cubicBezTo>
-                <a:cubicBezTo>
-                  <a:pt x="1345367" y="149825"/>
-                  <a:pt x="1273322" y="231655"/>
-                  <a:pt x="1309564" y="354589"/>
-                </a:cubicBezTo>
-                <a:cubicBezTo>
-                  <a:pt x="1116315" y="369956"/>
-                  <a:pt x="984785" y="351940"/>
-                  <a:pt x="886138" y="354589"/>
-                </a:cubicBezTo>
-                <a:cubicBezTo>
-                  <a:pt x="787491" y="357238"/>
-                  <a:pt x="589431" y="335802"/>
-                  <a:pt x="462713" y="354589"/>
-                </a:cubicBezTo>
-                <a:cubicBezTo>
-                  <a:pt x="335996" y="373376"/>
-                  <a:pt x="188219" y="311043"/>
-                  <a:pt x="0" y="354589"/>
-                </a:cubicBezTo>
-                <a:cubicBezTo>
-                  <a:pt x="-10299" y="209295"/>
-                  <a:pt x="11322" y="174653"/>
-                  <a:pt x="0" y="0"/>
-                </a:cubicBezTo>
-                <a:close/>
-              </a:path>
-              <a:path w="1309564" h="354589" stroke="0" extrusionOk="0">
-                <a:moveTo>
-                  <a:pt x="0" y="0"/>
-                </a:moveTo>
-                <a:cubicBezTo>
-                  <a:pt x="208227" y="-28328"/>
-                  <a:pt x="331524" y="31014"/>
-                  <a:pt x="462713" y="0"/>
-                </a:cubicBezTo>
-                <a:cubicBezTo>
-                  <a:pt x="593902" y="-31014"/>
-                  <a:pt x="710581" y="10872"/>
-                  <a:pt x="886138" y="0"/>
-                </a:cubicBezTo>
-                <a:cubicBezTo>
-                  <a:pt x="1061695" y="-10872"/>
-                  <a:pt x="1102317" y="23486"/>
-                  <a:pt x="1309564" y="0"/>
-                </a:cubicBezTo>
-                <a:cubicBezTo>
-                  <a:pt x="1329517" y="78924"/>
-                  <a:pt x="1290238" y="208696"/>
-                  <a:pt x="1309564" y="354589"/>
-                </a:cubicBezTo>
-                <a:cubicBezTo>
-                  <a:pt x="1152348" y="356475"/>
-                  <a:pt x="1052963" y="335075"/>
-                  <a:pt x="873043" y="354589"/>
-                </a:cubicBezTo>
-                <a:cubicBezTo>
-                  <a:pt x="693123" y="374103"/>
-                  <a:pt x="639902" y="352220"/>
-                  <a:pt x="449617" y="354589"/>
-                </a:cubicBezTo>
-                <a:cubicBezTo>
-                  <a:pt x="259332" y="356958"/>
-                  <a:pt x="112834" y="335769"/>
-                  <a:pt x="0" y="354589"/>
-                </a:cubicBezTo>
-                <a:cubicBezTo>
-                  <a:pt x="-39100" y="275829"/>
-                  <a:pt x="16584" y="138428"/>
-                  <a:pt x="0" y="0"/>
-                </a:cubicBezTo>
-                <a:close/>
-              </a:path>
-            </a:pathLst>
-          </a:custGeom>
-          <a:solidFill>
-            <a:schemeClr val="tx1">
-              <a:lumMod val="50000"/>
-              <a:lumOff val="50000"/>
-            </a:schemeClr>
-          </a:solidFill>
-          <a:ln>
-            <a:extLst>
-              <a:ext uri="{C807C97D-BFC1-408E-A445-0C87EB9F89A2}">
-                <ask:lineSketchStyleProps xmlns:ask="http://schemas.microsoft.com/office/drawing/2018/sketchyshapes" sd="3437293717">
-                  <a:prstGeom prst="rect">
-                    <a:avLst/>
-                  </a:prstGeom>
-                  <ask:type>
-                    <ask:lineSketchScribble/>
-                  </ask:type>
-                </ask:lineSketchStyleProps>
-              </a:ext>
-            </a:extLst>
-          </a:ln>
-        </p:spPr>
-        <p:style>
-          <a:lnRef idx="2">
-            <a:schemeClr val="accent1">
-              <a:shade val="50000"/>
-            </a:schemeClr>
-          </a:lnRef>
-          <a:fillRef idx="1">
-            <a:schemeClr val="accent1"/>
-          </a:fillRef>
-          <a:effectRef idx="0">
-            <a:schemeClr val="accent1"/>
-          </a:effectRef>
-          <a:fontRef idx="minor">
-            <a:schemeClr val="lt1"/>
-          </a:fontRef>
-        </p:style>
-        <p:txBody>
-          <a:bodyPr rtlCol="0" anchor="ctr"/>
-          <a:lstStyle/>
-          <a:p>
-            <a:pPr algn="ctr"/>
-            <a:r>
-              <a:rPr lang="en-US" dirty="0"/>
-              <a:t>Execution 1</a:t>
-            </a:r>
-            <a:endParaRPr lang="en-IL" dirty="0"/>
-          </a:p>
-        </p:txBody>
-      </p:sp>
-      <p:sp>
-        <p:nvSpPr>
-          <p:cNvPr id="19" name="Rectangle 18">
-            <a:extLst>
-              <a:ext uri="{FF2B5EF4-FFF2-40B4-BE49-F238E27FC236}">
-                <a16:creationId xmlns:a16="http://schemas.microsoft.com/office/drawing/2014/main" id="{B9A3FA9F-6993-4661-BE39-8F7A47EB875C}"/>
-              </a:ext>
-            </a:extLst>
-          </p:cNvPr>
-          <p:cNvSpPr/>
-          <p:nvPr/>
-        </p:nvSpPr>
-        <p:spPr>
-          <a:xfrm>
-            <a:off x="2036556" y="2126767"/>
-            <a:ext cx="1309564" cy="224487"/>
-          </a:xfrm>
-          <a:custGeom>
-            <a:avLst/>
-            <a:gdLst>
-              <a:gd name="connsiteX0" fmla="*/ 0 w 1309564"/>
-              <a:gd name="connsiteY0" fmla="*/ 0 h 224487"/>
-              <a:gd name="connsiteX1" fmla="*/ 436521 w 1309564"/>
-              <a:gd name="connsiteY1" fmla="*/ 0 h 224487"/>
-              <a:gd name="connsiteX2" fmla="*/ 833756 w 1309564"/>
-              <a:gd name="connsiteY2" fmla="*/ 0 h 224487"/>
-              <a:gd name="connsiteX3" fmla="*/ 1309564 w 1309564"/>
-              <a:gd name="connsiteY3" fmla="*/ 0 h 224487"/>
-              <a:gd name="connsiteX4" fmla="*/ 1309564 w 1309564"/>
-              <a:gd name="connsiteY4" fmla="*/ 224487 h 224487"/>
-              <a:gd name="connsiteX5" fmla="*/ 886138 w 1309564"/>
-              <a:gd name="connsiteY5" fmla="*/ 224487 h 224487"/>
-              <a:gd name="connsiteX6" fmla="*/ 462713 w 1309564"/>
-              <a:gd name="connsiteY6" fmla="*/ 224487 h 224487"/>
-              <a:gd name="connsiteX7" fmla="*/ 0 w 1309564"/>
-              <a:gd name="connsiteY7" fmla="*/ 224487 h 224487"/>
-              <a:gd name="connsiteX8" fmla="*/ 0 w 1309564"/>
-              <a:gd name="connsiteY8" fmla="*/ 0 h 224487"/>
-            </a:gdLst>
-            <a:ahLst/>
-            <a:cxnLst>
-              <a:cxn ang="0">
-                <a:pos x="connsiteX0" y="connsiteY0"/>
-              </a:cxn>
-              <a:cxn ang="0">
-                <a:pos x="connsiteX1" y="connsiteY1"/>
-              </a:cxn>
-              <a:cxn ang="0">
-                <a:pos x="connsiteX2" y="connsiteY2"/>
-              </a:cxn>
-              <a:cxn ang="0">
-                <a:pos x="connsiteX3" y="connsiteY3"/>
-              </a:cxn>
-              <a:cxn ang="0">
-                <a:pos x="connsiteX4" y="connsiteY4"/>
-              </a:cxn>
-              <a:cxn ang="0">
-                <a:pos x="connsiteX5" y="connsiteY5"/>
-              </a:cxn>
-              <a:cxn ang="0">
-                <a:pos x="connsiteX6" y="connsiteY6"/>
-              </a:cxn>
-              <a:cxn ang="0">
-                <a:pos x="connsiteX7" y="connsiteY7"/>
-              </a:cxn>
-              <a:cxn ang="0">
-                <a:pos x="connsiteX8" y="connsiteY8"/>
-              </a:cxn>
-            </a:cxnLst>
-            <a:rect l="l" t="t" r="r" b="b"/>
-            <a:pathLst>
-              <a:path w="1309564" h="224487" fill="none" extrusionOk="0">
-                <a:moveTo>
-                  <a:pt x="0" y="0"/>
-                </a:moveTo>
-                <a:cubicBezTo>
-                  <a:pt x="150738" y="-9316"/>
-                  <a:pt x="334383" y="36693"/>
-                  <a:pt x="436521" y="0"/>
-                </a:cubicBezTo>
-                <a:cubicBezTo>
-                  <a:pt x="538659" y="-36693"/>
-                  <a:pt x="749231" y="37333"/>
-                  <a:pt x="833756" y="0"/>
-                </a:cubicBezTo>
-                <a:cubicBezTo>
-                  <a:pt x="918282" y="-37333"/>
-                  <a:pt x="1151490" y="11080"/>
-                  <a:pt x="1309564" y="0"/>
-                </a:cubicBezTo>
-                <a:cubicBezTo>
-                  <a:pt x="1318252" y="53519"/>
-                  <a:pt x="1304992" y="154140"/>
-                  <a:pt x="1309564" y="224487"/>
-                </a:cubicBezTo>
-                <a:cubicBezTo>
-                  <a:pt x="1116315" y="239854"/>
-                  <a:pt x="984785" y="221838"/>
-                  <a:pt x="886138" y="224487"/>
-                </a:cubicBezTo>
-                <a:cubicBezTo>
-                  <a:pt x="787491" y="227136"/>
-                  <a:pt x="589431" y="205700"/>
-                  <a:pt x="462713" y="224487"/>
-                </a:cubicBezTo>
-                <a:cubicBezTo>
-                  <a:pt x="335996" y="243274"/>
-                  <a:pt x="188219" y="180941"/>
-                  <a:pt x="0" y="224487"/>
-                </a:cubicBezTo>
-                <a:cubicBezTo>
-                  <a:pt x="-9597" y="164238"/>
-                  <a:pt x="13484" y="101168"/>
-                  <a:pt x="0" y="0"/>
-                </a:cubicBezTo>
-                <a:close/>
-              </a:path>
-              <a:path w="1309564" h="224487" stroke="0" extrusionOk="0">
-                <a:moveTo>
-                  <a:pt x="0" y="0"/>
-                </a:moveTo>
-                <a:cubicBezTo>
-                  <a:pt x="208227" y="-28328"/>
-                  <a:pt x="331524" y="31014"/>
-                  <a:pt x="462713" y="0"/>
-                </a:cubicBezTo>
-                <a:cubicBezTo>
-                  <a:pt x="593902" y="-31014"/>
-                  <a:pt x="710581" y="10872"/>
-                  <a:pt x="886138" y="0"/>
-                </a:cubicBezTo>
-                <a:cubicBezTo>
-                  <a:pt x="1061695" y="-10872"/>
-                  <a:pt x="1102317" y="23486"/>
-                  <a:pt x="1309564" y="0"/>
-                </a:cubicBezTo>
-                <a:cubicBezTo>
-                  <a:pt x="1330128" y="99066"/>
-                  <a:pt x="1304318" y="152527"/>
-                  <a:pt x="1309564" y="224487"/>
-                </a:cubicBezTo>
-                <a:cubicBezTo>
-                  <a:pt x="1152348" y="226373"/>
-                  <a:pt x="1052963" y="204973"/>
-                  <a:pt x="873043" y="224487"/>
-                </a:cubicBezTo>
-                <a:cubicBezTo>
-                  <a:pt x="693123" y="244001"/>
-                  <a:pt x="639902" y="222118"/>
-                  <a:pt x="449617" y="224487"/>
-                </a:cubicBezTo>
-                <a:cubicBezTo>
-                  <a:pt x="259332" y="226856"/>
-                  <a:pt x="112834" y="205667"/>
-                  <a:pt x="0" y="224487"/>
-                </a:cubicBezTo>
-                <a:cubicBezTo>
-                  <a:pt x="-26654" y="161049"/>
-                  <a:pt x="24677" y="85363"/>
-                  <a:pt x="0" y="0"/>
-                </a:cubicBezTo>
-                <a:close/>
-              </a:path>
-            </a:pathLst>
-          </a:custGeom>
-          <a:solidFill>
-            <a:schemeClr val="tx1">
-              <a:lumMod val="50000"/>
-              <a:lumOff val="50000"/>
-            </a:schemeClr>
-          </a:solidFill>
-          <a:ln>
-            <a:extLst>
-              <a:ext uri="{C807C97D-BFC1-408E-A445-0C87EB9F89A2}">
-                <ask:lineSketchStyleProps xmlns:ask="http://schemas.microsoft.com/office/drawing/2018/sketchyshapes" sd="3437293717">
-                  <a:prstGeom prst="rect">
-                    <a:avLst/>
-                  </a:prstGeom>
-                  <ask:type>
-                    <ask:lineSketchScribble/>
-                  </ask:type>
-                </ask:lineSketchStyleProps>
-              </a:ext>
-            </a:extLst>
-          </a:ln>
-        </p:spPr>
-        <p:style>
-          <a:lnRef idx="2">
-            <a:schemeClr val="accent1">
-              <a:shade val="50000"/>
-            </a:schemeClr>
-          </a:lnRef>
-          <a:fillRef idx="1">
-            <a:schemeClr val="accent1"/>
-          </a:fillRef>
-          <a:effectRef idx="0">
-            <a:schemeClr val="accent1"/>
-          </a:effectRef>
-          <a:fontRef idx="minor">
-            <a:schemeClr val="lt1"/>
-          </a:fontRef>
-        </p:style>
-        <p:txBody>
-          <a:bodyPr rtlCol="0" anchor="ctr"/>
-          <a:lstStyle/>
-          <a:p>
-            <a:pPr algn="ctr"/>
-            <a:r>
-              <a:rPr lang="en-US" dirty="0"/>
-              <a:t>Execution 2</a:t>
-            </a:r>
-            <a:endParaRPr lang="en-IL" dirty="0"/>
-          </a:p>
-        </p:txBody>
-      </p:sp>
-      <p:sp>
-        <p:nvSpPr>
-          <p:cNvPr id="20" name="Rectangle 19">
-            <a:extLst>
-              <a:ext uri="{FF2B5EF4-FFF2-40B4-BE49-F238E27FC236}">
-                <a16:creationId xmlns:a16="http://schemas.microsoft.com/office/drawing/2014/main" id="{26433211-EA81-8147-5043-93A704251B02}"/>
-              </a:ext>
-            </a:extLst>
-          </p:cNvPr>
-          <p:cNvSpPr/>
-          <p:nvPr/>
-        </p:nvSpPr>
-        <p:spPr>
-          <a:xfrm>
-            <a:off x="3439576" y="2134886"/>
-            <a:ext cx="738818" cy="224487"/>
-          </a:xfrm>
-          <a:custGeom>
-            <a:avLst/>
-            <a:gdLst>
-              <a:gd name="connsiteX0" fmla="*/ 0 w 738818"/>
-              <a:gd name="connsiteY0" fmla="*/ 0 h 224487"/>
-              <a:gd name="connsiteX1" fmla="*/ 354633 w 738818"/>
-              <a:gd name="connsiteY1" fmla="*/ 0 h 224487"/>
-              <a:gd name="connsiteX2" fmla="*/ 738818 w 738818"/>
-              <a:gd name="connsiteY2" fmla="*/ 0 h 224487"/>
-              <a:gd name="connsiteX3" fmla="*/ 738818 w 738818"/>
-              <a:gd name="connsiteY3" fmla="*/ 224487 h 224487"/>
-              <a:gd name="connsiteX4" fmla="*/ 369409 w 738818"/>
-              <a:gd name="connsiteY4" fmla="*/ 224487 h 224487"/>
-              <a:gd name="connsiteX5" fmla="*/ 0 w 738818"/>
-              <a:gd name="connsiteY5" fmla="*/ 224487 h 224487"/>
-              <a:gd name="connsiteX6" fmla="*/ 0 w 738818"/>
-              <a:gd name="connsiteY6" fmla="*/ 0 h 224487"/>
-            </a:gdLst>
-            <a:ahLst/>
-            <a:cxnLst>
-              <a:cxn ang="0">
-                <a:pos x="connsiteX0" y="connsiteY0"/>
-              </a:cxn>
-              <a:cxn ang="0">
-                <a:pos x="connsiteX1" y="connsiteY1"/>
-              </a:cxn>
-              <a:cxn ang="0">
-                <a:pos x="connsiteX2" y="connsiteY2"/>
-              </a:cxn>
-              <a:cxn ang="0">
-                <a:pos x="connsiteX3" y="connsiteY3"/>
-              </a:cxn>
-              <a:cxn ang="0">
-                <a:pos x="connsiteX4" y="connsiteY4"/>
-              </a:cxn>
-              <a:cxn ang="0">
-                <a:pos x="connsiteX5" y="connsiteY5"/>
-              </a:cxn>
-              <a:cxn ang="0">
-                <a:pos x="connsiteX6" y="connsiteY6"/>
-              </a:cxn>
-            </a:cxnLst>
-            <a:rect l="l" t="t" r="r" b="b"/>
-            <a:pathLst>
-              <a:path w="738818" h="224487" fill="none" extrusionOk="0">
-                <a:moveTo>
-                  <a:pt x="0" y="0"/>
-                </a:moveTo>
-                <a:cubicBezTo>
-                  <a:pt x="79201" y="-31383"/>
-                  <a:pt x="188289" y="31289"/>
-                  <a:pt x="354633" y="0"/>
-                </a:cubicBezTo>
-                <a:cubicBezTo>
-                  <a:pt x="520977" y="-31289"/>
-                  <a:pt x="559784" y="22530"/>
-                  <a:pt x="738818" y="0"/>
-                </a:cubicBezTo>
-                <a:cubicBezTo>
-                  <a:pt x="750784" y="55787"/>
-                  <a:pt x="716734" y="135480"/>
-                  <a:pt x="738818" y="224487"/>
-                </a:cubicBezTo>
-                <a:cubicBezTo>
-                  <a:pt x="596718" y="243300"/>
-                  <a:pt x="461001" y="214475"/>
-                  <a:pt x="369409" y="224487"/>
-                </a:cubicBezTo>
-                <a:cubicBezTo>
-                  <a:pt x="277817" y="234499"/>
-                  <a:pt x="116519" y="204047"/>
-                  <a:pt x="0" y="224487"/>
-                </a:cubicBezTo>
-                <a:cubicBezTo>
-                  <a:pt x="-3612" y="112397"/>
-                  <a:pt x="25194" y="88683"/>
-                  <a:pt x="0" y="0"/>
-                </a:cubicBezTo>
-                <a:close/>
-              </a:path>
-              <a:path w="738818" h="224487" stroke="0" extrusionOk="0">
-                <a:moveTo>
-                  <a:pt x="0" y="0"/>
-                </a:moveTo>
-                <a:cubicBezTo>
-                  <a:pt x="94236" y="-7438"/>
-                  <a:pt x="246410" y="36678"/>
-                  <a:pt x="384185" y="0"/>
-                </a:cubicBezTo>
-                <a:cubicBezTo>
-                  <a:pt x="521961" y="-36678"/>
-                  <a:pt x="636042" y="20639"/>
-                  <a:pt x="738818" y="0"/>
-                </a:cubicBezTo>
-                <a:cubicBezTo>
-                  <a:pt x="740492" y="79174"/>
-                  <a:pt x="721332" y="153305"/>
-                  <a:pt x="738818" y="224487"/>
-                </a:cubicBezTo>
-                <a:cubicBezTo>
-                  <a:pt x="652570" y="264893"/>
-                  <a:pt x="534188" y="201913"/>
-                  <a:pt x="384185" y="224487"/>
-                </a:cubicBezTo>
-                <a:cubicBezTo>
-                  <a:pt x="234182" y="247061"/>
-                  <a:pt x="128204" y="198642"/>
-                  <a:pt x="0" y="224487"/>
-                </a:cubicBezTo>
-                <a:cubicBezTo>
-                  <a:pt x="-8679" y="142086"/>
-                  <a:pt x="267" y="109395"/>
-                  <a:pt x="0" y="0"/>
-                </a:cubicBezTo>
-                <a:close/>
-              </a:path>
-            </a:pathLst>
-          </a:custGeom>
-          <a:solidFill>
-            <a:schemeClr val="tx1">
-              <a:lumMod val="50000"/>
-              <a:lumOff val="50000"/>
-            </a:schemeClr>
-          </a:solidFill>
-          <a:ln>
-            <a:extLst>
-              <a:ext uri="{C807C97D-BFC1-408E-A445-0C87EB9F89A2}">
-                <ask:lineSketchStyleProps xmlns:ask="http://schemas.microsoft.com/office/drawing/2018/sketchyshapes" sd="3437293717">
-                  <a:prstGeom prst="rect">
-                    <a:avLst/>
-                  </a:prstGeom>
-                  <ask:type>
-                    <ask:lineSketchScribble/>
-                  </ask:type>
-                </ask:lineSketchStyleProps>
-              </a:ext>
-            </a:extLst>
-          </a:ln>
-        </p:spPr>
-        <p:style>
-          <a:lnRef idx="2">
-            <a:schemeClr val="accent1">
-              <a:shade val="50000"/>
-            </a:schemeClr>
-          </a:lnRef>
-          <a:fillRef idx="1">
-            <a:schemeClr val="accent1"/>
-          </a:fillRef>
-          <a:effectRef idx="0">
-            <a:schemeClr val="accent1"/>
-          </a:effectRef>
-          <a:fontRef idx="minor">
-            <a:schemeClr val="lt1"/>
-          </a:fontRef>
-        </p:style>
-        <p:txBody>
-          <a:bodyPr rtlCol="0" anchor="ctr"/>
-          <a:lstStyle/>
-          <a:p>
-            <a:pPr algn="ctr"/>
-            <a:r>
-              <a:rPr lang="en-US" dirty="0"/>
-              <a:t>…</a:t>
-            </a:r>
-            <a:endParaRPr lang="en-IL" dirty="0"/>
-          </a:p>
-        </p:txBody>
-      </p:sp>
-      <p:sp>
-        <p:nvSpPr>
           <p:cNvPr id="21" name="Rectangle 20">
             <a:extLst>
               <a:ext uri="{FF2B5EF4-FFF2-40B4-BE49-F238E27FC236}">
@@ -16269,76 +15703,84 @@
         </p:nvSpPr>
         <p:spPr>
           <a:xfrm>
-            <a:off x="633536" y="2521401"/>
-            <a:ext cx="5163645" cy="3657003"/>
+            <a:off x="3520687" y="1986918"/>
+            <a:ext cx="7869949" cy="1555626"/>
           </a:xfrm>
           <a:custGeom>
             <a:avLst/>
             <a:gdLst>
-              <a:gd name="connsiteX0" fmla="*/ 0 w 5163645"/>
-              <a:gd name="connsiteY0" fmla="*/ 0 h 3657003"/>
-              <a:gd name="connsiteX1" fmla="*/ 418829 w 5163645"/>
-              <a:gd name="connsiteY1" fmla="*/ 0 h 3657003"/>
-              <a:gd name="connsiteX2" fmla="*/ 1095840 w 5163645"/>
-              <a:gd name="connsiteY2" fmla="*/ 0 h 3657003"/>
-              <a:gd name="connsiteX3" fmla="*/ 1566306 w 5163645"/>
-              <a:gd name="connsiteY3" fmla="*/ 0 h 3657003"/>
-              <a:gd name="connsiteX4" fmla="*/ 2036771 w 5163645"/>
-              <a:gd name="connsiteY4" fmla="*/ 0 h 3657003"/>
-              <a:gd name="connsiteX5" fmla="*/ 2662146 w 5163645"/>
-              <a:gd name="connsiteY5" fmla="*/ 0 h 3657003"/>
-              <a:gd name="connsiteX6" fmla="*/ 3132611 w 5163645"/>
-              <a:gd name="connsiteY6" fmla="*/ 0 h 3657003"/>
-              <a:gd name="connsiteX7" fmla="*/ 3654713 w 5163645"/>
-              <a:gd name="connsiteY7" fmla="*/ 0 h 3657003"/>
-              <a:gd name="connsiteX8" fmla="*/ 4228452 w 5163645"/>
-              <a:gd name="connsiteY8" fmla="*/ 0 h 3657003"/>
-              <a:gd name="connsiteX9" fmla="*/ 5163645 w 5163645"/>
-              <a:gd name="connsiteY9" fmla="*/ 0 h 3657003"/>
-              <a:gd name="connsiteX10" fmla="*/ 5163645 w 5163645"/>
-              <a:gd name="connsiteY10" fmla="*/ 558999 h 3657003"/>
-              <a:gd name="connsiteX11" fmla="*/ 5163645 w 5163645"/>
-              <a:gd name="connsiteY11" fmla="*/ 1154568 h 3657003"/>
-              <a:gd name="connsiteX12" fmla="*/ 5163645 w 5163645"/>
-              <a:gd name="connsiteY12" fmla="*/ 1676997 h 3657003"/>
-              <a:gd name="connsiteX13" fmla="*/ 5163645 w 5163645"/>
-              <a:gd name="connsiteY13" fmla="*/ 2126286 h 3657003"/>
-              <a:gd name="connsiteX14" fmla="*/ 5163645 w 5163645"/>
-              <a:gd name="connsiteY14" fmla="*/ 2539005 h 3657003"/>
-              <a:gd name="connsiteX15" fmla="*/ 5163645 w 5163645"/>
-              <a:gd name="connsiteY15" fmla="*/ 2951724 h 3657003"/>
-              <a:gd name="connsiteX16" fmla="*/ 5163645 w 5163645"/>
-              <a:gd name="connsiteY16" fmla="*/ 3657003 h 3657003"/>
-              <a:gd name="connsiteX17" fmla="*/ 4641543 w 5163645"/>
-              <a:gd name="connsiteY17" fmla="*/ 3657003 h 3657003"/>
-              <a:gd name="connsiteX18" fmla="*/ 4119441 w 5163645"/>
-              <a:gd name="connsiteY18" fmla="*/ 3657003 h 3657003"/>
-              <a:gd name="connsiteX19" fmla="*/ 3442430 w 5163645"/>
-              <a:gd name="connsiteY19" fmla="*/ 3657003 h 3657003"/>
-              <a:gd name="connsiteX20" fmla="*/ 2868692 w 5163645"/>
-              <a:gd name="connsiteY20" fmla="*/ 3657003 h 3657003"/>
-              <a:gd name="connsiteX21" fmla="*/ 2294953 w 5163645"/>
-              <a:gd name="connsiteY21" fmla="*/ 3657003 h 3657003"/>
-              <a:gd name="connsiteX22" fmla="*/ 1824488 w 5163645"/>
-              <a:gd name="connsiteY22" fmla="*/ 3657003 h 3657003"/>
-              <a:gd name="connsiteX23" fmla="*/ 1250750 w 5163645"/>
-              <a:gd name="connsiteY23" fmla="*/ 3657003 h 3657003"/>
-              <a:gd name="connsiteX24" fmla="*/ 728648 w 5163645"/>
-              <a:gd name="connsiteY24" fmla="*/ 3657003 h 3657003"/>
-              <a:gd name="connsiteX25" fmla="*/ 0 w 5163645"/>
-              <a:gd name="connsiteY25" fmla="*/ 3657003 h 3657003"/>
-              <a:gd name="connsiteX26" fmla="*/ 0 w 5163645"/>
-              <a:gd name="connsiteY26" fmla="*/ 3098004 h 3657003"/>
-              <a:gd name="connsiteX27" fmla="*/ 0 w 5163645"/>
-              <a:gd name="connsiteY27" fmla="*/ 2648715 h 3657003"/>
-              <a:gd name="connsiteX28" fmla="*/ 0 w 5163645"/>
-              <a:gd name="connsiteY28" fmla="*/ 2162856 h 3657003"/>
-              <a:gd name="connsiteX29" fmla="*/ 0 w 5163645"/>
-              <a:gd name="connsiteY29" fmla="*/ 1603857 h 3657003"/>
-              <a:gd name="connsiteX30" fmla="*/ 0 w 5163645"/>
-              <a:gd name="connsiteY30" fmla="*/ 1008288 h 3657003"/>
-              <a:gd name="connsiteX31" fmla="*/ 0 w 5163645"/>
-              <a:gd name="connsiteY31" fmla="*/ 0 h 3657003"/>
+              <a:gd name="connsiteX0" fmla="*/ 0 w 7869949"/>
+              <a:gd name="connsiteY0" fmla="*/ 0 h 1555626"/>
+              <a:gd name="connsiteX1" fmla="*/ 719538 w 7869949"/>
+              <a:gd name="connsiteY1" fmla="*/ 0 h 1555626"/>
+              <a:gd name="connsiteX2" fmla="*/ 1202978 w 7869949"/>
+              <a:gd name="connsiteY2" fmla="*/ 0 h 1555626"/>
+              <a:gd name="connsiteX3" fmla="*/ 1765117 w 7869949"/>
+              <a:gd name="connsiteY3" fmla="*/ 0 h 1555626"/>
+              <a:gd name="connsiteX4" fmla="*/ 2484655 w 7869949"/>
+              <a:gd name="connsiteY4" fmla="*/ 0 h 1555626"/>
+              <a:gd name="connsiteX5" fmla="*/ 3125494 w 7869949"/>
+              <a:gd name="connsiteY5" fmla="*/ 0 h 1555626"/>
+              <a:gd name="connsiteX6" fmla="*/ 3687633 w 7869949"/>
+              <a:gd name="connsiteY6" fmla="*/ 0 h 1555626"/>
+              <a:gd name="connsiteX7" fmla="*/ 4249772 w 7869949"/>
+              <a:gd name="connsiteY7" fmla="*/ 0 h 1555626"/>
+              <a:gd name="connsiteX8" fmla="*/ 4575813 w 7869949"/>
+              <a:gd name="connsiteY8" fmla="*/ 0 h 1555626"/>
+              <a:gd name="connsiteX9" fmla="*/ 4980553 w 7869949"/>
+              <a:gd name="connsiteY9" fmla="*/ 0 h 1555626"/>
+              <a:gd name="connsiteX10" fmla="*/ 5621392 w 7869949"/>
+              <a:gd name="connsiteY10" fmla="*/ 0 h 1555626"/>
+              <a:gd name="connsiteX11" fmla="*/ 6262231 w 7869949"/>
+              <a:gd name="connsiteY11" fmla="*/ 0 h 1555626"/>
+              <a:gd name="connsiteX12" fmla="*/ 6588272 w 7869949"/>
+              <a:gd name="connsiteY12" fmla="*/ 0 h 1555626"/>
+              <a:gd name="connsiteX13" fmla="*/ 7307810 w 7869949"/>
+              <a:gd name="connsiteY13" fmla="*/ 0 h 1555626"/>
+              <a:gd name="connsiteX14" fmla="*/ 7869949 w 7869949"/>
+              <a:gd name="connsiteY14" fmla="*/ 0 h 1555626"/>
+              <a:gd name="connsiteX15" fmla="*/ 7869949 w 7869949"/>
+              <a:gd name="connsiteY15" fmla="*/ 502986 h 1555626"/>
+              <a:gd name="connsiteX16" fmla="*/ 7869949 w 7869949"/>
+              <a:gd name="connsiteY16" fmla="*/ 974859 h 1555626"/>
+              <a:gd name="connsiteX17" fmla="*/ 7869949 w 7869949"/>
+              <a:gd name="connsiteY17" fmla="*/ 1555626 h 1555626"/>
+              <a:gd name="connsiteX18" fmla="*/ 7229110 w 7869949"/>
+              <a:gd name="connsiteY18" fmla="*/ 1555626 h 1555626"/>
+              <a:gd name="connsiteX19" fmla="*/ 6745671 w 7869949"/>
+              <a:gd name="connsiteY19" fmla="*/ 1555626 h 1555626"/>
+              <a:gd name="connsiteX20" fmla="*/ 6419630 w 7869949"/>
+              <a:gd name="connsiteY20" fmla="*/ 1555626 h 1555626"/>
+              <a:gd name="connsiteX21" fmla="*/ 5778791 w 7869949"/>
+              <a:gd name="connsiteY21" fmla="*/ 1555626 h 1555626"/>
+              <a:gd name="connsiteX22" fmla="*/ 5452750 w 7869949"/>
+              <a:gd name="connsiteY22" fmla="*/ 1555626 h 1555626"/>
+              <a:gd name="connsiteX23" fmla="*/ 4733212 w 7869949"/>
+              <a:gd name="connsiteY23" fmla="*/ 1555626 h 1555626"/>
+              <a:gd name="connsiteX24" fmla="*/ 4092373 w 7869949"/>
+              <a:gd name="connsiteY24" fmla="*/ 1555626 h 1555626"/>
+              <a:gd name="connsiteX25" fmla="*/ 3766333 w 7869949"/>
+              <a:gd name="connsiteY25" fmla="*/ 1555626 h 1555626"/>
+              <a:gd name="connsiteX26" fmla="*/ 3361593 w 7869949"/>
+              <a:gd name="connsiteY26" fmla="*/ 1555626 h 1555626"/>
+              <a:gd name="connsiteX27" fmla="*/ 2720754 w 7869949"/>
+              <a:gd name="connsiteY27" fmla="*/ 1555626 h 1555626"/>
+              <a:gd name="connsiteX28" fmla="*/ 2394713 w 7869949"/>
+              <a:gd name="connsiteY28" fmla="*/ 1555626 h 1555626"/>
+              <a:gd name="connsiteX29" fmla="*/ 1989973 w 7869949"/>
+              <a:gd name="connsiteY29" fmla="*/ 1555626 h 1555626"/>
+              <a:gd name="connsiteX30" fmla="*/ 1270435 w 7869949"/>
+              <a:gd name="connsiteY30" fmla="*/ 1555626 h 1555626"/>
+              <a:gd name="connsiteX31" fmla="*/ 629596 w 7869949"/>
+              <a:gd name="connsiteY31" fmla="*/ 1555626 h 1555626"/>
+              <a:gd name="connsiteX32" fmla="*/ 0 w 7869949"/>
+              <a:gd name="connsiteY32" fmla="*/ 1555626 h 1555626"/>
+              <a:gd name="connsiteX33" fmla="*/ 0 w 7869949"/>
+              <a:gd name="connsiteY33" fmla="*/ 1005971 h 1555626"/>
+              <a:gd name="connsiteX34" fmla="*/ 0 w 7869949"/>
+              <a:gd name="connsiteY34" fmla="*/ 534098 h 1555626"/>
+              <a:gd name="connsiteX35" fmla="*/ 0 w 7869949"/>
+              <a:gd name="connsiteY35" fmla="*/ 0 h 1555626"/>
             </a:gdLst>
             <a:ahLst/>
             <a:cxnLst>
@@ -16438,327 +15880,384 @@
               <a:cxn ang="0">
                 <a:pos x="connsiteX31" y="connsiteY31"/>
               </a:cxn>
+              <a:cxn ang="0">
+                <a:pos x="connsiteX32" y="connsiteY32"/>
+              </a:cxn>
+              <a:cxn ang="0">
+                <a:pos x="connsiteX33" y="connsiteY33"/>
+              </a:cxn>
+              <a:cxn ang="0">
+                <a:pos x="connsiteX34" y="connsiteY34"/>
+              </a:cxn>
+              <a:cxn ang="0">
+                <a:pos x="connsiteX35" y="connsiteY35"/>
+              </a:cxn>
             </a:cxnLst>
             <a:rect l="l" t="t" r="r" b="b"/>
             <a:pathLst>
-              <a:path w="5163645" h="3657003" fill="none" extrusionOk="0">
+              <a:path w="7869949" h="1555626" fill="none" extrusionOk="0">
                 <a:moveTo>
                   <a:pt x="0" y="0"/>
                 </a:moveTo>
                 <a:cubicBezTo>
-                  <a:pt x="169374" y="-41768"/>
-                  <a:pt x="228259" y="7045"/>
-                  <a:pt x="418829" y="0"/>
-                </a:cubicBezTo>
-                <a:cubicBezTo>
-                  <a:pt x="609399" y="-7045"/>
-                  <a:pt x="940656" y="18235"/>
-                  <a:pt x="1095840" y="0"/>
-                </a:cubicBezTo>
-                <a:cubicBezTo>
-                  <a:pt x="1251024" y="-18235"/>
-                  <a:pt x="1347579" y="24918"/>
-                  <a:pt x="1566306" y="0"/>
-                </a:cubicBezTo>
-                <a:cubicBezTo>
-                  <a:pt x="1785033" y="-24918"/>
-                  <a:pt x="1938218" y="29430"/>
-                  <a:pt x="2036771" y="0"/>
-                </a:cubicBezTo>
-                <a:cubicBezTo>
-                  <a:pt x="2135325" y="-29430"/>
-                  <a:pt x="2438019" y="18421"/>
-                  <a:pt x="2662146" y="0"/>
-                </a:cubicBezTo>
-                <a:cubicBezTo>
-                  <a:pt x="2886273" y="-18421"/>
-                  <a:pt x="2983184" y="20316"/>
-                  <a:pt x="3132611" y="0"/>
-                </a:cubicBezTo>
-                <a:cubicBezTo>
-                  <a:pt x="3282039" y="-20316"/>
-                  <a:pt x="3441443" y="20368"/>
-                  <a:pt x="3654713" y="0"/>
-                </a:cubicBezTo>
-                <a:cubicBezTo>
-                  <a:pt x="3867983" y="-20368"/>
-                  <a:pt x="3942224" y="61491"/>
-                  <a:pt x="4228452" y="0"/>
-                </a:cubicBezTo>
-                <a:cubicBezTo>
-                  <a:pt x="4514680" y="-61491"/>
-                  <a:pt x="4699697" y="92752"/>
-                  <a:pt x="5163645" y="0"/>
-                </a:cubicBezTo>
-                <a:cubicBezTo>
-                  <a:pt x="5183281" y="268195"/>
-                  <a:pt x="5159150" y="401840"/>
-                  <a:pt x="5163645" y="558999"/>
-                </a:cubicBezTo>
-                <a:cubicBezTo>
-                  <a:pt x="5168140" y="716158"/>
-                  <a:pt x="5115727" y="894998"/>
-                  <a:pt x="5163645" y="1154568"/>
-                </a:cubicBezTo>
-                <a:cubicBezTo>
-                  <a:pt x="5211563" y="1414138"/>
-                  <a:pt x="5148318" y="1566185"/>
-                  <a:pt x="5163645" y="1676997"/>
-                </a:cubicBezTo>
-                <a:cubicBezTo>
-                  <a:pt x="5178972" y="1787809"/>
-                  <a:pt x="5135930" y="1965099"/>
-                  <a:pt x="5163645" y="2126286"/>
-                </a:cubicBezTo>
-                <a:cubicBezTo>
-                  <a:pt x="5191360" y="2287473"/>
-                  <a:pt x="5124930" y="2434562"/>
-                  <a:pt x="5163645" y="2539005"/>
-                </a:cubicBezTo>
-                <a:cubicBezTo>
-                  <a:pt x="5202360" y="2643448"/>
-                  <a:pt x="5146012" y="2865046"/>
-                  <a:pt x="5163645" y="2951724"/>
-                </a:cubicBezTo>
-                <a:cubicBezTo>
-                  <a:pt x="5181278" y="3038402"/>
-                  <a:pt x="5096980" y="3315570"/>
-                  <a:pt x="5163645" y="3657003"/>
-                </a:cubicBezTo>
-                <a:cubicBezTo>
-                  <a:pt x="5005918" y="3699555"/>
-                  <a:pt x="4782693" y="3609810"/>
-                  <a:pt x="4641543" y="3657003"/>
-                </a:cubicBezTo>
-                <a:cubicBezTo>
-                  <a:pt x="4500393" y="3704196"/>
-                  <a:pt x="4226202" y="3620666"/>
-                  <a:pt x="4119441" y="3657003"/>
-                </a:cubicBezTo>
-                <a:cubicBezTo>
-                  <a:pt x="4012680" y="3693340"/>
-                  <a:pt x="3687860" y="3639011"/>
-                  <a:pt x="3442430" y="3657003"/>
-                </a:cubicBezTo>
-                <a:cubicBezTo>
-                  <a:pt x="3197000" y="3674995"/>
-                  <a:pt x="3071780" y="3634076"/>
-                  <a:pt x="2868692" y="3657003"/>
-                </a:cubicBezTo>
-                <a:cubicBezTo>
-                  <a:pt x="2665604" y="3679930"/>
-                  <a:pt x="2577957" y="3637750"/>
-                  <a:pt x="2294953" y="3657003"/>
-                </a:cubicBezTo>
-                <a:cubicBezTo>
-                  <a:pt x="2011949" y="3676256"/>
-                  <a:pt x="2053836" y="3640584"/>
-                  <a:pt x="1824488" y="3657003"/>
-                </a:cubicBezTo>
-                <a:cubicBezTo>
-                  <a:pt x="1595141" y="3673422"/>
-                  <a:pt x="1404271" y="3601136"/>
-                  <a:pt x="1250750" y="3657003"/>
-                </a:cubicBezTo>
-                <a:cubicBezTo>
-                  <a:pt x="1097229" y="3712870"/>
-                  <a:pt x="863253" y="3647172"/>
-                  <a:pt x="728648" y="3657003"/>
-                </a:cubicBezTo>
-                <a:cubicBezTo>
-                  <a:pt x="594043" y="3666834"/>
-                  <a:pt x="339566" y="3577274"/>
-                  <a:pt x="0" y="3657003"/>
-                </a:cubicBezTo>
-                <a:cubicBezTo>
-                  <a:pt x="-6899" y="3466645"/>
-                  <a:pt x="10787" y="3238937"/>
-                  <a:pt x="0" y="3098004"/>
-                </a:cubicBezTo>
-                <a:cubicBezTo>
-                  <a:pt x="-10787" y="2957071"/>
-                  <a:pt x="48005" y="2859166"/>
-                  <a:pt x="0" y="2648715"/>
-                </a:cubicBezTo>
-                <a:cubicBezTo>
-                  <a:pt x="-48005" y="2438264"/>
-                  <a:pt x="44492" y="2387886"/>
-                  <a:pt x="0" y="2162856"/>
-                </a:cubicBezTo>
-                <a:cubicBezTo>
-                  <a:pt x="-44492" y="1937826"/>
-                  <a:pt x="25415" y="1777752"/>
-                  <a:pt x="0" y="1603857"/>
-                </a:cubicBezTo>
-                <a:cubicBezTo>
-                  <a:pt x="-25415" y="1429962"/>
-                  <a:pt x="46170" y="1142573"/>
-                  <a:pt x="0" y="1008288"/>
-                </a:cubicBezTo>
-                <a:cubicBezTo>
-                  <a:pt x="-46170" y="874003"/>
-                  <a:pt x="99870" y="268775"/>
+                  <a:pt x="327290" y="-14777"/>
+                  <a:pt x="490121" y="72350"/>
+                  <a:pt x="719538" y="0"/>
+                </a:cubicBezTo>
+                <a:cubicBezTo>
+                  <a:pt x="948955" y="-72350"/>
+                  <a:pt x="997241" y="16533"/>
+                  <a:pt x="1202978" y="0"/>
+                </a:cubicBezTo>
+                <a:cubicBezTo>
+                  <a:pt x="1408715" y="-16533"/>
+                  <a:pt x="1503946" y="29002"/>
+                  <a:pt x="1765117" y="0"/>
+                </a:cubicBezTo>
+                <a:cubicBezTo>
+                  <a:pt x="2026288" y="-29002"/>
+                  <a:pt x="2148890" y="8118"/>
+                  <a:pt x="2484655" y="0"/>
+                </a:cubicBezTo>
+                <a:cubicBezTo>
+                  <a:pt x="2820420" y="-8118"/>
+                  <a:pt x="2835842" y="30432"/>
+                  <a:pt x="3125494" y="0"/>
+                </a:cubicBezTo>
+                <a:cubicBezTo>
+                  <a:pt x="3415146" y="-30432"/>
+                  <a:pt x="3525796" y="45776"/>
+                  <a:pt x="3687633" y="0"/>
+                </a:cubicBezTo>
+                <a:cubicBezTo>
+                  <a:pt x="3849470" y="-45776"/>
+                  <a:pt x="3993062" y="3786"/>
+                  <a:pt x="4249772" y="0"/>
+                </a:cubicBezTo>
+                <a:cubicBezTo>
+                  <a:pt x="4506482" y="-3786"/>
+                  <a:pt x="4441447" y="13431"/>
+                  <a:pt x="4575813" y="0"/>
+                </a:cubicBezTo>
+                <a:cubicBezTo>
+                  <a:pt x="4710179" y="-13431"/>
+                  <a:pt x="4881314" y="7814"/>
+                  <a:pt x="4980553" y="0"/>
+                </a:cubicBezTo>
+                <a:cubicBezTo>
+                  <a:pt x="5079792" y="-7814"/>
+                  <a:pt x="5318907" y="10410"/>
+                  <a:pt x="5621392" y="0"/>
+                </a:cubicBezTo>
+                <a:cubicBezTo>
+                  <a:pt x="5923877" y="-10410"/>
+                  <a:pt x="5984143" y="19973"/>
+                  <a:pt x="6262231" y="0"/>
+                </a:cubicBezTo>
+                <a:cubicBezTo>
+                  <a:pt x="6540319" y="-19973"/>
+                  <a:pt x="6488799" y="32544"/>
+                  <a:pt x="6588272" y="0"/>
+                </a:cubicBezTo>
+                <a:cubicBezTo>
+                  <a:pt x="6687745" y="-32544"/>
+                  <a:pt x="7139675" y="25574"/>
+                  <a:pt x="7307810" y="0"/>
+                </a:cubicBezTo>
+                <a:cubicBezTo>
+                  <a:pt x="7475945" y="-25574"/>
+                  <a:pt x="7600578" y="39111"/>
+                  <a:pt x="7869949" y="0"/>
+                </a:cubicBezTo>
+                <a:cubicBezTo>
+                  <a:pt x="7914766" y="220301"/>
+                  <a:pt x="7827762" y="255568"/>
+                  <a:pt x="7869949" y="502986"/>
+                </a:cubicBezTo>
+                <a:cubicBezTo>
+                  <a:pt x="7912136" y="750404"/>
+                  <a:pt x="7856455" y="810740"/>
+                  <a:pt x="7869949" y="974859"/>
+                </a:cubicBezTo>
+                <a:cubicBezTo>
+                  <a:pt x="7883443" y="1138978"/>
+                  <a:pt x="7832477" y="1329508"/>
+                  <a:pt x="7869949" y="1555626"/>
+                </a:cubicBezTo>
+                <a:cubicBezTo>
+                  <a:pt x="7551947" y="1612269"/>
+                  <a:pt x="7512332" y="1528585"/>
+                  <a:pt x="7229110" y="1555626"/>
+                </a:cubicBezTo>
+                <a:cubicBezTo>
+                  <a:pt x="6945888" y="1582667"/>
+                  <a:pt x="6951588" y="1500872"/>
+                  <a:pt x="6745671" y="1555626"/>
+                </a:cubicBezTo>
+                <a:cubicBezTo>
+                  <a:pt x="6539754" y="1610380"/>
+                  <a:pt x="6526197" y="1537105"/>
+                  <a:pt x="6419630" y="1555626"/>
+                </a:cubicBezTo>
+                <a:cubicBezTo>
+                  <a:pt x="6313063" y="1574147"/>
+                  <a:pt x="5953131" y="1497397"/>
+                  <a:pt x="5778791" y="1555626"/>
+                </a:cubicBezTo>
+                <a:cubicBezTo>
+                  <a:pt x="5604451" y="1613855"/>
+                  <a:pt x="5581812" y="1551916"/>
+                  <a:pt x="5452750" y="1555626"/>
+                </a:cubicBezTo>
+                <a:cubicBezTo>
+                  <a:pt x="5323688" y="1559336"/>
+                  <a:pt x="5038479" y="1539939"/>
+                  <a:pt x="4733212" y="1555626"/>
+                </a:cubicBezTo>
+                <a:cubicBezTo>
+                  <a:pt x="4427945" y="1571313"/>
+                  <a:pt x="4276011" y="1525795"/>
+                  <a:pt x="4092373" y="1555626"/>
+                </a:cubicBezTo>
+                <a:cubicBezTo>
+                  <a:pt x="3908735" y="1585457"/>
+                  <a:pt x="3833617" y="1528775"/>
+                  <a:pt x="3766333" y="1555626"/>
+                </a:cubicBezTo>
+                <a:cubicBezTo>
+                  <a:pt x="3699049" y="1582477"/>
+                  <a:pt x="3520218" y="1553581"/>
+                  <a:pt x="3361593" y="1555626"/>
+                </a:cubicBezTo>
+                <a:cubicBezTo>
+                  <a:pt x="3202968" y="1557671"/>
+                  <a:pt x="2896211" y="1489640"/>
+                  <a:pt x="2720754" y="1555626"/>
+                </a:cubicBezTo>
+                <a:cubicBezTo>
+                  <a:pt x="2545297" y="1621612"/>
+                  <a:pt x="2502381" y="1548956"/>
+                  <a:pt x="2394713" y="1555626"/>
+                </a:cubicBezTo>
+                <a:cubicBezTo>
+                  <a:pt x="2287045" y="1562296"/>
+                  <a:pt x="2132289" y="1509354"/>
+                  <a:pt x="1989973" y="1555626"/>
+                </a:cubicBezTo>
+                <a:cubicBezTo>
+                  <a:pt x="1847657" y="1601898"/>
+                  <a:pt x="1516378" y="1491757"/>
+                  <a:pt x="1270435" y="1555626"/>
+                </a:cubicBezTo>
+                <a:cubicBezTo>
+                  <a:pt x="1024492" y="1619495"/>
+                  <a:pt x="890816" y="1512866"/>
+                  <a:pt x="629596" y="1555626"/>
+                </a:cubicBezTo>
+                <a:cubicBezTo>
+                  <a:pt x="368376" y="1598386"/>
+                  <a:pt x="219545" y="1521542"/>
+                  <a:pt x="0" y="1555626"/>
+                </a:cubicBezTo>
+                <a:cubicBezTo>
+                  <a:pt x="-37284" y="1298743"/>
+                  <a:pt x="3305" y="1142071"/>
+                  <a:pt x="0" y="1005971"/>
+                </a:cubicBezTo>
+                <a:cubicBezTo>
+                  <a:pt x="-3305" y="869871"/>
+                  <a:pt x="23046" y="724926"/>
+                  <a:pt x="0" y="534098"/>
+                </a:cubicBezTo>
+                <a:cubicBezTo>
+                  <a:pt x="-23046" y="343270"/>
+                  <a:pt x="24918" y="121239"/>
                   <a:pt x="0" y="0"/>
                 </a:cubicBezTo>
                 <a:close/>
               </a:path>
-              <a:path w="5163645" h="3657003" stroke="0" extrusionOk="0">
+              <a:path w="7869949" h="1555626" stroke="0" extrusionOk="0">
                 <a:moveTo>
                   <a:pt x="0" y="0"/>
                 </a:moveTo>
                 <a:cubicBezTo>
-                  <a:pt x="199379" y="-51910"/>
-                  <a:pt x="466000" y="6098"/>
-                  <a:pt x="625375" y="0"/>
-                </a:cubicBezTo>
-                <a:cubicBezTo>
-                  <a:pt x="784751" y="-6098"/>
-                  <a:pt x="1101193" y="54521"/>
-                  <a:pt x="1302386" y="0"/>
-                </a:cubicBezTo>
-                <a:cubicBezTo>
-                  <a:pt x="1503579" y="-54521"/>
-                  <a:pt x="1615321" y="8345"/>
-                  <a:pt x="1927761" y="0"/>
-                </a:cubicBezTo>
-                <a:cubicBezTo>
-                  <a:pt x="2240202" y="-8345"/>
-                  <a:pt x="2295072" y="53733"/>
-                  <a:pt x="2553136" y="0"/>
-                </a:cubicBezTo>
-                <a:cubicBezTo>
-                  <a:pt x="2811200" y="-53733"/>
-                  <a:pt x="2915382" y="33470"/>
-                  <a:pt x="3178510" y="0"/>
-                </a:cubicBezTo>
-                <a:cubicBezTo>
-                  <a:pt x="3441638" y="-33470"/>
-                  <a:pt x="3483450" y="47980"/>
-                  <a:pt x="3597339" y="0"/>
-                </a:cubicBezTo>
-                <a:cubicBezTo>
-                  <a:pt x="3711228" y="-47980"/>
-                  <a:pt x="4012583" y="26836"/>
-                  <a:pt x="4222714" y="0"/>
-                </a:cubicBezTo>
-                <a:cubicBezTo>
-                  <a:pt x="4432846" y="-26836"/>
-                  <a:pt x="4853046" y="74170"/>
-                  <a:pt x="5163645" y="0"/>
-                </a:cubicBezTo>
-                <a:cubicBezTo>
-                  <a:pt x="5175469" y="137925"/>
-                  <a:pt x="5116774" y="288224"/>
-                  <a:pt x="5163645" y="412719"/>
-                </a:cubicBezTo>
-                <a:cubicBezTo>
-                  <a:pt x="5210516" y="537214"/>
-                  <a:pt x="5156779" y="702317"/>
-                  <a:pt x="5163645" y="971718"/>
-                </a:cubicBezTo>
-                <a:cubicBezTo>
-                  <a:pt x="5170511" y="1241119"/>
-                  <a:pt x="5119583" y="1197560"/>
-                  <a:pt x="5163645" y="1384437"/>
-                </a:cubicBezTo>
-                <a:cubicBezTo>
-                  <a:pt x="5207707" y="1571314"/>
-                  <a:pt x="5108659" y="1799472"/>
-                  <a:pt x="5163645" y="1906866"/>
-                </a:cubicBezTo>
-                <a:cubicBezTo>
-                  <a:pt x="5218631" y="2014260"/>
-                  <a:pt x="5158880" y="2159619"/>
-                  <a:pt x="5163645" y="2392725"/>
-                </a:cubicBezTo>
-                <a:cubicBezTo>
-                  <a:pt x="5168410" y="2625831"/>
-                  <a:pt x="5155136" y="2826954"/>
-                  <a:pt x="5163645" y="2951724"/>
-                </a:cubicBezTo>
-                <a:cubicBezTo>
-                  <a:pt x="5172154" y="3076494"/>
-                  <a:pt x="5131060" y="3456790"/>
-                  <a:pt x="5163645" y="3657003"/>
-                </a:cubicBezTo>
-                <a:cubicBezTo>
-                  <a:pt x="4897368" y="3721744"/>
-                  <a:pt x="4721162" y="3649989"/>
-                  <a:pt x="4538270" y="3657003"/>
-                </a:cubicBezTo>
-                <a:cubicBezTo>
-                  <a:pt x="4355378" y="3664017"/>
-                  <a:pt x="4266296" y="3607852"/>
-                  <a:pt x="4119441" y="3657003"/>
-                </a:cubicBezTo>
-                <a:cubicBezTo>
-                  <a:pt x="3972586" y="3706154"/>
-                  <a:pt x="3632870" y="3612088"/>
-                  <a:pt x="3494066" y="3657003"/>
-                </a:cubicBezTo>
-                <a:cubicBezTo>
-                  <a:pt x="3355262" y="3701918"/>
-                  <a:pt x="3124653" y="3615240"/>
-                  <a:pt x="3023601" y="3657003"/>
-                </a:cubicBezTo>
-                <a:cubicBezTo>
-                  <a:pt x="2922549" y="3698766"/>
-                  <a:pt x="2645069" y="3627169"/>
-                  <a:pt x="2501499" y="3657003"/>
-                </a:cubicBezTo>
-                <a:cubicBezTo>
-                  <a:pt x="2357929" y="3686837"/>
-                  <a:pt x="2212329" y="3624421"/>
-                  <a:pt x="2082670" y="3657003"/>
-                </a:cubicBezTo>
-                <a:cubicBezTo>
-                  <a:pt x="1953011" y="3689585"/>
-                  <a:pt x="1646856" y="3595024"/>
-                  <a:pt x="1457295" y="3657003"/>
-                </a:cubicBezTo>
-                <a:cubicBezTo>
-                  <a:pt x="1267734" y="3718982"/>
-                  <a:pt x="1085510" y="3651863"/>
-                  <a:pt x="986830" y="3657003"/>
-                </a:cubicBezTo>
-                <a:cubicBezTo>
-                  <a:pt x="888150" y="3662143"/>
-                  <a:pt x="458491" y="3561534"/>
-                  <a:pt x="0" y="3657003"/>
-                </a:cubicBezTo>
-                <a:cubicBezTo>
-                  <a:pt x="-44743" y="3487043"/>
-                  <a:pt x="31196" y="3334626"/>
-                  <a:pt x="0" y="3244284"/>
-                </a:cubicBezTo>
-                <a:cubicBezTo>
-                  <a:pt x="-31196" y="3153942"/>
-                  <a:pt x="17531" y="2871238"/>
-                  <a:pt x="0" y="2758425"/>
-                </a:cubicBezTo>
-                <a:cubicBezTo>
-                  <a:pt x="-17531" y="2645612"/>
-                  <a:pt x="18050" y="2284006"/>
-                  <a:pt x="0" y="2162856"/>
-                </a:cubicBezTo>
-                <a:cubicBezTo>
-                  <a:pt x="-18050" y="2041706"/>
-                  <a:pt x="48599" y="1881331"/>
-                  <a:pt x="0" y="1603857"/>
-                </a:cubicBezTo>
-                <a:cubicBezTo>
-                  <a:pt x="-48599" y="1326383"/>
-                  <a:pt x="296" y="1298599"/>
-                  <a:pt x="0" y="1081428"/>
-                </a:cubicBezTo>
-                <a:cubicBezTo>
-                  <a:pt x="-296" y="864257"/>
-                  <a:pt x="23536" y="792440"/>
-                  <a:pt x="0" y="558999"/>
-                </a:cubicBezTo>
-                <a:cubicBezTo>
-                  <a:pt x="-23536" y="325558"/>
-                  <a:pt x="29051" y="247011"/>
+                  <a:pt x="226305" y="-9149"/>
+                  <a:pt x="337990" y="2474"/>
+                  <a:pt x="640839" y="0"/>
+                </a:cubicBezTo>
+                <a:cubicBezTo>
+                  <a:pt x="943688" y="-2474"/>
+                  <a:pt x="1088769" y="5049"/>
+                  <a:pt x="1360377" y="0"/>
+                </a:cubicBezTo>
+                <a:cubicBezTo>
+                  <a:pt x="1631985" y="-5049"/>
+                  <a:pt x="1833817" y="15160"/>
+                  <a:pt x="2001216" y="0"/>
+                </a:cubicBezTo>
+                <a:cubicBezTo>
+                  <a:pt x="2168615" y="-15160"/>
+                  <a:pt x="2410293" y="49956"/>
+                  <a:pt x="2642054" y="0"/>
+                </a:cubicBezTo>
+                <a:cubicBezTo>
+                  <a:pt x="2873815" y="-49956"/>
+                  <a:pt x="3070917" y="50715"/>
+                  <a:pt x="3282893" y="0"/>
+                </a:cubicBezTo>
+                <a:cubicBezTo>
+                  <a:pt x="3494869" y="-50715"/>
+                  <a:pt x="3479297" y="36675"/>
+                  <a:pt x="3608934" y="0"/>
+                </a:cubicBezTo>
+                <a:cubicBezTo>
+                  <a:pt x="3738571" y="-36675"/>
+                  <a:pt x="3929548" y="16698"/>
+                  <a:pt x="4249772" y="0"/>
+                </a:cubicBezTo>
+                <a:cubicBezTo>
+                  <a:pt x="4569996" y="-16698"/>
+                  <a:pt x="4594118" y="45018"/>
+                  <a:pt x="4811912" y="0"/>
+                </a:cubicBezTo>
+                <a:cubicBezTo>
+                  <a:pt x="5029706" y="-45018"/>
+                  <a:pt x="4989969" y="8247"/>
+                  <a:pt x="5137952" y="0"/>
+                </a:cubicBezTo>
+                <a:cubicBezTo>
+                  <a:pt x="5285935" y="-8247"/>
+                  <a:pt x="5608668" y="4816"/>
+                  <a:pt x="5857491" y="0"/>
+                </a:cubicBezTo>
+                <a:cubicBezTo>
+                  <a:pt x="6106314" y="-4816"/>
+                  <a:pt x="6185998" y="18893"/>
+                  <a:pt x="6340930" y="0"/>
+                </a:cubicBezTo>
+                <a:cubicBezTo>
+                  <a:pt x="6495862" y="-18893"/>
+                  <a:pt x="6563182" y="13812"/>
+                  <a:pt x="6666971" y="0"/>
+                </a:cubicBezTo>
+                <a:cubicBezTo>
+                  <a:pt x="6770760" y="-13812"/>
+                  <a:pt x="7127397" y="38151"/>
+                  <a:pt x="7386509" y="0"/>
+                </a:cubicBezTo>
+                <a:cubicBezTo>
+                  <a:pt x="7645621" y="-38151"/>
+                  <a:pt x="7670363" y="19268"/>
+                  <a:pt x="7869949" y="0"/>
+                </a:cubicBezTo>
+                <a:cubicBezTo>
+                  <a:pt x="7923517" y="188266"/>
+                  <a:pt x="7839907" y="390213"/>
+                  <a:pt x="7869949" y="518542"/>
+                </a:cubicBezTo>
+                <a:cubicBezTo>
+                  <a:pt x="7899991" y="646871"/>
+                  <a:pt x="7837580" y="941058"/>
+                  <a:pt x="7869949" y="1052640"/>
+                </a:cubicBezTo>
+                <a:cubicBezTo>
+                  <a:pt x="7902318" y="1164222"/>
+                  <a:pt x="7842087" y="1395179"/>
+                  <a:pt x="7869949" y="1555626"/>
+                </a:cubicBezTo>
+                <a:cubicBezTo>
+                  <a:pt x="7672474" y="1575800"/>
+                  <a:pt x="7482658" y="1533277"/>
+                  <a:pt x="7307810" y="1555626"/>
+                </a:cubicBezTo>
+                <a:cubicBezTo>
+                  <a:pt x="7132962" y="1577975"/>
+                  <a:pt x="6984566" y="1516051"/>
+                  <a:pt x="6903070" y="1555626"/>
+                </a:cubicBezTo>
+                <a:cubicBezTo>
+                  <a:pt x="6821574" y="1595201"/>
+                  <a:pt x="6606243" y="1534988"/>
+                  <a:pt x="6419630" y="1555626"/>
+                </a:cubicBezTo>
+                <a:cubicBezTo>
+                  <a:pt x="6233017" y="1576264"/>
+                  <a:pt x="6187645" y="1519538"/>
+                  <a:pt x="6093589" y="1555626"/>
+                </a:cubicBezTo>
+                <a:cubicBezTo>
+                  <a:pt x="5999533" y="1591714"/>
+                  <a:pt x="5693032" y="1486952"/>
+                  <a:pt x="5452750" y="1555626"/>
+                </a:cubicBezTo>
+                <a:cubicBezTo>
+                  <a:pt x="5212468" y="1624300"/>
+                  <a:pt x="5177588" y="1528409"/>
+                  <a:pt x="5048010" y="1555626"/>
+                </a:cubicBezTo>
+                <a:cubicBezTo>
+                  <a:pt x="4918432" y="1582843"/>
+                  <a:pt x="4789248" y="1508837"/>
+                  <a:pt x="4564570" y="1555626"/>
+                </a:cubicBezTo>
+                <a:cubicBezTo>
+                  <a:pt x="4339892" y="1602415"/>
+                  <a:pt x="4317067" y="1535244"/>
+                  <a:pt x="4238530" y="1555626"/>
+                </a:cubicBezTo>
+                <a:cubicBezTo>
+                  <a:pt x="4159993" y="1576008"/>
+                  <a:pt x="3917478" y="1526299"/>
+                  <a:pt x="3833789" y="1555626"/>
+                </a:cubicBezTo>
+                <a:cubicBezTo>
+                  <a:pt x="3750100" y="1584953"/>
+                  <a:pt x="3443164" y="1499254"/>
+                  <a:pt x="3271650" y="1555626"/>
+                </a:cubicBezTo>
+                <a:cubicBezTo>
+                  <a:pt x="3100136" y="1611998"/>
+                  <a:pt x="2852430" y="1513013"/>
+                  <a:pt x="2709511" y="1555626"/>
+                </a:cubicBezTo>
+                <a:cubicBezTo>
+                  <a:pt x="2566592" y="1598239"/>
+                  <a:pt x="2453551" y="1555306"/>
+                  <a:pt x="2304771" y="1555626"/>
+                </a:cubicBezTo>
+                <a:cubicBezTo>
+                  <a:pt x="2155991" y="1555946"/>
+                  <a:pt x="1975802" y="1532192"/>
+                  <a:pt x="1821331" y="1555626"/>
+                </a:cubicBezTo>
+                <a:cubicBezTo>
+                  <a:pt x="1666860" y="1579060"/>
+                  <a:pt x="1528857" y="1519495"/>
+                  <a:pt x="1259192" y="1555626"/>
+                </a:cubicBezTo>
+                <a:cubicBezTo>
+                  <a:pt x="989527" y="1591757"/>
+                  <a:pt x="975446" y="1541084"/>
+                  <a:pt x="854452" y="1555626"/>
+                </a:cubicBezTo>
+                <a:cubicBezTo>
+                  <a:pt x="733458" y="1570168"/>
+                  <a:pt x="196858" y="1505734"/>
+                  <a:pt x="0" y="1555626"/>
+                </a:cubicBezTo>
+                <a:cubicBezTo>
+                  <a:pt x="-43138" y="1441780"/>
+                  <a:pt x="23305" y="1210515"/>
+                  <a:pt x="0" y="1005971"/>
+                </a:cubicBezTo>
+                <a:cubicBezTo>
+                  <a:pt x="-23305" y="801428"/>
+                  <a:pt x="5141" y="754427"/>
+                  <a:pt x="0" y="502986"/>
+                </a:cubicBezTo>
+                <a:cubicBezTo>
+                  <a:pt x="-5141" y="251546"/>
+                  <a:pt x="7690" y="250650"/>
                   <a:pt x="0" y="0"/>
                 </a:cubicBezTo>
                 <a:close/>
@@ -16830,76 +16329,92 @@
         </p:nvSpPr>
         <p:spPr>
           <a:xfrm>
-            <a:off x="5971749" y="2521401"/>
-            <a:ext cx="5163645" cy="3657003"/>
+            <a:off x="3520686" y="3735047"/>
+            <a:ext cx="7869951" cy="2443357"/>
           </a:xfrm>
           <a:custGeom>
             <a:avLst/>
             <a:gdLst>
-              <a:gd name="connsiteX0" fmla="*/ 0 w 5163645"/>
-              <a:gd name="connsiteY0" fmla="*/ 0 h 3657003"/>
-              <a:gd name="connsiteX1" fmla="*/ 418829 w 5163645"/>
-              <a:gd name="connsiteY1" fmla="*/ 0 h 3657003"/>
-              <a:gd name="connsiteX2" fmla="*/ 1095840 w 5163645"/>
-              <a:gd name="connsiteY2" fmla="*/ 0 h 3657003"/>
-              <a:gd name="connsiteX3" fmla="*/ 1566306 w 5163645"/>
-              <a:gd name="connsiteY3" fmla="*/ 0 h 3657003"/>
-              <a:gd name="connsiteX4" fmla="*/ 2036771 w 5163645"/>
-              <a:gd name="connsiteY4" fmla="*/ 0 h 3657003"/>
-              <a:gd name="connsiteX5" fmla="*/ 2662146 w 5163645"/>
-              <a:gd name="connsiteY5" fmla="*/ 0 h 3657003"/>
-              <a:gd name="connsiteX6" fmla="*/ 3132611 w 5163645"/>
-              <a:gd name="connsiteY6" fmla="*/ 0 h 3657003"/>
-              <a:gd name="connsiteX7" fmla="*/ 3654713 w 5163645"/>
-              <a:gd name="connsiteY7" fmla="*/ 0 h 3657003"/>
-              <a:gd name="connsiteX8" fmla="*/ 4228452 w 5163645"/>
-              <a:gd name="connsiteY8" fmla="*/ 0 h 3657003"/>
-              <a:gd name="connsiteX9" fmla="*/ 5163645 w 5163645"/>
-              <a:gd name="connsiteY9" fmla="*/ 0 h 3657003"/>
-              <a:gd name="connsiteX10" fmla="*/ 5163645 w 5163645"/>
-              <a:gd name="connsiteY10" fmla="*/ 558999 h 3657003"/>
-              <a:gd name="connsiteX11" fmla="*/ 5163645 w 5163645"/>
-              <a:gd name="connsiteY11" fmla="*/ 1154568 h 3657003"/>
-              <a:gd name="connsiteX12" fmla="*/ 5163645 w 5163645"/>
-              <a:gd name="connsiteY12" fmla="*/ 1676997 h 3657003"/>
-              <a:gd name="connsiteX13" fmla="*/ 5163645 w 5163645"/>
-              <a:gd name="connsiteY13" fmla="*/ 2126286 h 3657003"/>
-              <a:gd name="connsiteX14" fmla="*/ 5163645 w 5163645"/>
-              <a:gd name="connsiteY14" fmla="*/ 2539005 h 3657003"/>
-              <a:gd name="connsiteX15" fmla="*/ 5163645 w 5163645"/>
-              <a:gd name="connsiteY15" fmla="*/ 2951724 h 3657003"/>
-              <a:gd name="connsiteX16" fmla="*/ 5163645 w 5163645"/>
-              <a:gd name="connsiteY16" fmla="*/ 3657003 h 3657003"/>
-              <a:gd name="connsiteX17" fmla="*/ 4641543 w 5163645"/>
-              <a:gd name="connsiteY17" fmla="*/ 3657003 h 3657003"/>
-              <a:gd name="connsiteX18" fmla="*/ 4119441 w 5163645"/>
-              <a:gd name="connsiteY18" fmla="*/ 3657003 h 3657003"/>
-              <a:gd name="connsiteX19" fmla="*/ 3442430 w 5163645"/>
-              <a:gd name="connsiteY19" fmla="*/ 3657003 h 3657003"/>
-              <a:gd name="connsiteX20" fmla="*/ 2868692 w 5163645"/>
-              <a:gd name="connsiteY20" fmla="*/ 3657003 h 3657003"/>
-              <a:gd name="connsiteX21" fmla="*/ 2294953 w 5163645"/>
-              <a:gd name="connsiteY21" fmla="*/ 3657003 h 3657003"/>
-              <a:gd name="connsiteX22" fmla="*/ 1824488 w 5163645"/>
-              <a:gd name="connsiteY22" fmla="*/ 3657003 h 3657003"/>
-              <a:gd name="connsiteX23" fmla="*/ 1250750 w 5163645"/>
-              <a:gd name="connsiteY23" fmla="*/ 3657003 h 3657003"/>
-              <a:gd name="connsiteX24" fmla="*/ 728648 w 5163645"/>
-              <a:gd name="connsiteY24" fmla="*/ 3657003 h 3657003"/>
-              <a:gd name="connsiteX25" fmla="*/ 0 w 5163645"/>
-              <a:gd name="connsiteY25" fmla="*/ 3657003 h 3657003"/>
-              <a:gd name="connsiteX26" fmla="*/ 0 w 5163645"/>
-              <a:gd name="connsiteY26" fmla="*/ 3098004 h 3657003"/>
-              <a:gd name="connsiteX27" fmla="*/ 0 w 5163645"/>
-              <a:gd name="connsiteY27" fmla="*/ 2648715 h 3657003"/>
-              <a:gd name="connsiteX28" fmla="*/ 0 w 5163645"/>
-              <a:gd name="connsiteY28" fmla="*/ 2162856 h 3657003"/>
-              <a:gd name="connsiteX29" fmla="*/ 0 w 5163645"/>
-              <a:gd name="connsiteY29" fmla="*/ 1603857 h 3657003"/>
-              <a:gd name="connsiteX30" fmla="*/ 0 w 5163645"/>
-              <a:gd name="connsiteY30" fmla="*/ 1008288 h 3657003"/>
-              <a:gd name="connsiteX31" fmla="*/ 0 w 5163645"/>
-              <a:gd name="connsiteY31" fmla="*/ 0 h 3657003"/>
+              <a:gd name="connsiteX0" fmla="*/ 0 w 7869951"/>
+              <a:gd name="connsiteY0" fmla="*/ 0 h 2443357"/>
+              <a:gd name="connsiteX1" fmla="*/ 326041 w 7869951"/>
+              <a:gd name="connsiteY1" fmla="*/ 0 h 2443357"/>
+              <a:gd name="connsiteX2" fmla="*/ 888180 w 7869951"/>
+              <a:gd name="connsiteY2" fmla="*/ 0 h 2443357"/>
+              <a:gd name="connsiteX3" fmla="*/ 1450320 w 7869951"/>
+              <a:gd name="connsiteY3" fmla="*/ 0 h 2443357"/>
+              <a:gd name="connsiteX4" fmla="*/ 1776360 w 7869951"/>
+              <a:gd name="connsiteY4" fmla="*/ 0 h 2443357"/>
+              <a:gd name="connsiteX5" fmla="*/ 2181101 w 7869951"/>
+              <a:gd name="connsiteY5" fmla="*/ 0 h 2443357"/>
+              <a:gd name="connsiteX6" fmla="*/ 2821940 w 7869951"/>
+              <a:gd name="connsiteY6" fmla="*/ 0 h 2443357"/>
+              <a:gd name="connsiteX7" fmla="*/ 3462778 w 7869951"/>
+              <a:gd name="connsiteY7" fmla="*/ 0 h 2443357"/>
+              <a:gd name="connsiteX8" fmla="*/ 3788819 w 7869951"/>
+              <a:gd name="connsiteY8" fmla="*/ 0 h 2443357"/>
+              <a:gd name="connsiteX9" fmla="*/ 4508358 w 7869951"/>
+              <a:gd name="connsiteY9" fmla="*/ 0 h 2443357"/>
+              <a:gd name="connsiteX10" fmla="*/ 4913098 w 7869951"/>
+              <a:gd name="connsiteY10" fmla="*/ 0 h 2443357"/>
+              <a:gd name="connsiteX11" fmla="*/ 5396538 w 7869951"/>
+              <a:gd name="connsiteY11" fmla="*/ 0 h 2443357"/>
+              <a:gd name="connsiteX12" fmla="*/ 5958677 w 7869951"/>
+              <a:gd name="connsiteY12" fmla="*/ 0 h 2443357"/>
+              <a:gd name="connsiteX13" fmla="*/ 6678216 w 7869951"/>
+              <a:gd name="connsiteY13" fmla="*/ 0 h 2443357"/>
+              <a:gd name="connsiteX14" fmla="*/ 7869951 w 7869951"/>
+              <a:gd name="connsiteY14" fmla="*/ 0 h 2443357"/>
+              <a:gd name="connsiteX15" fmla="*/ 7869951 w 7869951"/>
+              <a:gd name="connsiteY15" fmla="*/ 439804 h 2443357"/>
+              <a:gd name="connsiteX16" fmla="*/ 7869951 w 7869951"/>
+              <a:gd name="connsiteY16" fmla="*/ 977343 h 2443357"/>
+              <a:gd name="connsiteX17" fmla="*/ 7869951 w 7869951"/>
+              <a:gd name="connsiteY17" fmla="*/ 1417147 h 2443357"/>
+              <a:gd name="connsiteX18" fmla="*/ 7869951 w 7869951"/>
+              <a:gd name="connsiteY18" fmla="*/ 1905818 h 2443357"/>
+              <a:gd name="connsiteX19" fmla="*/ 7869951 w 7869951"/>
+              <a:gd name="connsiteY19" fmla="*/ 2443357 h 2443357"/>
+              <a:gd name="connsiteX20" fmla="*/ 7307812 w 7869951"/>
+              <a:gd name="connsiteY20" fmla="*/ 2443357 h 2443357"/>
+              <a:gd name="connsiteX21" fmla="*/ 6981771 w 7869951"/>
+              <a:gd name="connsiteY21" fmla="*/ 2443357 h 2443357"/>
+              <a:gd name="connsiteX22" fmla="*/ 6577030 w 7869951"/>
+              <a:gd name="connsiteY22" fmla="*/ 2443357 h 2443357"/>
+              <a:gd name="connsiteX23" fmla="*/ 5936192 w 7869951"/>
+              <a:gd name="connsiteY23" fmla="*/ 2443357 h 2443357"/>
+              <a:gd name="connsiteX24" fmla="*/ 5610151 w 7869951"/>
+              <a:gd name="connsiteY24" fmla="*/ 2443357 h 2443357"/>
+              <a:gd name="connsiteX25" fmla="*/ 5205410 w 7869951"/>
+              <a:gd name="connsiteY25" fmla="*/ 2443357 h 2443357"/>
+              <a:gd name="connsiteX26" fmla="*/ 4485872 w 7869951"/>
+              <a:gd name="connsiteY26" fmla="*/ 2443357 h 2443357"/>
+              <a:gd name="connsiteX27" fmla="*/ 3845033 w 7869951"/>
+              <a:gd name="connsiteY27" fmla="*/ 2443357 h 2443357"/>
+              <a:gd name="connsiteX28" fmla="*/ 3361593 w 7869951"/>
+              <a:gd name="connsiteY28" fmla="*/ 2443357 h 2443357"/>
+              <a:gd name="connsiteX29" fmla="*/ 2642055 w 7869951"/>
+              <a:gd name="connsiteY29" fmla="*/ 2443357 h 2443357"/>
+              <a:gd name="connsiteX30" fmla="*/ 2237315 w 7869951"/>
+              <a:gd name="connsiteY30" fmla="*/ 2443357 h 2443357"/>
+              <a:gd name="connsiteX31" fmla="*/ 1675175 w 7869951"/>
+              <a:gd name="connsiteY31" fmla="*/ 2443357 h 2443357"/>
+              <a:gd name="connsiteX32" fmla="*/ 1349134 w 7869951"/>
+              <a:gd name="connsiteY32" fmla="*/ 2443357 h 2443357"/>
+              <a:gd name="connsiteX33" fmla="*/ 865695 w 7869951"/>
+              <a:gd name="connsiteY33" fmla="*/ 2443357 h 2443357"/>
+              <a:gd name="connsiteX34" fmla="*/ 0 w 7869951"/>
+              <a:gd name="connsiteY34" fmla="*/ 2443357 h 2443357"/>
+              <a:gd name="connsiteX35" fmla="*/ 0 w 7869951"/>
+              <a:gd name="connsiteY35" fmla="*/ 1930252 h 2443357"/>
+              <a:gd name="connsiteX36" fmla="*/ 0 w 7869951"/>
+              <a:gd name="connsiteY36" fmla="*/ 1417147 h 2443357"/>
+              <a:gd name="connsiteX37" fmla="*/ 0 w 7869951"/>
+              <a:gd name="connsiteY37" fmla="*/ 879609 h 2443357"/>
+              <a:gd name="connsiteX38" fmla="*/ 0 w 7869951"/>
+              <a:gd name="connsiteY38" fmla="*/ 439804 h 2443357"/>
+              <a:gd name="connsiteX39" fmla="*/ 0 w 7869951"/>
+              <a:gd name="connsiteY39" fmla="*/ 0 h 2443357"/>
             </a:gdLst>
             <a:ahLst/>
             <a:cxnLst>
@@ -16999,327 +16514,436 @@
               <a:cxn ang="0">
                 <a:pos x="connsiteX31" y="connsiteY31"/>
               </a:cxn>
+              <a:cxn ang="0">
+                <a:pos x="connsiteX32" y="connsiteY32"/>
+              </a:cxn>
+              <a:cxn ang="0">
+                <a:pos x="connsiteX33" y="connsiteY33"/>
+              </a:cxn>
+              <a:cxn ang="0">
+                <a:pos x="connsiteX34" y="connsiteY34"/>
+              </a:cxn>
+              <a:cxn ang="0">
+                <a:pos x="connsiteX35" y="connsiteY35"/>
+              </a:cxn>
+              <a:cxn ang="0">
+                <a:pos x="connsiteX36" y="connsiteY36"/>
+              </a:cxn>
+              <a:cxn ang="0">
+                <a:pos x="connsiteX37" y="connsiteY37"/>
+              </a:cxn>
+              <a:cxn ang="0">
+                <a:pos x="connsiteX38" y="connsiteY38"/>
+              </a:cxn>
+              <a:cxn ang="0">
+                <a:pos x="connsiteX39" y="connsiteY39"/>
+              </a:cxn>
             </a:cxnLst>
             <a:rect l="l" t="t" r="r" b="b"/>
             <a:pathLst>
-              <a:path w="5163645" h="3657003" fill="none" extrusionOk="0">
+              <a:path w="7869951" h="2443357" fill="none" extrusionOk="0">
                 <a:moveTo>
                   <a:pt x="0" y="0"/>
                 </a:moveTo>
                 <a:cubicBezTo>
-                  <a:pt x="169374" y="-41768"/>
-                  <a:pt x="228259" y="7045"/>
-                  <a:pt x="418829" y="0"/>
-                </a:cubicBezTo>
-                <a:cubicBezTo>
-                  <a:pt x="609399" y="-7045"/>
-                  <a:pt x="940656" y="18235"/>
-                  <a:pt x="1095840" y="0"/>
-                </a:cubicBezTo>
-                <a:cubicBezTo>
-                  <a:pt x="1251024" y="-18235"/>
-                  <a:pt x="1347579" y="24918"/>
-                  <a:pt x="1566306" y="0"/>
-                </a:cubicBezTo>
-                <a:cubicBezTo>
-                  <a:pt x="1785033" y="-24918"/>
-                  <a:pt x="1938218" y="29430"/>
-                  <a:pt x="2036771" y="0"/>
-                </a:cubicBezTo>
-                <a:cubicBezTo>
-                  <a:pt x="2135325" y="-29430"/>
-                  <a:pt x="2438019" y="18421"/>
-                  <a:pt x="2662146" y="0"/>
-                </a:cubicBezTo>
-                <a:cubicBezTo>
-                  <a:pt x="2886273" y="-18421"/>
-                  <a:pt x="2983184" y="20316"/>
-                  <a:pt x="3132611" y="0"/>
-                </a:cubicBezTo>
-                <a:cubicBezTo>
-                  <a:pt x="3282039" y="-20316"/>
-                  <a:pt x="3441443" y="20368"/>
-                  <a:pt x="3654713" y="0"/>
-                </a:cubicBezTo>
-                <a:cubicBezTo>
-                  <a:pt x="3867983" y="-20368"/>
-                  <a:pt x="3942224" y="61491"/>
-                  <a:pt x="4228452" y="0"/>
-                </a:cubicBezTo>
-                <a:cubicBezTo>
-                  <a:pt x="4514680" y="-61491"/>
-                  <a:pt x="4699697" y="92752"/>
-                  <a:pt x="5163645" y="0"/>
-                </a:cubicBezTo>
-                <a:cubicBezTo>
-                  <a:pt x="5183281" y="268195"/>
-                  <a:pt x="5159150" y="401840"/>
-                  <a:pt x="5163645" y="558999"/>
-                </a:cubicBezTo>
-                <a:cubicBezTo>
-                  <a:pt x="5168140" y="716158"/>
-                  <a:pt x="5115727" y="894998"/>
-                  <a:pt x="5163645" y="1154568"/>
-                </a:cubicBezTo>
-                <a:cubicBezTo>
-                  <a:pt x="5211563" y="1414138"/>
-                  <a:pt x="5148318" y="1566185"/>
-                  <a:pt x="5163645" y="1676997"/>
-                </a:cubicBezTo>
-                <a:cubicBezTo>
-                  <a:pt x="5178972" y="1787809"/>
-                  <a:pt x="5135930" y="1965099"/>
-                  <a:pt x="5163645" y="2126286"/>
-                </a:cubicBezTo>
-                <a:cubicBezTo>
-                  <a:pt x="5191360" y="2287473"/>
-                  <a:pt x="5124930" y="2434562"/>
-                  <a:pt x="5163645" y="2539005"/>
-                </a:cubicBezTo>
-                <a:cubicBezTo>
-                  <a:pt x="5202360" y="2643448"/>
-                  <a:pt x="5146012" y="2865046"/>
-                  <a:pt x="5163645" y="2951724"/>
-                </a:cubicBezTo>
-                <a:cubicBezTo>
-                  <a:pt x="5181278" y="3038402"/>
-                  <a:pt x="5096980" y="3315570"/>
-                  <a:pt x="5163645" y="3657003"/>
-                </a:cubicBezTo>
-                <a:cubicBezTo>
-                  <a:pt x="5005918" y="3699555"/>
-                  <a:pt x="4782693" y="3609810"/>
-                  <a:pt x="4641543" y="3657003"/>
-                </a:cubicBezTo>
-                <a:cubicBezTo>
-                  <a:pt x="4500393" y="3704196"/>
-                  <a:pt x="4226202" y="3620666"/>
-                  <a:pt x="4119441" y="3657003"/>
-                </a:cubicBezTo>
-                <a:cubicBezTo>
-                  <a:pt x="4012680" y="3693340"/>
-                  <a:pt x="3687860" y="3639011"/>
-                  <a:pt x="3442430" y="3657003"/>
-                </a:cubicBezTo>
-                <a:cubicBezTo>
-                  <a:pt x="3197000" y="3674995"/>
-                  <a:pt x="3071780" y="3634076"/>
-                  <a:pt x="2868692" y="3657003"/>
-                </a:cubicBezTo>
-                <a:cubicBezTo>
-                  <a:pt x="2665604" y="3679930"/>
-                  <a:pt x="2577957" y="3637750"/>
-                  <a:pt x="2294953" y="3657003"/>
-                </a:cubicBezTo>
-                <a:cubicBezTo>
-                  <a:pt x="2011949" y="3676256"/>
-                  <a:pt x="2053836" y="3640584"/>
-                  <a:pt x="1824488" y="3657003"/>
-                </a:cubicBezTo>
-                <a:cubicBezTo>
-                  <a:pt x="1595141" y="3673422"/>
-                  <a:pt x="1404271" y="3601136"/>
-                  <a:pt x="1250750" y="3657003"/>
-                </a:cubicBezTo>
-                <a:cubicBezTo>
-                  <a:pt x="1097229" y="3712870"/>
-                  <a:pt x="863253" y="3647172"/>
-                  <a:pt x="728648" y="3657003"/>
-                </a:cubicBezTo>
-                <a:cubicBezTo>
-                  <a:pt x="594043" y="3666834"/>
-                  <a:pt x="339566" y="3577274"/>
-                  <a:pt x="0" y="3657003"/>
-                </a:cubicBezTo>
-                <a:cubicBezTo>
-                  <a:pt x="-6899" y="3466645"/>
-                  <a:pt x="10787" y="3238937"/>
-                  <a:pt x="0" y="3098004"/>
-                </a:cubicBezTo>
-                <a:cubicBezTo>
-                  <a:pt x="-10787" y="2957071"/>
-                  <a:pt x="48005" y="2859166"/>
-                  <a:pt x="0" y="2648715"/>
-                </a:cubicBezTo>
-                <a:cubicBezTo>
-                  <a:pt x="-48005" y="2438264"/>
-                  <a:pt x="44492" y="2387886"/>
-                  <a:pt x="0" y="2162856"/>
-                </a:cubicBezTo>
-                <a:cubicBezTo>
-                  <a:pt x="-44492" y="1937826"/>
-                  <a:pt x="25415" y="1777752"/>
-                  <a:pt x="0" y="1603857"/>
-                </a:cubicBezTo>
-                <a:cubicBezTo>
-                  <a:pt x="-25415" y="1429962"/>
-                  <a:pt x="46170" y="1142573"/>
-                  <a:pt x="0" y="1008288"/>
-                </a:cubicBezTo>
-                <a:cubicBezTo>
-                  <a:pt x="-46170" y="874003"/>
-                  <a:pt x="99870" y="268775"/>
+                  <a:pt x="94965" y="-17711"/>
+                  <a:pt x="223905" y="29421"/>
+                  <a:pt x="326041" y="0"/>
+                </a:cubicBezTo>
+                <a:cubicBezTo>
+                  <a:pt x="428177" y="-29421"/>
+                  <a:pt x="726343" y="45776"/>
+                  <a:pt x="888180" y="0"/>
+                </a:cubicBezTo>
+                <a:cubicBezTo>
+                  <a:pt x="1050017" y="-45776"/>
+                  <a:pt x="1191784" y="3166"/>
+                  <a:pt x="1450320" y="0"/>
+                </a:cubicBezTo>
+                <a:cubicBezTo>
+                  <a:pt x="1708856" y="-3166"/>
+                  <a:pt x="1644917" y="24429"/>
+                  <a:pt x="1776360" y="0"/>
+                </a:cubicBezTo>
+                <a:cubicBezTo>
+                  <a:pt x="1907803" y="-24429"/>
+                  <a:pt x="2072246" y="4136"/>
+                  <a:pt x="2181101" y="0"/>
+                </a:cubicBezTo>
+                <a:cubicBezTo>
+                  <a:pt x="2289956" y="-4136"/>
+                  <a:pt x="2519455" y="10410"/>
+                  <a:pt x="2821940" y="0"/>
+                </a:cubicBezTo>
+                <a:cubicBezTo>
+                  <a:pt x="3124425" y="-10410"/>
+                  <a:pt x="3188264" y="26265"/>
+                  <a:pt x="3462778" y="0"/>
+                </a:cubicBezTo>
+                <a:cubicBezTo>
+                  <a:pt x="3737292" y="-26265"/>
+                  <a:pt x="3689346" y="32544"/>
+                  <a:pt x="3788819" y="0"/>
+                </a:cubicBezTo>
+                <a:cubicBezTo>
+                  <a:pt x="3888292" y="-32544"/>
+                  <a:pt x="4339932" y="21523"/>
+                  <a:pt x="4508358" y="0"/>
+                </a:cubicBezTo>
+                <a:cubicBezTo>
+                  <a:pt x="4676784" y="-21523"/>
+                  <a:pt x="4805971" y="23218"/>
+                  <a:pt x="4913098" y="0"/>
+                </a:cubicBezTo>
+                <a:cubicBezTo>
+                  <a:pt x="5020225" y="-23218"/>
+                  <a:pt x="5294991" y="3851"/>
+                  <a:pt x="5396538" y="0"/>
+                </a:cubicBezTo>
+                <a:cubicBezTo>
+                  <a:pt x="5498085" y="-3851"/>
+                  <a:pt x="5697888" y="35778"/>
+                  <a:pt x="5958677" y="0"/>
+                </a:cubicBezTo>
+                <a:cubicBezTo>
+                  <a:pt x="6219466" y="-35778"/>
+                  <a:pt x="6364942" y="43459"/>
+                  <a:pt x="6678216" y="0"/>
+                </a:cubicBezTo>
+                <a:cubicBezTo>
+                  <a:pt x="6991490" y="-43459"/>
+                  <a:pt x="7475711" y="38351"/>
+                  <a:pt x="7869951" y="0"/>
+                </a:cubicBezTo>
+                <a:cubicBezTo>
+                  <a:pt x="7891144" y="206692"/>
+                  <a:pt x="7859726" y="259751"/>
+                  <a:pt x="7869951" y="439804"/>
+                </a:cubicBezTo>
+                <a:cubicBezTo>
+                  <a:pt x="7880176" y="619857"/>
+                  <a:pt x="7830116" y="763177"/>
+                  <a:pt x="7869951" y="977343"/>
+                </a:cubicBezTo>
+                <a:cubicBezTo>
+                  <a:pt x="7909786" y="1191509"/>
+                  <a:pt x="7817720" y="1208141"/>
+                  <a:pt x="7869951" y="1417147"/>
+                </a:cubicBezTo>
+                <a:cubicBezTo>
+                  <a:pt x="7922182" y="1626153"/>
+                  <a:pt x="7861202" y="1771654"/>
+                  <a:pt x="7869951" y="1905818"/>
+                </a:cubicBezTo>
+                <a:cubicBezTo>
+                  <a:pt x="7878700" y="2039982"/>
+                  <a:pt x="7869644" y="2320354"/>
+                  <a:pt x="7869951" y="2443357"/>
+                </a:cubicBezTo>
+                <a:cubicBezTo>
+                  <a:pt x="7726319" y="2507872"/>
+                  <a:pt x="7549743" y="2433601"/>
+                  <a:pt x="7307812" y="2443357"/>
+                </a:cubicBezTo>
+                <a:cubicBezTo>
+                  <a:pt x="7065881" y="2453113"/>
+                  <a:pt x="7053605" y="2425487"/>
+                  <a:pt x="6981771" y="2443357"/>
+                </a:cubicBezTo>
+                <a:cubicBezTo>
+                  <a:pt x="6909937" y="2461227"/>
+                  <a:pt x="6741044" y="2399363"/>
+                  <a:pt x="6577030" y="2443357"/>
+                </a:cubicBezTo>
+                <a:cubicBezTo>
+                  <a:pt x="6413016" y="2487351"/>
+                  <a:pt x="6110223" y="2375243"/>
+                  <a:pt x="5936192" y="2443357"/>
+                </a:cubicBezTo>
+                <a:cubicBezTo>
+                  <a:pt x="5762161" y="2511471"/>
+                  <a:pt x="5717819" y="2436687"/>
+                  <a:pt x="5610151" y="2443357"/>
+                </a:cubicBezTo>
+                <a:cubicBezTo>
+                  <a:pt x="5502483" y="2450027"/>
+                  <a:pt x="5353657" y="2406746"/>
+                  <a:pt x="5205410" y="2443357"/>
+                </a:cubicBezTo>
+                <a:cubicBezTo>
+                  <a:pt x="5057163" y="2479968"/>
+                  <a:pt x="4731815" y="2379488"/>
+                  <a:pt x="4485872" y="2443357"/>
+                </a:cubicBezTo>
+                <a:cubicBezTo>
+                  <a:pt x="4239929" y="2507226"/>
+                  <a:pt x="4106253" y="2400597"/>
+                  <a:pt x="3845033" y="2443357"/>
+                </a:cubicBezTo>
+                <a:cubicBezTo>
+                  <a:pt x="3583813" y="2486117"/>
+                  <a:pt x="3593132" y="2400075"/>
+                  <a:pt x="3361593" y="2443357"/>
+                </a:cubicBezTo>
+                <a:cubicBezTo>
+                  <a:pt x="3130054" y="2486639"/>
+                  <a:pt x="2876183" y="2425320"/>
+                  <a:pt x="2642055" y="2443357"/>
+                </a:cubicBezTo>
+                <a:cubicBezTo>
+                  <a:pt x="2407927" y="2461394"/>
+                  <a:pt x="2389732" y="2398880"/>
+                  <a:pt x="2237315" y="2443357"/>
+                </a:cubicBezTo>
+                <a:cubicBezTo>
+                  <a:pt x="2084898" y="2487834"/>
+                  <a:pt x="1913936" y="2389439"/>
+                  <a:pt x="1675175" y="2443357"/>
+                </a:cubicBezTo>
+                <a:cubicBezTo>
+                  <a:pt x="1436414" y="2497275"/>
+                  <a:pt x="1476861" y="2420260"/>
+                  <a:pt x="1349134" y="2443357"/>
+                </a:cubicBezTo>
+                <a:cubicBezTo>
+                  <a:pt x="1221407" y="2466454"/>
+                  <a:pt x="1099647" y="2419162"/>
+                  <a:pt x="865695" y="2443357"/>
+                </a:cubicBezTo>
+                <a:cubicBezTo>
+                  <a:pt x="631743" y="2467552"/>
+                  <a:pt x="394467" y="2368367"/>
+                  <a:pt x="0" y="2443357"/>
+                </a:cubicBezTo>
+                <a:cubicBezTo>
+                  <a:pt x="-31382" y="2339976"/>
+                  <a:pt x="28053" y="2094441"/>
+                  <a:pt x="0" y="1930252"/>
+                </a:cubicBezTo>
+                <a:cubicBezTo>
+                  <a:pt x="-28053" y="1766064"/>
+                  <a:pt x="53920" y="1645301"/>
+                  <a:pt x="0" y="1417147"/>
+                </a:cubicBezTo>
+                <a:cubicBezTo>
+                  <a:pt x="-53920" y="1188994"/>
+                  <a:pt x="32264" y="1020563"/>
+                  <a:pt x="0" y="879609"/>
+                </a:cubicBezTo>
+                <a:cubicBezTo>
+                  <a:pt x="-32264" y="738655"/>
+                  <a:pt x="15888" y="532730"/>
+                  <a:pt x="0" y="439804"/>
+                </a:cubicBezTo>
+                <a:cubicBezTo>
+                  <a:pt x="-15888" y="346879"/>
+                  <a:pt x="11261" y="175660"/>
                   <a:pt x="0" y="0"/>
                 </a:cubicBezTo>
                 <a:close/>
               </a:path>
-              <a:path w="5163645" h="3657003" stroke="0" extrusionOk="0">
+              <a:path w="7869951" h="2443357" stroke="0" extrusionOk="0">
                 <a:moveTo>
                   <a:pt x="0" y="0"/>
                 </a:moveTo>
                 <a:cubicBezTo>
-                  <a:pt x="199379" y="-51910"/>
-                  <a:pt x="466000" y="6098"/>
-                  <a:pt x="625375" y="0"/>
-                </a:cubicBezTo>
-                <a:cubicBezTo>
-                  <a:pt x="784751" y="-6098"/>
-                  <a:pt x="1101193" y="54521"/>
-                  <a:pt x="1302386" y="0"/>
-                </a:cubicBezTo>
-                <a:cubicBezTo>
-                  <a:pt x="1503579" y="-54521"/>
-                  <a:pt x="1615321" y="8345"/>
-                  <a:pt x="1927761" y="0"/>
-                </a:cubicBezTo>
-                <a:cubicBezTo>
-                  <a:pt x="2240202" y="-8345"/>
-                  <a:pt x="2295072" y="53733"/>
-                  <a:pt x="2553136" y="0"/>
-                </a:cubicBezTo>
-                <a:cubicBezTo>
-                  <a:pt x="2811200" y="-53733"/>
-                  <a:pt x="2915382" y="33470"/>
-                  <a:pt x="3178510" y="0"/>
-                </a:cubicBezTo>
-                <a:cubicBezTo>
-                  <a:pt x="3441638" y="-33470"/>
-                  <a:pt x="3483450" y="47980"/>
-                  <a:pt x="3597339" y="0"/>
-                </a:cubicBezTo>
-                <a:cubicBezTo>
-                  <a:pt x="3711228" y="-47980"/>
-                  <a:pt x="4012583" y="26836"/>
-                  <a:pt x="4222714" y="0"/>
-                </a:cubicBezTo>
-                <a:cubicBezTo>
-                  <a:pt x="4432846" y="-26836"/>
-                  <a:pt x="4853046" y="74170"/>
-                  <a:pt x="5163645" y="0"/>
-                </a:cubicBezTo>
-                <a:cubicBezTo>
-                  <a:pt x="5175469" y="137925"/>
-                  <a:pt x="5116774" y="288224"/>
-                  <a:pt x="5163645" y="412719"/>
-                </a:cubicBezTo>
-                <a:cubicBezTo>
-                  <a:pt x="5210516" y="537214"/>
-                  <a:pt x="5156779" y="702317"/>
-                  <a:pt x="5163645" y="971718"/>
-                </a:cubicBezTo>
-                <a:cubicBezTo>
-                  <a:pt x="5170511" y="1241119"/>
-                  <a:pt x="5119583" y="1197560"/>
-                  <a:pt x="5163645" y="1384437"/>
-                </a:cubicBezTo>
-                <a:cubicBezTo>
-                  <a:pt x="5207707" y="1571314"/>
-                  <a:pt x="5108659" y="1799472"/>
-                  <a:pt x="5163645" y="1906866"/>
-                </a:cubicBezTo>
-                <a:cubicBezTo>
-                  <a:pt x="5218631" y="2014260"/>
-                  <a:pt x="5158880" y="2159619"/>
-                  <a:pt x="5163645" y="2392725"/>
-                </a:cubicBezTo>
-                <a:cubicBezTo>
-                  <a:pt x="5168410" y="2625831"/>
-                  <a:pt x="5155136" y="2826954"/>
-                  <a:pt x="5163645" y="2951724"/>
-                </a:cubicBezTo>
-                <a:cubicBezTo>
-                  <a:pt x="5172154" y="3076494"/>
-                  <a:pt x="5131060" y="3456790"/>
-                  <a:pt x="5163645" y="3657003"/>
-                </a:cubicBezTo>
-                <a:cubicBezTo>
-                  <a:pt x="4897368" y="3721744"/>
-                  <a:pt x="4721162" y="3649989"/>
-                  <a:pt x="4538270" y="3657003"/>
-                </a:cubicBezTo>
-                <a:cubicBezTo>
-                  <a:pt x="4355378" y="3664017"/>
-                  <a:pt x="4266296" y="3607852"/>
-                  <a:pt x="4119441" y="3657003"/>
-                </a:cubicBezTo>
-                <a:cubicBezTo>
-                  <a:pt x="3972586" y="3706154"/>
-                  <a:pt x="3632870" y="3612088"/>
-                  <a:pt x="3494066" y="3657003"/>
-                </a:cubicBezTo>
-                <a:cubicBezTo>
-                  <a:pt x="3355262" y="3701918"/>
-                  <a:pt x="3124653" y="3615240"/>
-                  <a:pt x="3023601" y="3657003"/>
-                </a:cubicBezTo>
-                <a:cubicBezTo>
-                  <a:pt x="2922549" y="3698766"/>
-                  <a:pt x="2645069" y="3627169"/>
-                  <a:pt x="2501499" y="3657003"/>
-                </a:cubicBezTo>
-                <a:cubicBezTo>
-                  <a:pt x="2357929" y="3686837"/>
-                  <a:pt x="2212329" y="3624421"/>
-                  <a:pt x="2082670" y="3657003"/>
-                </a:cubicBezTo>
-                <a:cubicBezTo>
-                  <a:pt x="1953011" y="3689585"/>
-                  <a:pt x="1646856" y="3595024"/>
-                  <a:pt x="1457295" y="3657003"/>
-                </a:cubicBezTo>
-                <a:cubicBezTo>
-                  <a:pt x="1267734" y="3718982"/>
-                  <a:pt x="1085510" y="3651863"/>
-                  <a:pt x="986830" y="3657003"/>
-                </a:cubicBezTo>
-                <a:cubicBezTo>
-                  <a:pt x="888150" y="3662143"/>
-                  <a:pt x="458491" y="3561534"/>
-                  <a:pt x="0" y="3657003"/>
-                </a:cubicBezTo>
-                <a:cubicBezTo>
-                  <a:pt x="-44743" y="3487043"/>
-                  <a:pt x="31196" y="3334626"/>
-                  <a:pt x="0" y="3244284"/>
-                </a:cubicBezTo>
-                <a:cubicBezTo>
-                  <a:pt x="-31196" y="3153942"/>
-                  <a:pt x="17531" y="2871238"/>
-                  <a:pt x="0" y="2758425"/>
-                </a:cubicBezTo>
-                <a:cubicBezTo>
-                  <a:pt x="-17531" y="2645612"/>
-                  <a:pt x="18050" y="2284006"/>
-                  <a:pt x="0" y="2162856"/>
-                </a:cubicBezTo>
-                <a:cubicBezTo>
-                  <a:pt x="-18050" y="2041706"/>
-                  <a:pt x="48599" y="1881331"/>
-                  <a:pt x="0" y="1603857"/>
-                </a:cubicBezTo>
-                <a:cubicBezTo>
-                  <a:pt x="-48599" y="1326383"/>
-                  <a:pt x="296" y="1298599"/>
-                  <a:pt x="0" y="1081428"/>
-                </a:cubicBezTo>
-                <a:cubicBezTo>
-                  <a:pt x="-296" y="864257"/>
-                  <a:pt x="23536" y="792440"/>
-                  <a:pt x="0" y="558999"/>
-                </a:cubicBezTo>
-                <a:cubicBezTo>
-                  <a:pt x="-23536" y="325558"/>
-                  <a:pt x="29051" y="247011"/>
+                  <a:pt x="226305" y="-9149"/>
+                  <a:pt x="337990" y="2474"/>
+                  <a:pt x="640839" y="0"/>
+                </a:cubicBezTo>
+                <a:cubicBezTo>
+                  <a:pt x="943688" y="-2474"/>
+                  <a:pt x="1088769" y="5049"/>
+                  <a:pt x="1360377" y="0"/>
+                </a:cubicBezTo>
+                <a:cubicBezTo>
+                  <a:pt x="1631985" y="-5049"/>
+                  <a:pt x="1833817" y="15160"/>
+                  <a:pt x="2001216" y="0"/>
+                </a:cubicBezTo>
+                <a:cubicBezTo>
+                  <a:pt x="2168615" y="-15160"/>
+                  <a:pt x="2408864" y="45500"/>
+                  <a:pt x="2642055" y="0"/>
+                </a:cubicBezTo>
+                <a:cubicBezTo>
+                  <a:pt x="2875246" y="-45500"/>
+                  <a:pt x="3070918" y="50715"/>
+                  <a:pt x="3282894" y="0"/>
+                </a:cubicBezTo>
+                <a:cubicBezTo>
+                  <a:pt x="3494870" y="-50715"/>
+                  <a:pt x="3479298" y="36675"/>
+                  <a:pt x="3608935" y="0"/>
+                </a:cubicBezTo>
+                <a:cubicBezTo>
+                  <a:pt x="3738572" y="-36675"/>
+                  <a:pt x="4120922" y="13746"/>
+                  <a:pt x="4249774" y="0"/>
+                </a:cubicBezTo>
+                <a:cubicBezTo>
+                  <a:pt x="4378626" y="-13746"/>
+                  <a:pt x="4596088" y="50963"/>
+                  <a:pt x="4811913" y="0"/>
+                </a:cubicBezTo>
+                <a:cubicBezTo>
+                  <a:pt x="5027738" y="-50963"/>
+                  <a:pt x="4978043" y="6050"/>
+                  <a:pt x="5137954" y="0"/>
+                </a:cubicBezTo>
+                <a:cubicBezTo>
+                  <a:pt x="5297865" y="-6050"/>
+                  <a:pt x="5609978" y="9267"/>
+                  <a:pt x="5857492" y="0"/>
+                </a:cubicBezTo>
+                <a:cubicBezTo>
+                  <a:pt x="6105006" y="-9267"/>
+                  <a:pt x="6177183" y="11585"/>
+                  <a:pt x="6340932" y="0"/>
+                </a:cubicBezTo>
+                <a:cubicBezTo>
+                  <a:pt x="6504681" y="-11585"/>
+                  <a:pt x="6563184" y="13812"/>
+                  <a:pt x="6666973" y="0"/>
+                </a:cubicBezTo>
+                <a:cubicBezTo>
+                  <a:pt x="6770762" y="-13812"/>
+                  <a:pt x="7127399" y="38151"/>
+                  <a:pt x="7386511" y="0"/>
+                </a:cubicBezTo>
+                <a:cubicBezTo>
+                  <a:pt x="7645623" y="-38151"/>
+                  <a:pt x="7670365" y="19268"/>
+                  <a:pt x="7869951" y="0"/>
+                </a:cubicBezTo>
+                <a:cubicBezTo>
+                  <a:pt x="7878618" y="231480"/>
+                  <a:pt x="7837370" y="293496"/>
+                  <a:pt x="7869951" y="488671"/>
+                </a:cubicBezTo>
+                <a:cubicBezTo>
+                  <a:pt x="7902532" y="683846"/>
+                  <a:pt x="7850616" y="756398"/>
+                  <a:pt x="7869951" y="1001776"/>
+                </a:cubicBezTo>
+                <a:cubicBezTo>
+                  <a:pt x="7889286" y="1247154"/>
+                  <a:pt x="7851041" y="1274480"/>
+                  <a:pt x="7869951" y="1514881"/>
+                </a:cubicBezTo>
+                <a:cubicBezTo>
+                  <a:pt x="7888861" y="1755282"/>
+                  <a:pt x="7839571" y="1847510"/>
+                  <a:pt x="7869951" y="2003553"/>
+                </a:cubicBezTo>
+                <a:cubicBezTo>
+                  <a:pt x="7900331" y="2159596"/>
+                  <a:pt x="7859914" y="2287097"/>
+                  <a:pt x="7869951" y="2443357"/>
+                </a:cubicBezTo>
+                <a:cubicBezTo>
+                  <a:pt x="7733332" y="2488937"/>
+                  <a:pt x="7440008" y="2370093"/>
+                  <a:pt x="7229112" y="2443357"/>
+                </a:cubicBezTo>
+                <a:cubicBezTo>
+                  <a:pt x="7018216" y="2516621"/>
+                  <a:pt x="6997127" y="2407269"/>
+                  <a:pt x="6903071" y="2443357"/>
+                </a:cubicBezTo>
+                <a:cubicBezTo>
+                  <a:pt x="6809015" y="2479445"/>
+                  <a:pt x="6502514" y="2374683"/>
+                  <a:pt x="6262232" y="2443357"/>
+                </a:cubicBezTo>
+                <a:cubicBezTo>
+                  <a:pt x="6021950" y="2512031"/>
+                  <a:pt x="5987070" y="2416140"/>
+                  <a:pt x="5857492" y="2443357"/>
+                </a:cubicBezTo>
+                <a:cubicBezTo>
+                  <a:pt x="5727914" y="2470574"/>
+                  <a:pt x="5598730" y="2396568"/>
+                  <a:pt x="5374052" y="2443357"/>
+                </a:cubicBezTo>
+                <a:cubicBezTo>
+                  <a:pt x="5149374" y="2490146"/>
+                  <a:pt x="5138173" y="2428694"/>
+                  <a:pt x="5048011" y="2443357"/>
+                </a:cubicBezTo>
+                <a:cubicBezTo>
+                  <a:pt x="4957849" y="2458020"/>
+                  <a:pt x="4841223" y="2404959"/>
+                  <a:pt x="4643271" y="2443357"/>
+                </a:cubicBezTo>
+                <a:cubicBezTo>
+                  <a:pt x="4445319" y="2481755"/>
+                  <a:pt x="4252646" y="2386985"/>
+                  <a:pt x="4081132" y="2443357"/>
+                </a:cubicBezTo>
+                <a:cubicBezTo>
+                  <a:pt x="3909618" y="2499729"/>
+                  <a:pt x="3664511" y="2404508"/>
+                  <a:pt x="3518992" y="2443357"/>
+                </a:cubicBezTo>
+                <a:cubicBezTo>
+                  <a:pt x="3373473" y="2482206"/>
+                  <a:pt x="3263032" y="2443037"/>
+                  <a:pt x="3114252" y="2443357"/>
+                </a:cubicBezTo>
+                <a:cubicBezTo>
+                  <a:pt x="2965472" y="2443677"/>
+                  <a:pt x="2785283" y="2419923"/>
+                  <a:pt x="2630812" y="2443357"/>
+                </a:cubicBezTo>
+                <a:cubicBezTo>
+                  <a:pt x="2476341" y="2466791"/>
+                  <a:pt x="2338338" y="2407226"/>
+                  <a:pt x="2068673" y="2443357"/>
+                </a:cubicBezTo>
+                <a:cubicBezTo>
+                  <a:pt x="1799008" y="2479488"/>
+                  <a:pt x="1793964" y="2429531"/>
+                  <a:pt x="1663932" y="2443357"/>
+                </a:cubicBezTo>
+                <a:cubicBezTo>
+                  <a:pt x="1533900" y="2457183"/>
+                  <a:pt x="1366662" y="2410875"/>
+                  <a:pt x="1259192" y="2443357"/>
+                </a:cubicBezTo>
+                <a:cubicBezTo>
+                  <a:pt x="1151722" y="2475839"/>
+                  <a:pt x="804290" y="2421415"/>
+                  <a:pt x="539654" y="2443357"/>
+                </a:cubicBezTo>
+                <a:cubicBezTo>
+                  <a:pt x="275018" y="2465299"/>
+                  <a:pt x="262280" y="2395877"/>
+                  <a:pt x="0" y="2443357"/>
+                </a:cubicBezTo>
+                <a:cubicBezTo>
+                  <a:pt x="-29376" y="2319043"/>
+                  <a:pt x="29299" y="2156995"/>
+                  <a:pt x="0" y="2027986"/>
+                </a:cubicBezTo>
+                <a:cubicBezTo>
+                  <a:pt x="-29299" y="1898977"/>
+                  <a:pt x="27812" y="1696266"/>
+                  <a:pt x="0" y="1490448"/>
+                </a:cubicBezTo>
+                <a:cubicBezTo>
+                  <a:pt x="-27812" y="1284630"/>
+                  <a:pt x="47555" y="1083803"/>
+                  <a:pt x="0" y="977343"/>
+                </a:cubicBezTo>
+                <a:cubicBezTo>
+                  <a:pt x="-47555" y="870884"/>
+                  <a:pt x="662" y="594047"/>
+                  <a:pt x="0" y="488671"/>
+                </a:cubicBezTo>
+                <a:cubicBezTo>
+                  <a:pt x="-662" y="383295"/>
+                  <a:pt x="40416" y="167566"/>
                   <a:pt x="0" y="0"/>
                 </a:cubicBezTo>
                 <a:close/>
@@ -17391,7 +17015,7 @@
         </p:nvSpPr>
         <p:spPr>
           <a:xfrm>
-            <a:off x="10402725" y="5985457"/>
+            <a:off x="10090148" y="2220755"/>
             <a:ext cx="1155739" cy="385894"/>
           </a:xfrm>
           <a:custGeom>
@@ -17553,6 +17177,721 @@
               <a:t>Rerun !</a:t>
             </a:r>
             <a:endParaRPr lang="en-IL" dirty="0"/>
+          </a:p>
+        </p:txBody>
+      </p:sp>
+      <p:sp>
+        <p:nvSpPr>
+          <p:cNvPr id="10" name="Rectangle 9">
+            <a:extLst>
+              <a:ext uri="{FF2B5EF4-FFF2-40B4-BE49-F238E27FC236}">
+                <a16:creationId xmlns:a16="http://schemas.microsoft.com/office/drawing/2014/main" id="{4CFD18F0-E19D-BCF4-0438-694766AF28D4}"/>
+              </a:ext>
+            </a:extLst>
+          </p:cNvPr>
+          <p:cNvSpPr/>
+          <p:nvPr/>
+        </p:nvSpPr>
+        <p:spPr>
+          <a:xfrm>
+            <a:off x="9356270" y="656974"/>
+            <a:ext cx="2329049" cy="866150"/>
+          </a:xfrm>
+          <a:custGeom>
+            <a:avLst/>
+            <a:gdLst>
+              <a:gd name="connsiteX0" fmla="*/ 0 w 2329049"/>
+              <a:gd name="connsiteY0" fmla="*/ 0 h 866150"/>
+              <a:gd name="connsiteX1" fmla="*/ 535681 w 2329049"/>
+              <a:gd name="connsiteY1" fmla="*/ 0 h 866150"/>
+              <a:gd name="connsiteX2" fmla="*/ 1048072 w 2329049"/>
+              <a:gd name="connsiteY2" fmla="*/ 0 h 866150"/>
+              <a:gd name="connsiteX3" fmla="*/ 1653625 w 2329049"/>
+              <a:gd name="connsiteY3" fmla="*/ 0 h 866150"/>
+              <a:gd name="connsiteX4" fmla="*/ 2329049 w 2329049"/>
+              <a:gd name="connsiteY4" fmla="*/ 0 h 866150"/>
+              <a:gd name="connsiteX5" fmla="*/ 2329049 w 2329049"/>
+              <a:gd name="connsiteY5" fmla="*/ 433075 h 866150"/>
+              <a:gd name="connsiteX6" fmla="*/ 2329049 w 2329049"/>
+              <a:gd name="connsiteY6" fmla="*/ 866150 h 866150"/>
+              <a:gd name="connsiteX7" fmla="*/ 1770077 w 2329049"/>
+              <a:gd name="connsiteY7" fmla="*/ 866150 h 866150"/>
+              <a:gd name="connsiteX8" fmla="*/ 1187815 w 2329049"/>
+              <a:gd name="connsiteY8" fmla="*/ 866150 h 866150"/>
+              <a:gd name="connsiteX9" fmla="*/ 558972 w 2329049"/>
+              <a:gd name="connsiteY9" fmla="*/ 866150 h 866150"/>
+              <a:gd name="connsiteX10" fmla="*/ 0 w 2329049"/>
+              <a:gd name="connsiteY10" fmla="*/ 866150 h 866150"/>
+              <a:gd name="connsiteX11" fmla="*/ 0 w 2329049"/>
+              <a:gd name="connsiteY11" fmla="*/ 450398 h 866150"/>
+              <a:gd name="connsiteX12" fmla="*/ 0 w 2329049"/>
+              <a:gd name="connsiteY12" fmla="*/ 0 h 866150"/>
+            </a:gdLst>
+            <a:ahLst/>
+            <a:cxnLst>
+              <a:cxn ang="0">
+                <a:pos x="connsiteX0" y="connsiteY0"/>
+              </a:cxn>
+              <a:cxn ang="0">
+                <a:pos x="connsiteX1" y="connsiteY1"/>
+              </a:cxn>
+              <a:cxn ang="0">
+                <a:pos x="connsiteX2" y="connsiteY2"/>
+              </a:cxn>
+              <a:cxn ang="0">
+                <a:pos x="connsiteX3" y="connsiteY3"/>
+              </a:cxn>
+              <a:cxn ang="0">
+                <a:pos x="connsiteX4" y="connsiteY4"/>
+              </a:cxn>
+              <a:cxn ang="0">
+                <a:pos x="connsiteX5" y="connsiteY5"/>
+              </a:cxn>
+              <a:cxn ang="0">
+                <a:pos x="connsiteX6" y="connsiteY6"/>
+              </a:cxn>
+              <a:cxn ang="0">
+                <a:pos x="connsiteX7" y="connsiteY7"/>
+              </a:cxn>
+              <a:cxn ang="0">
+                <a:pos x="connsiteX8" y="connsiteY8"/>
+              </a:cxn>
+              <a:cxn ang="0">
+                <a:pos x="connsiteX9" y="connsiteY9"/>
+              </a:cxn>
+              <a:cxn ang="0">
+                <a:pos x="connsiteX10" y="connsiteY10"/>
+              </a:cxn>
+              <a:cxn ang="0">
+                <a:pos x="connsiteX11" y="connsiteY11"/>
+              </a:cxn>
+              <a:cxn ang="0">
+                <a:pos x="connsiteX12" y="connsiteY12"/>
+              </a:cxn>
+            </a:cxnLst>
+            <a:rect l="l" t="t" r="r" b="b"/>
+            <a:pathLst>
+              <a:path w="2329049" h="866150" fill="none" extrusionOk="0">
+                <a:moveTo>
+                  <a:pt x="0" y="0"/>
+                </a:moveTo>
+                <a:cubicBezTo>
+                  <a:pt x="236483" y="-50956"/>
+                  <a:pt x="323744" y="39710"/>
+                  <a:pt x="535681" y="0"/>
+                </a:cubicBezTo>
+                <a:cubicBezTo>
+                  <a:pt x="747618" y="-39710"/>
+                  <a:pt x="796527" y="7867"/>
+                  <a:pt x="1048072" y="0"/>
+                </a:cubicBezTo>
+                <a:cubicBezTo>
+                  <a:pt x="1299617" y="-7867"/>
+                  <a:pt x="1468263" y="71906"/>
+                  <a:pt x="1653625" y="0"/>
+                </a:cubicBezTo>
+                <a:cubicBezTo>
+                  <a:pt x="1838987" y="-71906"/>
+                  <a:pt x="2017688" y="5227"/>
+                  <a:pt x="2329049" y="0"/>
+                </a:cubicBezTo>
+                <a:cubicBezTo>
+                  <a:pt x="2356612" y="148300"/>
+                  <a:pt x="2277195" y="224287"/>
+                  <a:pt x="2329049" y="433075"/>
+                </a:cubicBezTo>
+                <a:cubicBezTo>
+                  <a:pt x="2380903" y="641863"/>
+                  <a:pt x="2298542" y="658328"/>
+                  <a:pt x="2329049" y="866150"/>
+                </a:cubicBezTo>
+                <a:cubicBezTo>
+                  <a:pt x="2164464" y="908093"/>
+                  <a:pt x="1974076" y="812685"/>
+                  <a:pt x="1770077" y="866150"/>
+                </a:cubicBezTo>
+                <a:cubicBezTo>
+                  <a:pt x="1566078" y="919615"/>
+                  <a:pt x="1353976" y="832028"/>
+                  <a:pt x="1187815" y="866150"/>
+                </a:cubicBezTo>
+                <a:cubicBezTo>
+                  <a:pt x="1021654" y="900272"/>
+                  <a:pt x="779313" y="822698"/>
+                  <a:pt x="558972" y="866150"/>
+                </a:cubicBezTo>
+                <a:cubicBezTo>
+                  <a:pt x="338631" y="909602"/>
+                  <a:pt x="212507" y="811744"/>
+                  <a:pt x="0" y="866150"/>
+                </a:cubicBezTo>
+                <a:cubicBezTo>
+                  <a:pt x="-20893" y="708574"/>
+                  <a:pt x="49813" y="651719"/>
+                  <a:pt x="0" y="450398"/>
+                </a:cubicBezTo>
+                <a:cubicBezTo>
+                  <a:pt x="-49813" y="249077"/>
+                  <a:pt x="5299" y="157856"/>
+                  <a:pt x="0" y="0"/>
+                </a:cubicBezTo>
+                <a:close/>
+              </a:path>
+              <a:path w="2329049" h="866150" stroke="0" extrusionOk="0">
+                <a:moveTo>
+                  <a:pt x="0" y="0"/>
+                </a:moveTo>
+                <a:cubicBezTo>
+                  <a:pt x="251366" y="-31927"/>
+                  <a:pt x="385418" y="20279"/>
+                  <a:pt x="605553" y="0"/>
+                </a:cubicBezTo>
+                <a:cubicBezTo>
+                  <a:pt x="825688" y="-20279"/>
+                  <a:pt x="1031486" y="44355"/>
+                  <a:pt x="1234396" y="0"/>
+                </a:cubicBezTo>
+                <a:cubicBezTo>
+                  <a:pt x="1437306" y="-44355"/>
+                  <a:pt x="1914825" y="54951"/>
+                  <a:pt x="2329049" y="0"/>
+                </a:cubicBezTo>
+                <a:cubicBezTo>
+                  <a:pt x="2337822" y="134414"/>
+                  <a:pt x="2313270" y="314493"/>
+                  <a:pt x="2329049" y="441737"/>
+                </a:cubicBezTo>
+                <a:cubicBezTo>
+                  <a:pt x="2344828" y="568981"/>
+                  <a:pt x="2323210" y="690393"/>
+                  <a:pt x="2329049" y="866150"/>
+                </a:cubicBezTo>
+                <a:cubicBezTo>
+                  <a:pt x="2103427" y="878417"/>
+                  <a:pt x="2036846" y="811006"/>
+                  <a:pt x="1816658" y="866150"/>
+                </a:cubicBezTo>
+                <a:cubicBezTo>
+                  <a:pt x="1596470" y="921294"/>
+                  <a:pt x="1354160" y="800287"/>
+                  <a:pt x="1211105" y="866150"/>
+                </a:cubicBezTo>
+                <a:cubicBezTo>
+                  <a:pt x="1068050" y="932013"/>
+                  <a:pt x="790029" y="822158"/>
+                  <a:pt x="652134" y="866150"/>
+                </a:cubicBezTo>
+                <a:cubicBezTo>
+                  <a:pt x="514239" y="910142"/>
+                  <a:pt x="161528" y="842438"/>
+                  <a:pt x="0" y="866150"/>
+                </a:cubicBezTo>
+                <a:cubicBezTo>
+                  <a:pt x="-7647" y="726255"/>
+                  <a:pt x="2115" y="571842"/>
+                  <a:pt x="0" y="433075"/>
+                </a:cubicBezTo>
+                <a:cubicBezTo>
+                  <a:pt x="-2115" y="294309"/>
+                  <a:pt x="11222" y="89723"/>
+                  <a:pt x="0" y="0"/>
+                </a:cubicBezTo>
+                <a:close/>
+              </a:path>
+            </a:pathLst>
+          </a:custGeom>
+          <a:ln>
+            <a:extLst>
+              <a:ext uri="{C807C97D-BFC1-408E-A445-0C87EB9F89A2}">
+                <ask:lineSketchStyleProps xmlns:ask="http://schemas.microsoft.com/office/drawing/2018/sketchyshapes" sd="857412550">
+                  <a:prstGeom prst="rect">
+                    <a:avLst/>
+                  </a:prstGeom>
+                  <ask:type>
+                    <ask:lineSketchScribble/>
+                  </ask:type>
+                </ask:lineSketchStyleProps>
+              </a:ext>
+            </a:extLst>
+          </a:ln>
+        </p:spPr>
+        <p:style>
+          <a:lnRef idx="2">
+            <a:schemeClr val="accent5">
+              <a:shade val="50000"/>
+            </a:schemeClr>
+          </a:lnRef>
+          <a:fillRef idx="1">
+            <a:schemeClr val="accent5"/>
+          </a:fillRef>
+          <a:effectRef idx="0">
+            <a:schemeClr val="accent5"/>
+          </a:effectRef>
+          <a:fontRef idx="minor">
+            <a:schemeClr val="lt1"/>
+          </a:fontRef>
+        </p:style>
+        <p:txBody>
+          <a:bodyPr rtlCol="0" anchor="ctr"/>
+          <a:lstStyle/>
+          <a:p>
+            <a:pPr algn="ctr"/>
+            <a:r>
+              <a:rPr lang="en-US" sz="1600" dirty="0"/>
+              <a:t>Queue Management</a:t>
+            </a:r>
+            <a:endParaRPr lang="en-IL" sz="1600" dirty="0"/>
+          </a:p>
+        </p:txBody>
+      </p:sp>
+      <p:sp>
+        <p:nvSpPr>
+          <p:cNvPr id="11" name="Rectangle 10">
+            <a:extLst>
+              <a:ext uri="{FF2B5EF4-FFF2-40B4-BE49-F238E27FC236}">
+                <a16:creationId xmlns:a16="http://schemas.microsoft.com/office/drawing/2014/main" id="{3442C1EB-034A-2D8F-5D8E-91548E2717DA}"/>
+              </a:ext>
+            </a:extLst>
+          </p:cNvPr>
+          <p:cNvSpPr/>
+          <p:nvPr/>
+        </p:nvSpPr>
+        <p:spPr>
+          <a:xfrm>
+            <a:off x="633536" y="1987744"/>
+            <a:ext cx="2712583" cy="4190659"/>
+          </a:xfrm>
+          <a:custGeom>
+            <a:avLst/>
+            <a:gdLst>
+              <a:gd name="connsiteX0" fmla="*/ 0 w 2712583"/>
+              <a:gd name="connsiteY0" fmla="*/ 0 h 4190659"/>
+              <a:gd name="connsiteX1" fmla="*/ 488265 w 2712583"/>
+              <a:gd name="connsiteY1" fmla="*/ 0 h 4190659"/>
+              <a:gd name="connsiteX2" fmla="*/ 1085033 w 2712583"/>
+              <a:gd name="connsiteY2" fmla="*/ 0 h 4190659"/>
+              <a:gd name="connsiteX3" fmla="*/ 1627550 w 2712583"/>
+              <a:gd name="connsiteY3" fmla="*/ 0 h 4190659"/>
+              <a:gd name="connsiteX4" fmla="*/ 2224318 w 2712583"/>
+              <a:gd name="connsiteY4" fmla="*/ 0 h 4190659"/>
+              <a:gd name="connsiteX5" fmla="*/ 2712583 w 2712583"/>
+              <a:gd name="connsiteY5" fmla="*/ 0 h 4190659"/>
+              <a:gd name="connsiteX6" fmla="*/ 2712583 w 2712583"/>
+              <a:gd name="connsiteY6" fmla="*/ 514852 h 4190659"/>
+              <a:gd name="connsiteX7" fmla="*/ 2712583 w 2712583"/>
+              <a:gd name="connsiteY7" fmla="*/ 1029705 h 4190659"/>
+              <a:gd name="connsiteX8" fmla="*/ 2712583 w 2712583"/>
+              <a:gd name="connsiteY8" fmla="*/ 1544557 h 4190659"/>
+              <a:gd name="connsiteX9" fmla="*/ 2712583 w 2712583"/>
+              <a:gd name="connsiteY9" fmla="*/ 2227036 h 4190659"/>
+              <a:gd name="connsiteX10" fmla="*/ 2712583 w 2712583"/>
+              <a:gd name="connsiteY10" fmla="*/ 2867608 h 4190659"/>
+              <a:gd name="connsiteX11" fmla="*/ 2712583 w 2712583"/>
+              <a:gd name="connsiteY11" fmla="*/ 3340554 h 4190659"/>
+              <a:gd name="connsiteX12" fmla="*/ 2712583 w 2712583"/>
+              <a:gd name="connsiteY12" fmla="*/ 4190659 h 4190659"/>
+              <a:gd name="connsiteX13" fmla="*/ 2142941 w 2712583"/>
+              <a:gd name="connsiteY13" fmla="*/ 4190659 h 4190659"/>
+              <a:gd name="connsiteX14" fmla="*/ 1600424 w 2712583"/>
+              <a:gd name="connsiteY14" fmla="*/ 4190659 h 4190659"/>
+              <a:gd name="connsiteX15" fmla="*/ 1139285 w 2712583"/>
+              <a:gd name="connsiteY15" fmla="*/ 4190659 h 4190659"/>
+              <a:gd name="connsiteX16" fmla="*/ 678146 w 2712583"/>
+              <a:gd name="connsiteY16" fmla="*/ 4190659 h 4190659"/>
+              <a:gd name="connsiteX17" fmla="*/ 0 w 2712583"/>
+              <a:gd name="connsiteY17" fmla="*/ 4190659 h 4190659"/>
+              <a:gd name="connsiteX18" fmla="*/ 0 w 2712583"/>
+              <a:gd name="connsiteY18" fmla="*/ 3633900 h 4190659"/>
+              <a:gd name="connsiteX19" fmla="*/ 0 w 2712583"/>
+              <a:gd name="connsiteY19" fmla="*/ 3160954 h 4190659"/>
+              <a:gd name="connsiteX20" fmla="*/ 0 w 2712583"/>
+              <a:gd name="connsiteY20" fmla="*/ 2646102 h 4190659"/>
+              <a:gd name="connsiteX21" fmla="*/ 0 w 2712583"/>
+              <a:gd name="connsiteY21" fmla="*/ 2005530 h 4190659"/>
+              <a:gd name="connsiteX22" fmla="*/ 0 w 2712583"/>
+              <a:gd name="connsiteY22" fmla="*/ 1364958 h 4190659"/>
+              <a:gd name="connsiteX23" fmla="*/ 0 w 2712583"/>
+              <a:gd name="connsiteY23" fmla="*/ 892012 h 4190659"/>
+              <a:gd name="connsiteX24" fmla="*/ 0 w 2712583"/>
+              <a:gd name="connsiteY24" fmla="*/ 0 h 4190659"/>
+            </a:gdLst>
+            <a:ahLst/>
+            <a:cxnLst>
+              <a:cxn ang="0">
+                <a:pos x="connsiteX0" y="connsiteY0"/>
+              </a:cxn>
+              <a:cxn ang="0">
+                <a:pos x="connsiteX1" y="connsiteY1"/>
+              </a:cxn>
+              <a:cxn ang="0">
+                <a:pos x="connsiteX2" y="connsiteY2"/>
+              </a:cxn>
+              <a:cxn ang="0">
+                <a:pos x="connsiteX3" y="connsiteY3"/>
+              </a:cxn>
+              <a:cxn ang="0">
+                <a:pos x="connsiteX4" y="connsiteY4"/>
+              </a:cxn>
+              <a:cxn ang="0">
+                <a:pos x="connsiteX5" y="connsiteY5"/>
+              </a:cxn>
+              <a:cxn ang="0">
+                <a:pos x="connsiteX6" y="connsiteY6"/>
+              </a:cxn>
+              <a:cxn ang="0">
+                <a:pos x="connsiteX7" y="connsiteY7"/>
+              </a:cxn>
+              <a:cxn ang="0">
+                <a:pos x="connsiteX8" y="connsiteY8"/>
+              </a:cxn>
+              <a:cxn ang="0">
+                <a:pos x="connsiteX9" y="connsiteY9"/>
+              </a:cxn>
+              <a:cxn ang="0">
+                <a:pos x="connsiteX10" y="connsiteY10"/>
+              </a:cxn>
+              <a:cxn ang="0">
+                <a:pos x="connsiteX11" y="connsiteY11"/>
+              </a:cxn>
+              <a:cxn ang="0">
+                <a:pos x="connsiteX12" y="connsiteY12"/>
+              </a:cxn>
+              <a:cxn ang="0">
+                <a:pos x="connsiteX13" y="connsiteY13"/>
+              </a:cxn>
+              <a:cxn ang="0">
+                <a:pos x="connsiteX14" y="connsiteY14"/>
+              </a:cxn>
+              <a:cxn ang="0">
+                <a:pos x="connsiteX15" y="connsiteY15"/>
+              </a:cxn>
+              <a:cxn ang="0">
+                <a:pos x="connsiteX16" y="connsiteY16"/>
+              </a:cxn>
+              <a:cxn ang="0">
+                <a:pos x="connsiteX17" y="connsiteY17"/>
+              </a:cxn>
+              <a:cxn ang="0">
+                <a:pos x="connsiteX18" y="connsiteY18"/>
+              </a:cxn>
+              <a:cxn ang="0">
+                <a:pos x="connsiteX19" y="connsiteY19"/>
+              </a:cxn>
+              <a:cxn ang="0">
+                <a:pos x="connsiteX20" y="connsiteY20"/>
+              </a:cxn>
+              <a:cxn ang="0">
+                <a:pos x="connsiteX21" y="connsiteY21"/>
+              </a:cxn>
+              <a:cxn ang="0">
+                <a:pos x="connsiteX22" y="connsiteY22"/>
+              </a:cxn>
+              <a:cxn ang="0">
+                <a:pos x="connsiteX23" y="connsiteY23"/>
+              </a:cxn>
+              <a:cxn ang="0">
+                <a:pos x="connsiteX24" y="connsiteY24"/>
+              </a:cxn>
+            </a:cxnLst>
+            <a:rect l="l" t="t" r="r" b="b"/>
+            <a:pathLst>
+              <a:path w="2712583" h="4190659" fill="none" extrusionOk="0">
+                <a:moveTo>
+                  <a:pt x="0" y="0"/>
+                </a:moveTo>
+                <a:cubicBezTo>
+                  <a:pt x="208499" y="-4530"/>
+                  <a:pt x="363073" y="46469"/>
+                  <a:pt x="488265" y="0"/>
+                </a:cubicBezTo>
+                <a:cubicBezTo>
+                  <a:pt x="613457" y="-46469"/>
+                  <a:pt x="904670" y="46821"/>
+                  <a:pt x="1085033" y="0"/>
+                </a:cubicBezTo>
+                <a:cubicBezTo>
+                  <a:pt x="1265396" y="-46821"/>
+                  <a:pt x="1493666" y="48301"/>
+                  <a:pt x="1627550" y="0"/>
+                </a:cubicBezTo>
+                <a:cubicBezTo>
+                  <a:pt x="1761434" y="-48301"/>
+                  <a:pt x="2042466" y="31918"/>
+                  <a:pt x="2224318" y="0"/>
+                </a:cubicBezTo>
+                <a:cubicBezTo>
+                  <a:pt x="2406170" y="-31918"/>
+                  <a:pt x="2485524" y="57995"/>
+                  <a:pt x="2712583" y="0"/>
+                </a:cubicBezTo>
+                <a:cubicBezTo>
+                  <a:pt x="2729219" y="254928"/>
+                  <a:pt x="2652997" y="296934"/>
+                  <a:pt x="2712583" y="514852"/>
+                </a:cubicBezTo>
+                <a:cubicBezTo>
+                  <a:pt x="2772169" y="732770"/>
+                  <a:pt x="2656208" y="906258"/>
+                  <a:pt x="2712583" y="1029705"/>
+                </a:cubicBezTo>
+                <a:cubicBezTo>
+                  <a:pt x="2768958" y="1153152"/>
+                  <a:pt x="2668044" y="1287844"/>
+                  <a:pt x="2712583" y="1544557"/>
+                </a:cubicBezTo>
+                <a:cubicBezTo>
+                  <a:pt x="2757122" y="1801270"/>
+                  <a:pt x="2664314" y="2005115"/>
+                  <a:pt x="2712583" y="2227036"/>
+                </a:cubicBezTo>
+                <a:cubicBezTo>
+                  <a:pt x="2760852" y="2448957"/>
+                  <a:pt x="2652293" y="2549680"/>
+                  <a:pt x="2712583" y="2867608"/>
+                </a:cubicBezTo>
+                <a:cubicBezTo>
+                  <a:pt x="2772873" y="3185536"/>
+                  <a:pt x="2694613" y="3125148"/>
+                  <a:pt x="2712583" y="3340554"/>
+                </a:cubicBezTo>
+                <a:cubicBezTo>
+                  <a:pt x="2730553" y="3555960"/>
+                  <a:pt x="2682401" y="3942092"/>
+                  <a:pt x="2712583" y="4190659"/>
+                </a:cubicBezTo>
+                <a:cubicBezTo>
+                  <a:pt x="2540652" y="4244440"/>
+                  <a:pt x="2395791" y="4136221"/>
+                  <a:pt x="2142941" y="4190659"/>
+                </a:cubicBezTo>
+                <a:cubicBezTo>
+                  <a:pt x="1890091" y="4245097"/>
+                  <a:pt x="1713988" y="4129764"/>
+                  <a:pt x="1600424" y="4190659"/>
+                </a:cubicBezTo>
+                <a:cubicBezTo>
+                  <a:pt x="1486860" y="4251554"/>
+                  <a:pt x="1275417" y="4149652"/>
+                  <a:pt x="1139285" y="4190659"/>
+                </a:cubicBezTo>
+                <a:cubicBezTo>
+                  <a:pt x="1003153" y="4231666"/>
+                  <a:pt x="830945" y="4147558"/>
+                  <a:pt x="678146" y="4190659"/>
+                </a:cubicBezTo>
+                <a:cubicBezTo>
+                  <a:pt x="525347" y="4233760"/>
+                  <a:pt x="243799" y="4116085"/>
+                  <a:pt x="0" y="4190659"/>
+                </a:cubicBezTo>
+                <a:cubicBezTo>
+                  <a:pt x="-60795" y="4063566"/>
+                  <a:pt x="61984" y="3756009"/>
+                  <a:pt x="0" y="3633900"/>
+                </a:cubicBezTo>
+                <a:cubicBezTo>
+                  <a:pt x="-61984" y="3511791"/>
+                  <a:pt x="32945" y="3369921"/>
+                  <a:pt x="0" y="3160954"/>
+                </a:cubicBezTo>
+                <a:cubicBezTo>
+                  <a:pt x="-32945" y="2951987"/>
+                  <a:pt x="29532" y="2826385"/>
+                  <a:pt x="0" y="2646102"/>
+                </a:cubicBezTo>
+                <a:cubicBezTo>
+                  <a:pt x="-29532" y="2465819"/>
+                  <a:pt x="3208" y="2225147"/>
+                  <a:pt x="0" y="2005530"/>
+                </a:cubicBezTo>
+                <a:cubicBezTo>
+                  <a:pt x="-3208" y="1785913"/>
+                  <a:pt x="8752" y="1649705"/>
+                  <a:pt x="0" y="1364958"/>
+                </a:cubicBezTo>
+                <a:cubicBezTo>
+                  <a:pt x="-8752" y="1080211"/>
+                  <a:pt x="1862" y="1076957"/>
+                  <a:pt x="0" y="892012"/>
+                </a:cubicBezTo>
+                <a:cubicBezTo>
+                  <a:pt x="-1862" y="707067"/>
+                  <a:pt x="24032" y="195277"/>
+                  <a:pt x="0" y="0"/>
+                </a:cubicBezTo>
+                <a:close/>
+              </a:path>
+              <a:path w="2712583" h="4190659" stroke="0" extrusionOk="0">
+                <a:moveTo>
+                  <a:pt x="0" y="0"/>
+                </a:moveTo>
+                <a:cubicBezTo>
+                  <a:pt x="132222" y="-68024"/>
+                  <a:pt x="373076" y="64658"/>
+                  <a:pt x="569642" y="0"/>
+                </a:cubicBezTo>
+                <a:cubicBezTo>
+                  <a:pt x="766208" y="-64658"/>
+                  <a:pt x="978690" y="25396"/>
+                  <a:pt x="1166411" y="0"/>
+                </a:cubicBezTo>
+                <a:cubicBezTo>
+                  <a:pt x="1354132" y="-25396"/>
+                  <a:pt x="1552606" y="42221"/>
+                  <a:pt x="1736053" y="0"/>
+                </a:cubicBezTo>
+                <a:cubicBezTo>
+                  <a:pt x="1919500" y="-42221"/>
+                  <a:pt x="2309742" y="112434"/>
+                  <a:pt x="2712583" y="0"/>
+                </a:cubicBezTo>
+                <a:cubicBezTo>
+                  <a:pt x="2779131" y="174126"/>
+                  <a:pt x="2702977" y="407773"/>
+                  <a:pt x="2712583" y="640572"/>
+                </a:cubicBezTo>
+                <a:cubicBezTo>
+                  <a:pt x="2722189" y="873371"/>
+                  <a:pt x="2660328" y="890366"/>
+                  <a:pt x="2712583" y="1113518"/>
+                </a:cubicBezTo>
+                <a:cubicBezTo>
+                  <a:pt x="2764838" y="1336670"/>
+                  <a:pt x="2657424" y="1379607"/>
+                  <a:pt x="2712583" y="1628370"/>
+                </a:cubicBezTo>
+                <a:cubicBezTo>
+                  <a:pt x="2767742" y="1877133"/>
+                  <a:pt x="2684148" y="2133742"/>
+                  <a:pt x="2712583" y="2310849"/>
+                </a:cubicBezTo>
+                <a:cubicBezTo>
+                  <a:pt x="2741018" y="2487956"/>
+                  <a:pt x="2685525" y="2660261"/>
+                  <a:pt x="2712583" y="2909515"/>
+                </a:cubicBezTo>
+                <a:cubicBezTo>
+                  <a:pt x="2739641" y="3158769"/>
+                  <a:pt x="2711436" y="3357470"/>
+                  <a:pt x="2712583" y="3550087"/>
+                </a:cubicBezTo>
+                <a:cubicBezTo>
+                  <a:pt x="2713730" y="3742704"/>
+                  <a:pt x="2651082" y="3988029"/>
+                  <a:pt x="2712583" y="4190659"/>
+                </a:cubicBezTo>
+                <a:cubicBezTo>
+                  <a:pt x="2534334" y="4216345"/>
+                  <a:pt x="2315162" y="4138467"/>
+                  <a:pt x="2170066" y="4190659"/>
+                </a:cubicBezTo>
+                <a:cubicBezTo>
+                  <a:pt x="2024970" y="4242851"/>
+                  <a:pt x="1909633" y="4141705"/>
+                  <a:pt x="1708927" y="4190659"/>
+                </a:cubicBezTo>
+                <a:cubicBezTo>
+                  <a:pt x="1508221" y="4239613"/>
+                  <a:pt x="1375983" y="4147408"/>
+                  <a:pt x="1139285" y="4190659"/>
+                </a:cubicBezTo>
+                <a:cubicBezTo>
+                  <a:pt x="902587" y="4233910"/>
+                  <a:pt x="876296" y="4186108"/>
+                  <a:pt x="651020" y="4190659"/>
+                </a:cubicBezTo>
+                <a:cubicBezTo>
+                  <a:pt x="425744" y="4195210"/>
+                  <a:pt x="173550" y="4186566"/>
+                  <a:pt x="0" y="4190659"/>
+                </a:cubicBezTo>
+                <a:cubicBezTo>
+                  <a:pt x="-7086" y="4051517"/>
+                  <a:pt x="23692" y="3891867"/>
+                  <a:pt x="0" y="3717713"/>
+                </a:cubicBezTo>
+                <a:cubicBezTo>
+                  <a:pt x="-23692" y="3543559"/>
+                  <a:pt x="32461" y="3319139"/>
+                  <a:pt x="0" y="3160954"/>
+                </a:cubicBezTo>
+                <a:cubicBezTo>
+                  <a:pt x="-32461" y="3002769"/>
+                  <a:pt x="29353" y="2805787"/>
+                  <a:pt x="0" y="2562289"/>
+                </a:cubicBezTo>
+                <a:cubicBezTo>
+                  <a:pt x="-29353" y="2318792"/>
+                  <a:pt x="64988" y="2111319"/>
+                  <a:pt x="0" y="1879810"/>
+                </a:cubicBezTo>
+                <a:cubicBezTo>
+                  <a:pt x="-64988" y="1648301"/>
+                  <a:pt x="24343" y="1417886"/>
+                  <a:pt x="0" y="1281144"/>
+                </a:cubicBezTo>
+                <a:cubicBezTo>
+                  <a:pt x="-24343" y="1144402"/>
+                  <a:pt x="53957" y="863257"/>
+                  <a:pt x="0" y="598666"/>
+                </a:cubicBezTo>
+                <a:cubicBezTo>
+                  <a:pt x="-53957" y="334075"/>
+                  <a:pt x="208" y="266123"/>
+                  <a:pt x="0" y="0"/>
+                </a:cubicBezTo>
+                <a:close/>
+              </a:path>
+            </a:pathLst>
+          </a:custGeom>
+          <a:ln>
+            <a:extLst>
+              <a:ext uri="{C807C97D-BFC1-408E-A445-0C87EB9F89A2}">
+                <ask:lineSketchStyleProps xmlns:ask="http://schemas.microsoft.com/office/drawing/2018/sketchyshapes" sd="857412550">
+                  <a:prstGeom prst="rect">
+                    <a:avLst/>
+                  </a:prstGeom>
+                  <ask:type>
+                    <ask:lineSketchScribble/>
+                  </ask:type>
+                </ask:lineSketchStyleProps>
+              </a:ext>
+            </a:extLst>
+          </a:ln>
+        </p:spPr>
+        <p:style>
+          <a:lnRef idx="2">
+            <a:schemeClr val="accent5">
+              <a:shade val="50000"/>
+            </a:schemeClr>
+          </a:lnRef>
+          <a:fillRef idx="1">
+            <a:schemeClr val="accent5"/>
+          </a:fillRef>
+          <a:effectRef idx="0">
+            <a:schemeClr val="accent5"/>
+          </a:effectRef>
+          <a:fontRef idx="minor">
+            <a:schemeClr val="lt1"/>
+          </a:fontRef>
+        </p:style>
+        <p:txBody>
+          <a:bodyPr rtlCol="0" anchor="ctr"/>
+          <a:lstStyle/>
+          <a:p>
+            <a:pPr algn="ctr"/>
+            <a:r>
+              <a:rPr lang="en-US" sz="4800" dirty="0"/>
+              <a:t>Execution</a:t>
+            </a:r>
+            <a:br>
+              <a:rPr lang="en-US" sz="4800" dirty="0"/>
+            </a:br>
+            <a:r>
+              <a:rPr lang="en-US" sz="4800" dirty="0"/>
+              <a:t>List</a:t>
+            </a:r>
+            <a:endParaRPr lang="en-IL" sz="4800" dirty="0"/>
           </a:p>
         </p:txBody>
       </p:sp>
